--- a/AI-NLP.pptx
+++ b/AI-NLP.pptx
@@ -5,7 +5,7 @@
     <p:sldMasterId id="2147483659" r:id="rId1"/>
   </p:sldMasterIdLst>
   <p:notesMasterIdLst>
-    <p:notesMasterId r:id="rId24"/>
+    <p:notesMasterId r:id="rId30"/>
   </p:notesMasterIdLst>
   <p:sldIdLst>
     <p:sldId id="256" r:id="rId2"/>
@@ -30,16 +30,22 @@
     <p:sldId id="447" r:id="rId21"/>
     <p:sldId id="448" r:id="rId22"/>
     <p:sldId id="449" r:id="rId23"/>
+    <p:sldId id="450" r:id="rId24"/>
+    <p:sldId id="454" r:id="rId25"/>
+    <p:sldId id="455" r:id="rId26"/>
+    <p:sldId id="453" r:id="rId27"/>
+    <p:sldId id="451" r:id="rId28"/>
+    <p:sldId id="452" r:id="rId29"/>
   </p:sldIdLst>
   <p:sldSz cx="9144000" cy="5143500" type="screen16x9"/>
   <p:notesSz cx="6858000" cy="9144000"/>
   <p:embeddedFontLst>
     <p:embeddedFont>
-      <p:font typeface="Roboto" charset="0"/>
-      <p:regular r:id="rId25"/>
-      <p:bold r:id="rId26"/>
-      <p:italic r:id="rId27"/>
-      <p:boldItalic r:id="rId28"/>
+      <p:font typeface="Roboto" panose="020B0604020202020204" charset="0"/>
+      <p:regular r:id="rId31"/>
+      <p:bold r:id="rId32"/>
+      <p:italic r:id="rId33"/>
+      <p:boldItalic r:id="rId34"/>
     </p:embeddedFont>
   </p:embeddedFontLst>
   <p:defaultTextStyle>
@@ -273,7 +279,7 @@
   </p:defaultTextStyle>
   <p:extLst>
     <p:ext uri="{EFAFB233-063F-42B5-8137-9DF3F51BA10A}">
-      <p15:sldGuideLst xmlns:ahyp="http://schemas.microsoft.com/office/drawing/2018/hyperlinkcolor" xmlns:p15="http://schemas.microsoft.com/office/powerpoint/2012/main" xmlns:p14="http://schemas.microsoft.com/office/powerpoint/2010/main" xmlns:com="http://schemas.openxmlformats.org/drawingml/2006/compatibility" xmlns:pvml="urn:schemas-microsoft-com:office:powerpoint" xmlns:v="urn:schemas-microsoft-com:vml" xmlns:o="urn:schemas-microsoft-com:office:office" xmlns:dgm="http://schemas.openxmlformats.org/drawingml/2006/diagram" xmlns:c="http://schemas.openxmlformats.org/drawingml/2006/chart" xmlns:mv="urn:schemas-microsoft-com:mac:vml" xmlns:mc="http://schemas.openxmlformats.org/markup-compatibility/2006" xmlns="">
+      <p15:sldGuideLst xmlns:p15="http://schemas.microsoft.com/office/powerpoint/2012/main">
         <p15:guide id="1" orient="horz" pos="1620">
           <p15:clr>
             <a:srgbClr val="747775"/>
@@ -2089,6 +2095,630 @@
 </file>
 
 <file path=ppt/notesSlides/notesSlide21.xml><?xml version="1.0" encoding="utf-8"?>
+<p:notes xmlns:a="http://schemas.openxmlformats.org/drawingml/2006/main" xmlns:r="http://schemas.openxmlformats.org/officeDocument/2006/relationships" xmlns:p="http://schemas.openxmlformats.org/presentationml/2006/main" showMasterSp="0" showMasterPhAnim="0">
+  <p:cSld>
+    <p:spTree>
+      <p:nvGrpSpPr>
+        <p:cNvPr id="1" name="Shape 99"/>
+        <p:cNvGrpSpPr/>
+        <p:nvPr/>
+      </p:nvGrpSpPr>
+      <p:grpSpPr>
+        <a:xfrm>
+          <a:off x="0" y="0"/>
+          <a:ext cx="0" cy="0"/>
+          <a:chOff x="0" y="0"/>
+          <a:chExt cx="0" cy="0"/>
+        </a:xfrm>
+      </p:grpSpPr>
+      <p:sp>
+        <p:nvSpPr>
+          <p:cNvPr id="100" name="Google Shape;100;g2ddc889944f_0_0:notes"/>
+          <p:cNvSpPr>
+            <a:spLocks noGrp="1" noRot="1" noChangeAspect="1"/>
+          </p:cNvSpPr>
+          <p:nvPr>
+            <p:ph type="sldImg" idx="2"/>
+          </p:nvPr>
+        </p:nvSpPr>
+        <p:spPr>
+          <a:xfrm>
+            <a:off x="381000" y="685800"/>
+            <a:ext cx="6096000" cy="3429000"/>
+          </a:xfrm>
+          <a:custGeom>
+            <a:avLst/>
+            <a:gdLst/>
+            <a:ahLst/>
+            <a:cxnLst/>
+            <a:rect l="l" t="t" r="r" b="b"/>
+            <a:pathLst>
+              <a:path w="120000" h="120000" extrusionOk="0">
+                <a:moveTo>
+                  <a:pt x="0" y="0"/>
+                </a:moveTo>
+                <a:lnTo>
+                  <a:pt x="120000" y="0"/>
+                </a:lnTo>
+                <a:lnTo>
+                  <a:pt x="120000" y="120000"/>
+                </a:lnTo>
+                <a:lnTo>
+                  <a:pt x="0" y="120000"/>
+                </a:lnTo>
+                <a:close/>
+              </a:path>
+            </a:pathLst>
+          </a:custGeom>
+        </p:spPr>
+      </p:sp>
+      <p:sp>
+        <p:nvSpPr>
+          <p:cNvPr id="101" name="Google Shape;101;g2ddc889944f_0_0:notes"/>
+          <p:cNvSpPr txBox="1">
+            <a:spLocks noGrp="1"/>
+          </p:cNvSpPr>
+          <p:nvPr>
+            <p:ph type="body" idx="1"/>
+          </p:nvPr>
+        </p:nvSpPr>
+        <p:spPr>
+          <a:xfrm>
+            <a:off x="685800" y="4343400"/>
+            <a:ext cx="5486400" cy="4114800"/>
+          </a:xfrm>
+          <a:prstGeom prst="rect">
+            <a:avLst/>
+          </a:prstGeom>
+        </p:spPr>
+        <p:txBody>
+          <a:bodyPr spcFirstLastPara="1" wrap="square" lIns="91425" tIns="91425" rIns="91425" bIns="91425" anchor="t" anchorCtr="0">
+            <a:noAutofit/>
+          </a:bodyPr>
+          <a:lstStyle/>
+          <a:p>
+            <a:pPr marL="0" lvl="0" indent="0" algn="l" rtl="0">
+              <a:spcBef>
+                <a:spcPts val="0"/>
+              </a:spcBef>
+              <a:spcAft>
+                <a:spcPts val="0"/>
+              </a:spcAft>
+              <a:buNone/>
+            </a:pPr>
+            <a:endParaRPr/>
+          </a:p>
+        </p:txBody>
+      </p:sp>
+    </p:spTree>
+  </p:cSld>
+  <p:clrMapOvr>
+    <a:masterClrMapping/>
+  </p:clrMapOvr>
+</p:notes>
+</file>
+
+<file path=ppt/notesSlides/notesSlide22.xml><?xml version="1.0" encoding="utf-8"?>
+<p:notes xmlns:a="http://schemas.openxmlformats.org/drawingml/2006/main" xmlns:r="http://schemas.openxmlformats.org/officeDocument/2006/relationships" xmlns:p="http://schemas.openxmlformats.org/presentationml/2006/main" showMasterSp="0" showMasterPhAnim="0">
+  <p:cSld>
+    <p:spTree>
+      <p:nvGrpSpPr>
+        <p:cNvPr id="1" name="Shape 99"/>
+        <p:cNvGrpSpPr/>
+        <p:nvPr/>
+      </p:nvGrpSpPr>
+      <p:grpSpPr>
+        <a:xfrm>
+          <a:off x="0" y="0"/>
+          <a:ext cx="0" cy="0"/>
+          <a:chOff x="0" y="0"/>
+          <a:chExt cx="0" cy="0"/>
+        </a:xfrm>
+      </p:grpSpPr>
+      <p:sp>
+        <p:nvSpPr>
+          <p:cNvPr id="100" name="Google Shape;100;g2ddc889944f_0_0:notes"/>
+          <p:cNvSpPr>
+            <a:spLocks noGrp="1" noRot="1" noChangeAspect="1"/>
+          </p:cNvSpPr>
+          <p:nvPr>
+            <p:ph type="sldImg" idx="2"/>
+          </p:nvPr>
+        </p:nvSpPr>
+        <p:spPr>
+          <a:xfrm>
+            <a:off x="381000" y="685800"/>
+            <a:ext cx="6096000" cy="3429000"/>
+          </a:xfrm>
+          <a:custGeom>
+            <a:avLst/>
+            <a:gdLst/>
+            <a:ahLst/>
+            <a:cxnLst/>
+            <a:rect l="l" t="t" r="r" b="b"/>
+            <a:pathLst>
+              <a:path w="120000" h="120000" extrusionOk="0">
+                <a:moveTo>
+                  <a:pt x="0" y="0"/>
+                </a:moveTo>
+                <a:lnTo>
+                  <a:pt x="120000" y="0"/>
+                </a:lnTo>
+                <a:lnTo>
+                  <a:pt x="120000" y="120000"/>
+                </a:lnTo>
+                <a:lnTo>
+                  <a:pt x="0" y="120000"/>
+                </a:lnTo>
+                <a:close/>
+              </a:path>
+            </a:pathLst>
+          </a:custGeom>
+        </p:spPr>
+      </p:sp>
+      <p:sp>
+        <p:nvSpPr>
+          <p:cNvPr id="101" name="Google Shape;101;g2ddc889944f_0_0:notes"/>
+          <p:cNvSpPr txBox="1">
+            <a:spLocks noGrp="1"/>
+          </p:cNvSpPr>
+          <p:nvPr>
+            <p:ph type="body" idx="1"/>
+          </p:nvPr>
+        </p:nvSpPr>
+        <p:spPr>
+          <a:xfrm>
+            <a:off x="685800" y="4343400"/>
+            <a:ext cx="5486400" cy="4114800"/>
+          </a:xfrm>
+          <a:prstGeom prst="rect">
+            <a:avLst/>
+          </a:prstGeom>
+        </p:spPr>
+        <p:txBody>
+          <a:bodyPr spcFirstLastPara="1" wrap="square" lIns="91425" tIns="91425" rIns="91425" bIns="91425" anchor="t" anchorCtr="0">
+            <a:noAutofit/>
+          </a:bodyPr>
+          <a:lstStyle/>
+          <a:p>
+            <a:pPr marL="0" lvl="0" indent="0" algn="l" rtl="0">
+              <a:spcBef>
+                <a:spcPts val="0"/>
+              </a:spcBef>
+              <a:spcAft>
+                <a:spcPts val="0"/>
+              </a:spcAft>
+              <a:buNone/>
+            </a:pPr>
+            <a:endParaRPr/>
+          </a:p>
+        </p:txBody>
+      </p:sp>
+    </p:spTree>
+  </p:cSld>
+  <p:clrMapOvr>
+    <a:masterClrMapping/>
+  </p:clrMapOvr>
+</p:notes>
+</file>
+
+<file path=ppt/notesSlides/notesSlide23.xml><?xml version="1.0" encoding="utf-8"?>
+<p:notes xmlns:a="http://schemas.openxmlformats.org/drawingml/2006/main" xmlns:r="http://schemas.openxmlformats.org/officeDocument/2006/relationships" xmlns:p="http://schemas.openxmlformats.org/presentationml/2006/main" showMasterSp="0" showMasterPhAnim="0">
+  <p:cSld>
+    <p:spTree>
+      <p:nvGrpSpPr>
+        <p:cNvPr id="1" name="Shape 99"/>
+        <p:cNvGrpSpPr/>
+        <p:nvPr/>
+      </p:nvGrpSpPr>
+      <p:grpSpPr>
+        <a:xfrm>
+          <a:off x="0" y="0"/>
+          <a:ext cx="0" cy="0"/>
+          <a:chOff x="0" y="0"/>
+          <a:chExt cx="0" cy="0"/>
+        </a:xfrm>
+      </p:grpSpPr>
+      <p:sp>
+        <p:nvSpPr>
+          <p:cNvPr id="100" name="Google Shape;100;g2ddc889944f_0_0:notes"/>
+          <p:cNvSpPr>
+            <a:spLocks noGrp="1" noRot="1" noChangeAspect="1"/>
+          </p:cNvSpPr>
+          <p:nvPr>
+            <p:ph type="sldImg" idx="2"/>
+          </p:nvPr>
+        </p:nvSpPr>
+        <p:spPr>
+          <a:xfrm>
+            <a:off x="381000" y="685800"/>
+            <a:ext cx="6096000" cy="3429000"/>
+          </a:xfrm>
+          <a:custGeom>
+            <a:avLst/>
+            <a:gdLst/>
+            <a:ahLst/>
+            <a:cxnLst/>
+            <a:rect l="l" t="t" r="r" b="b"/>
+            <a:pathLst>
+              <a:path w="120000" h="120000" extrusionOk="0">
+                <a:moveTo>
+                  <a:pt x="0" y="0"/>
+                </a:moveTo>
+                <a:lnTo>
+                  <a:pt x="120000" y="0"/>
+                </a:lnTo>
+                <a:lnTo>
+                  <a:pt x="120000" y="120000"/>
+                </a:lnTo>
+                <a:lnTo>
+                  <a:pt x="0" y="120000"/>
+                </a:lnTo>
+                <a:close/>
+              </a:path>
+            </a:pathLst>
+          </a:custGeom>
+        </p:spPr>
+      </p:sp>
+      <p:sp>
+        <p:nvSpPr>
+          <p:cNvPr id="101" name="Google Shape;101;g2ddc889944f_0_0:notes"/>
+          <p:cNvSpPr txBox="1">
+            <a:spLocks noGrp="1"/>
+          </p:cNvSpPr>
+          <p:nvPr>
+            <p:ph type="body" idx="1"/>
+          </p:nvPr>
+        </p:nvSpPr>
+        <p:spPr>
+          <a:xfrm>
+            <a:off x="685800" y="4343400"/>
+            <a:ext cx="5486400" cy="4114800"/>
+          </a:xfrm>
+          <a:prstGeom prst="rect">
+            <a:avLst/>
+          </a:prstGeom>
+        </p:spPr>
+        <p:txBody>
+          <a:bodyPr spcFirstLastPara="1" wrap="square" lIns="91425" tIns="91425" rIns="91425" bIns="91425" anchor="t" anchorCtr="0">
+            <a:noAutofit/>
+          </a:bodyPr>
+          <a:lstStyle/>
+          <a:p>
+            <a:pPr marL="0" lvl="0" indent="0" algn="l" rtl="0">
+              <a:spcBef>
+                <a:spcPts val="0"/>
+              </a:spcBef>
+              <a:spcAft>
+                <a:spcPts val="0"/>
+              </a:spcAft>
+              <a:buNone/>
+            </a:pPr>
+            <a:endParaRPr/>
+          </a:p>
+        </p:txBody>
+      </p:sp>
+    </p:spTree>
+  </p:cSld>
+  <p:clrMapOvr>
+    <a:masterClrMapping/>
+  </p:clrMapOvr>
+</p:notes>
+</file>
+
+<file path=ppt/notesSlides/notesSlide24.xml><?xml version="1.0" encoding="utf-8"?>
+<p:notes xmlns:a="http://schemas.openxmlformats.org/drawingml/2006/main" xmlns:r="http://schemas.openxmlformats.org/officeDocument/2006/relationships" xmlns:p="http://schemas.openxmlformats.org/presentationml/2006/main" showMasterSp="0" showMasterPhAnim="0">
+  <p:cSld>
+    <p:spTree>
+      <p:nvGrpSpPr>
+        <p:cNvPr id="1" name="Shape 99"/>
+        <p:cNvGrpSpPr/>
+        <p:nvPr/>
+      </p:nvGrpSpPr>
+      <p:grpSpPr>
+        <a:xfrm>
+          <a:off x="0" y="0"/>
+          <a:ext cx="0" cy="0"/>
+          <a:chOff x="0" y="0"/>
+          <a:chExt cx="0" cy="0"/>
+        </a:xfrm>
+      </p:grpSpPr>
+      <p:sp>
+        <p:nvSpPr>
+          <p:cNvPr id="100" name="Google Shape;100;g2ddc889944f_0_0:notes"/>
+          <p:cNvSpPr>
+            <a:spLocks noGrp="1" noRot="1" noChangeAspect="1"/>
+          </p:cNvSpPr>
+          <p:nvPr>
+            <p:ph type="sldImg" idx="2"/>
+          </p:nvPr>
+        </p:nvSpPr>
+        <p:spPr>
+          <a:xfrm>
+            <a:off x="381000" y="685800"/>
+            <a:ext cx="6096000" cy="3429000"/>
+          </a:xfrm>
+          <a:custGeom>
+            <a:avLst/>
+            <a:gdLst/>
+            <a:ahLst/>
+            <a:cxnLst/>
+            <a:rect l="l" t="t" r="r" b="b"/>
+            <a:pathLst>
+              <a:path w="120000" h="120000" extrusionOk="0">
+                <a:moveTo>
+                  <a:pt x="0" y="0"/>
+                </a:moveTo>
+                <a:lnTo>
+                  <a:pt x="120000" y="0"/>
+                </a:lnTo>
+                <a:lnTo>
+                  <a:pt x="120000" y="120000"/>
+                </a:lnTo>
+                <a:lnTo>
+                  <a:pt x="0" y="120000"/>
+                </a:lnTo>
+                <a:close/>
+              </a:path>
+            </a:pathLst>
+          </a:custGeom>
+        </p:spPr>
+      </p:sp>
+      <p:sp>
+        <p:nvSpPr>
+          <p:cNvPr id="101" name="Google Shape;101;g2ddc889944f_0_0:notes"/>
+          <p:cNvSpPr txBox="1">
+            <a:spLocks noGrp="1"/>
+          </p:cNvSpPr>
+          <p:nvPr>
+            <p:ph type="body" idx="1"/>
+          </p:nvPr>
+        </p:nvSpPr>
+        <p:spPr>
+          <a:xfrm>
+            <a:off x="685800" y="4343400"/>
+            <a:ext cx="5486400" cy="4114800"/>
+          </a:xfrm>
+          <a:prstGeom prst="rect">
+            <a:avLst/>
+          </a:prstGeom>
+        </p:spPr>
+        <p:txBody>
+          <a:bodyPr spcFirstLastPara="1" wrap="square" lIns="91425" tIns="91425" rIns="91425" bIns="91425" anchor="t" anchorCtr="0">
+            <a:noAutofit/>
+          </a:bodyPr>
+          <a:lstStyle/>
+          <a:p>
+            <a:pPr marL="0" lvl="0" indent="0" algn="l" rtl="0">
+              <a:spcBef>
+                <a:spcPts val="0"/>
+              </a:spcBef>
+              <a:spcAft>
+                <a:spcPts val="0"/>
+              </a:spcAft>
+              <a:buNone/>
+            </a:pPr>
+            <a:endParaRPr/>
+          </a:p>
+        </p:txBody>
+      </p:sp>
+    </p:spTree>
+  </p:cSld>
+  <p:clrMapOvr>
+    <a:masterClrMapping/>
+  </p:clrMapOvr>
+</p:notes>
+</file>
+
+<file path=ppt/notesSlides/notesSlide25.xml><?xml version="1.0" encoding="utf-8"?>
+<p:notes xmlns:a="http://schemas.openxmlformats.org/drawingml/2006/main" xmlns:r="http://schemas.openxmlformats.org/officeDocument/2006/relationships" xmlns:p="http://schemas.openxmlformats.org/presentationml/2006/main" showMasterSp="0" showMasterPhAnim="0">
+  <p:cSld>
+    <p:spTree>
+      <p:nvGrpSpPr>
+        <p:cNvPr id="1" name="Shape 99"/>
+        <p:cNvGrpSpPr/>
+        <p:nvPr/>
+      </p:nvGrpSpPr>
+      <p:grpSpPr>
+        <a:xfrm>
+          <a:off x="0" y="0"/>
+          <a:ext cx="0" cy="0"/>
+          <a:chOff x="0" y="0"/>
+          <a:chExt cx="0" cy="0"/>
+        </a:xfrm>
+      </p:grpSpPr>
+      <p:sp>
+        <p:nvSpPr>
+          <p:cNvPr id="100" name="Google Shape;100;g2ddc889944f_0_0:notes"/>
+          <p:cNvSpPr>
+            <a:spLocks noGrp="1" noRot="1" noChangeAspect="1"/>
+          </p:cNvSpPr>
+          <p:nvPr>
+            <p:ph type="sldImg" idx="2"/>
+          </p:nvPr>
+        </p:nvSpPr>
+        <p:spPr>
+          <a:xfrm>
+            <a:off x="381000" y="685800"/>
+            <a:ext cx="6096000" cy="3429000"/>
+          </a:xfrm>
+          <a:custGeom>
+            <a:avLst/>
+            <a:gdLst/>
+            <a:ahLst/>
+            <a:cxnLst/>
+            <a:rect l="l" t="t" r="r" b="b"/>
+            <a:pathLst>
+              <a:path w="120000" h="120000" extrusionOk="0">
+                <a:moveTo>
+                  <a:pt x="0" y="0"/>
+                </a:moveTo>
+                <a:lnTo>
+                  <a:pt x="120000" y="0"/>
+                </a:lnTo>
+                <a:lnTo>
+                  <a:pt x="120000" y="120000"/>
+                </a:lnTo>
+                <a:lnTo>
+                  <a:pt x="0" y="120000"/>
+                </a:lnTo>
+                <a:close/>
+              </a:path>
+            </a:pathLst>
+          </a:custGeom>
+        </p:spPr>
+      </p:sp>
+      <p:sp>
+        <p:nvSpPr>
+          <p:cNvPr id="101" name="Google Shape;101;g2ddc889944f_0_0:notes"/>
+          <p:cNvSpPr txBox="1">
+            <a:spLocks noGrp="1"/>
+          </p:cNvSpPr>
+          <p:nvPr>
+            <p:ph type="body" idx="1"/>
+          </p:nvPr>
+        </p:nvSpPr>
+        <p:spPr>
+          <a:xfrm>
+            <a:off x="685800" y="4343400"/>
+            <a:ext cx="5486400" cy="4114800"/>
+          </a:xfrm>
+          <a:prstGeom prst="rect">
+            <a:avLst/>
+          </a:prstGeom>
+        </p:spPr>
+        <p:txBody>
+          <a:bodyPr spcFirstLastPara="1" wrap="square" lIns="91425" tIns="91425" rIns="91425" bIns="91425" anchor="t" anchorCtr="0">
+            <a:noAutofit/>
+          </a:bodyPr>
+          <a:lstStyle/>
+          <a:p>
+            <a:pPr marL="0" lvl="0" indent="0" algn="l" rtl="0">
+              <a:spcBef>
+                <a:spcPts val="0"/>
+              </a:spcBef>
+              <a:spcAft>
+                <a:spcPts val="0"/>
+              </a:spcAft>
+              <a:buNone/>
+            </a:pPr>
+            <a:endParaRPr/>
+          </a:p>
+        </p:txBody>
+      </p:sp>
+    </p:spTree>
+  </p:cSld>
+  <p:clrMapOvr>
+    <a:masterClrMapping/>
+  </p:clrMapOvr>
+</p:notes>
+</file>
+
+<file path=ppt/notesSlides/notesSlide26.xml><?xml version="1.0" encoding="utf-8"?>
+<p:notes xmlns:a="http://schemas.openxmlformats.org/drawingml/2006/main" xmlns:r="http://schemas.openxmlformats.org/officeDocument/2006/relationships" xmlns:p="http://schemas.openxmlformats.org/presentationml/2006/main" showMasterSp="0" showMasterPhAnim="0">
+  <p:cSld>
+    <p:spTree>
+      <p:nvGrpSpPr>
+        <p:cNvPr id="1" name="Shape 99"/>
+        <p:cNvGrpSpPr/>
+        <p:nvPr/>
+      </p:nvGrpSpPr>
+      <p:grpSpPr>
+        <a:xfrm>
+          <a:off x="0" y="0"/>
+          <a:ext cx="0" cy="0"/>
+          <a:chOff x="0" y="0"/>
+          <a:chExt cx="0" cy="0"/>
+        </a:xfrm>
+      </p:grpSpPr>
+      <p:sp>
+        <p:nvSpPr>
+          <p:cNvPr id="100" name="Google Shape;100;g2ddc889944f_0_0:notes"/>
+          <p:cNvSpPr>
+            <a:spLocks noGrp="1" noRot="1" noChangeAspect="1"/>
+          </p:cNvSpPr>
+          <p:nvPr>
+            <p:ph type="sldImg" idx="2"/>
+          </p:nvPr>
+        </p:nvSpPr>
+        <p:spPr>
+          <a:xfrm>
+            <a:off x="381000" y="685800"/>
+            <a:ext cx="6096000" cy="3429000"/>
+          </a:xfrm>
+          <a:custGeom>
+            <a:avLst/>
+            <a:gdLst/>
+            <a:ahLst/>
+            <a:cxnLst/>
+            <a:rect l="l" t="t" r="r" b="b"/>
+            <a:pathLst>
+              <a:path w="120000" h="120000" extrusionOk="0">
+                <a:moveTo>
+                  <a:pt x="0" y="0"/>
+                </a:moveTo>
+                <a:lnTo>
+                  <a:pt x="120000" y="0"/>
+                </a:lnTo>
+                <a:lnTo>
+                  <a:pt x="120000" y="120000"/>
+                </a:lnTo>
+                <a:lnTo>
+                  <a:pt x="0" y="120000"/>
+                </a:lnTo>
+                <a:close/>
+              </a:path>
+            </a:pathLst>
+          </a:custGeom>
+        </p:spPr>
+      </p:sp>
+      <p:sp>
+        <p:nvSpPr>
+          <p:cNvPr id="101" name="Google Shape;101;g2ddc889944f_0_0:notes"/>
+          <p:cNvSpPr txBox="1">
+            <a:spLocks noGrp="1"/>
+          </p:cNvSpPr>
+          <p:nvPr>
+            <p:ph type="body" idx="1"/>
+          </p:nvPr>
+        </p:nvSpPr>
+        <p:spPr>
+          <a:xfrm>
+            <a:off x="685800" y="4343400"/>
+            <a:ext cx="5486400" cy="4114800"/>
+          </a:xfrm>
+          <a:prstGeom prst="rect">
+            <a:avLst/>
+          </a:prstGeom>
+        </p:spPr>
+        <p:txBody>
+          <a:bodyPr spcFirstLastPara="1" wrap="square" lIns="91425" tIns="91425" rIns="91425" bIns="91425" anchor="t" anchorCtr="0">
+            <a:noAutofit/>
+          </a:bodyPr>
+          <a:lstStyle/>
+          <a:p>
+            <a:pPr marL="0" lvl="0" indent="0" algn="l" rtl="0">
+              <a:spcBef>
+                <a:spcPts val="0"/>
+              </a:spcBef>
+              <a:spcAft>
+                <a:spcPts val="0"/>
+              </a:spcAft>
+              <a:buNone/>
+            </a:pPr>
+            <a:endParaRPr/>
+          </a:p>
+        </p:txBody>
+      </p:sp>
+    </p:spTree>
+  </p:cSld>
+  <p:clrMapOvr>
+    <a:masterClrMapping/>
+  </p:clrMapOvr>
+</p:notes>
+</file>
+
+<file path=ppt/notesSlides/notesSlide27.xml><?xml version="1.0" encoding="utf-8"?>
 <p:notes xmlns:a="http://schemas.openxmlformats.org/drawingml/2006/main" xmlns:r="http://schemas.openxmlformats.org/officeDocument/2006/relationships" xmlns:p="http://schemas.openxmlformats.org/presentationml/2006/main" showMasterSp="0" showMasterPhAnim="0">
   <p:cSld>
     <p:spTree>
@@ -9612,10 +10242,6 @@
               <a:rPr lang="en-US" sz="3280" b="1" dirty="0" smtClean="0"/>
               <a:t>NATURAL LANGUAGE PROCESSING</a:t>
             </a:r>
-            <a:r>
-              <a:rPr lang="en-US" sz="3280" b="1" dirty="0" smtClean="0"/>
-              <a:t/>
-            </a:r>
             <a:br>
               <a:rPr lang="en-US" sz="3280" b="1" dirty="0" smtClean="0"/>
             </a:br>
@@ -13748,6 +14374,2323 @@
     <p:extLst>
       <p:ext uri="{BB962C8B-B14F-4D97-AF65-F5344CB8AC3E}">
         <p14:creationId xmlns:p14="http://schemas.microsoft.com/office/powerpoint/2010/main" val="850344161"/>
+      </p:ext>
+    </p:extLst>
+  </p:cSld>
+  <p:clrMapOvr>
+    <a:masterClrMapping/>
+  </p:clrMapOvr>
+  <p:timing>
+    <p:tnLst>
+      <p:par>
+        <p:cTn id="1" dur="indefinite" restart="never" nodeType="tmRoot"/>
+      </p:par>
+    </p:tnLst>
+  </p:timing>
+</p:sld>
+</file>
+
+<file path=ppt/slides/slide23.xml><?xml version="1.0" encoding="utf-8"?>
+<p:sld xmlns:a="http://schemas.openxmlformats.org/drawingml/2006/main" xmlns:r="http://schemas.openxmlformats.org/officeDocument/2006/relationships" xmlns:p="http://schemas.openxmlformats.org/presentationml/2006/main">
+  <p:cSld>
+    <p:spTree>
+      <p:nvGrpSpPr>
+        <p:cNvPr id="1" name="Shape 102"/>
+        <p:cNvGrpSpPr/>
+        <p:nvPr/>
+      </p:nvGrpSpPr>
+      <p:grpSpPr>
+        <a:xfrm>
+          <a:off x="0" y="0"/>
+          <a:ext cx="0" cy="0"/>
+          <a:chOff x="0" y="0"/>
+          <a:chExt cx="0" cy="0"/>
+        </a:xfrm>
+      </p:grpSpPr>
+      <p:sp>
+        <p:nvSpPr>
+          <p:cNvPr id="103" name="Google Shape;103;p16"/>
+          <p:cNvSpPr txBox="1">
+            <a:spLocks noGrp="1"/>
+          </p:cNvSpPr>
+          <p:nvPr>
+            <p:ph type="title"/>
+          </p:nvPr>
+        </p:nvSpPr>
+        <p:spPr>
+          <a:xfrm>
+            <a:off x="0" y="-37322"/>
+            <a:ext cx="9144000" cy="447869"/>
+          </a:xfrm>
+          <a:prstGeom prst="rect">
+            <a:avLst/>
+          </a:prstGeom>
+        </p:spPr>
+        <p:txBody>
+          <a:bodyPr spcFirstLastPara="1" wrap="square" lIns="91425" tIns="91425" rIns="91425" bIns="91425" anchor="t" anchorCtr="0">
+            <a:noAutofit/>
+          </a:bodyPr>
+          <a:lstStyle/>
+          <a:p>
+            <a:pPr algn="ctr" fontAlgn="base"/>
+            <a:r>
+              <a:rPr lang="en-US" sz="2000" b="1" dirty="0" smtClean="0"/>
+              <a:t>INTRODUCTION TO NLTK / SPACY IN NLP</a:t>
+            </a:r>
+            <a:endParaRPr lang="en-US" sz="2000" b="1" dirty="0"/>
+          </a:p>
+        </p:txBody>
+      </p:sp>
+      <p:sp>
+        <p:nvSpPr>
+          <p:cNvPr id="2" name="Rectangle 1"/>
+          <p:cNvSpPr/>
+          <p:nvPr/>
+        </p:nvSpPr>
+        <p:spPr>
+          <a:xfrm>
+            <a:off x="382555" y="544976"/>
+            <a:ext cx="8537510" cy="3877985"/>
+          </a:xfrm>
+          <a:prstGeom prst="rect">
+            <a:avLst/>
+          </a:prstGeom>
+        </p:spPr>
+        <p:txBody>
+          <a:bodyPr wrap="square">
+            <a:spAutoFit/>
+          </a:bodyPr>
+          <a:lstStyle/>
+          <a:p>
+            <a:pPr algn="just"/>
+            <a:r>
+              <a:rPr lang="en-US" sz="1200" b="1" dirty="0">
+                <a:solidFill>
+                  <a:schemeClr val="tx1"/>
+                </a:solidFill>
+              </a:rPr>
+              <a:t>NLTK (Natural Language Toolkit)</a:t>
+            </a:r>
+            <a:r>
+              <a:rPr lang="en-US" sz="1200" dirty="0">
+                <a:solidFill>
+                  <a:schemeClr val="tx1"/>
+                </a:solidFill>
+              </a:rPr>
+              <a:t> and </a:t>
+            </a:r>
+            <a:r>
+              <a:rPr lang="en-US" sz="1200" b="1" dirty="0" err="1">
+                <a:solidFill>
+                  <a:schemeClr val="tx1"/>
+                </a:solidFill>
+              </a:rPr>
+              <a:t>SpaCy</a:t>
+            </a:r>
+            <a:r>
+              <a:rPr lang="en-US" sz="1200" dirty="0">
+                <a:solidFill>
+                  <a:schemeClr val="tx1"/>
+                </a:solidFill>
+              </a:rPr>
+              <a:t> are two popular libraries in Python for Natural Language Processing (NLP). Each has its own strengths and is suited for different types of NLP tasks. Here's an overview of both</a:t>
+            </a:r>
+            <a:r>
+              <a:rPr lang="en-US" sz="1200" dirty="0" smtClean="0">
+                <a:solidFill>
+                  <a:schemeClr val="tx1"/>
+                </a:solidFill>
+              </a:rPr>
+              <a:t>:</a:t>
+            </a:r>
+          </a:p>
+          <a:p>
+            <a:pPr algn="just"/>
+            <a:endParaRPr lang="en-US" sz="1200" dirty="0">
+              <a:solidFill>
+                <a:schemeClr val="tx1"/>
+              </a:solidFill>
+            </a:endParaRPr>
+          </a:p>
+          <a:p>
+            <a:pPr algn="just">
+              <a:lnSpc>
+                <a:spcPct val="150000"/>
+              </a:lnSpc>
+            </a:pPr>
+            <a:r>
+              <a:rPr lang="en-US" sz="1200" b="1" u="sng" dirty="0">
+                <a:solidFill>
+                  <a:schemeClr val="tx1"/>
+                </a:solidFill>
+              </a:rPr>
+              <a:t>NLTK (Natural Language Toolkit)</a:t>
+            </a:r>
+          </a:p>
+          <a:p>
+            <a:pPr algn="just">
+              <a:lnSpc>
+                <a:spcPct val="150000"/>
+              </a:lnSpc>
+            </a:pPr>
+            <a:r>
+              <a:rPr lang="en-US" sz="1200" b="1" dirty="0">
+                <a:solidFill>
+                  <a:schemeClr val="tx1"/>
+                </a:solidFill>
+              </a:rPr>
+              <a:t>NLTK</a:t>
+            </a:r>
+            <a:r>
+              <a:rPr lang="en-US" sz="1200" dirty="0">
+                <a:solidFill>
+                  <a:schemeClr val="tx1"/>
+                </a:solidFill>
+              </a:rPr>
+              <a:t> is one of the oldest and most comprehensive libraries for NLP in Python. It provides tools and datasets for various NLP tasks and is widely used in academic and research settings.</a:t>
+            </a:r>
+          </a:p>
+          <a:p>
+            <a:pPr algn="just">
+              <a:lnSpc>
+                <a:spcPct val="150000"/>
+              </a:lnSpc>
+            </a:pPr>
+            <a:r>
+              <a:rPr lang="en-US" sz="1200" b="1" u="sng" dirty="0">
+                <a:solidFill>
+                  <a:schemeClr val="tx1"/>
+                </a:solidFill>
+              </a:rPr>
+              <a:t>Key Features:</a:t>
+            </a:r>
+          </a:p>
+          <a:p>
+            <a:pPr algn="just">
+              <a:lnSpc>
+                <a:spcPct val="150000"/>
+              </a:lnSpc>
+            </a:pPr>
+            <a:r>
+              <a:rPr lang="en-US" sz="1200" b="1" dirty="0">
+                <a:solidFill>
+                  <a:schemeClr val="tx1"/>
+                </a:solidFill>
+              </a:rPr>
+              <a:t>Tokenization</a:t>
+            </a:r>
+            <a:r>
+              <a:rPr lang="en-US" sz="1200" dirty="0">
+                <a:solidFill>
+                  <a:schemeClr val="tx1"/>
+                </a:solidFill>
+              </a:rPr>
+              <a:t>: Split text into words or sentences.</a:t>
+            </a:r>
+          </a:p>
+          <a:p>
+            <a:pPr algn="just">
+              <a:lnSpc>
+                <a:spcPct val="150000"/>
+              </a:lnSpc>
+            </a:pPr>
+            <a:r>
+              <a:rPr lang="en-US" sz="1200" b="1" dirty="0">
+                <a:solidFill>
+                  <a:schemeClr val="tx1"/>
+                </a:solidFill>
+              </a:rPr>
+              <a:t>Stop Words Removal</a:t>
+            </a:r>
+            <a:r>
+              <a:rPr lang="en-US" sz="1200" dirty="0">
+                <a:solidFill>
+                  <a:schemeClr val="tx1"/>
+                </a:solidFill>
+              </a:rPr>
+              <a:t>: Access and filter common stop words.</a:t>
+            </a:r>
+          </a:p>
+          <a:p>
+            <a:pPr algn="just">
+              <a:lnSpc>
+                <a:spcPct val="150000"/>
+              </a:lnSpc>
+            </a:pPr>
+            <a:r>
+              <a:rPr lang="en-US" sz="1200" b="1" dirty="0">
+                <a:solidFill>
+                  <a:schemeClr val="tx1"/>
+                </a:solidFill>
+              </a:rPr>
+              <a:t>Stemming and Lemmatization</a:t>
+            </a:r>
+            <a:r>
+              <a:rPr lang="en-US" sz="1200" dirty="0">
+                <a:solidFill>
+                  <a:schemeClr val="tx1"/>
+                </a:solidFill>
+              </a:rPr>
+              <a:t>: Reduce words to their root forms.</a:t>
+            </a:r>
+          </a:p>
+          <a:p>
+            <a:pPr algn="just">
+              <a:lnSpc>
+                <a:spcPct val="150000"/>
+              </a:lnSpc>
+            </a:pPr>
+            <a:r>
+              <a:rPr lang="en-US" sz="1200" b="1" dirty="0">
+                <a:solidFill>
+                  <a:schemeClr val="tx1"/>
+                </a:solidFill>
+              </a:rPr>
+              <a:t>Part-of-Speech Tagging</a:t>
+            </a:r>
+            <a:r>
+              <a:rPr lang="en-US" sz="1200" dirty="0">
+                <a:solidFill>
+                  <a:schemeClr val="tx1"/>
+                </a:solidFill>
+              </a:rPr>
+              <a:t>: Identify grammatical tags for words.</a:t>
+            </a:r>
+          </a:p>
+          <a:p>
+            <a:pPr algn="just">
+              <a:lnSpc>
+                <a:spcPct val="150000"/>
+              </a:lnSpc>
+            </a:pPr>
+            <a:r>
+              <a:rPr lang="en-US" sz="1200" b="1" dirty="0">
+                <a:solidFill>
+                  <a:schemeClr val="tx1"/>
+                </a:solidFill>
+              </a:rPr>
+              <a:t>Named Entity Recognition (NER)</a:t>
+            </a:r>
+            <a:r>
+              <a:rPr lang="en-US" sz="1200" dirty="0">
+                <a:solidFill>
+                  <a:schemeClr val="tx1"/>
+                </a:solidFill>
+              </a:rPr>
+              <a:t>: Detect entities like names, dates, and locations.</a:t>
+            </a:r>
+          </a:p>
+          <a:p>
+            <a:pPr algn="just">
+              <a:lnSpc>
+                <a:spcPct val="150000"/>
+              </a:lnSpc>
+            </a:pPr>
+            <a:r>
+              <a:rPr lang="en-US" sz="1200" b="1" dirty="0">
+                <a:solidFill>
+                  <a:schemeClr val="tx1"/>
+                </a:solidFill>
+              </a:rPr>
+              <a:t>Parsing</a:t>
+            </a:r>
+            <a:r>
+              <a:rPr lang="en-US" sz="1200" dirty="0">
+                <a:solidFill>
+                  <a:schemeClr val="tx1"/>
+                </a:solidFill>
+              </a:rPr>
+              <a:t>: Analyze grammatical structure of sentences.</a:t>
+            </a:r>
+          </a:p>
+          <a:p>
+            <a:pPr algn="just">
+              <a:lnSpc>
+                <a:spcPct val="150000"/>
+              </a:lnSpc>
+            </a:pPr>
+            <a:r>
+              <a:rPr lang="en-US" sz="1200" b="1" dirty="0">
+                <a:solidFill>
+                  <a:schemeClr val="tx1"/>
+                </a:solidFill>
+              </a:rPr>
+              <a:t>Corpora and Datasets</a:t>
+            </a:r>
+            <a:r>
+              <a:rPr lang="en-US" sz="1200" dirty="0">
+                <a:solidFill>
+                  <a:schemeClr val="tx1"/>
+                </a:solidFill>
+              </a:rPr>
+              <a:t>: Access to a wide range of linguistic data.</a:t>
+            </a:r>
+          </a:p>
+          <a:p>
+            <a:pPr algn="just"/>
+            <a:endParaRPr lang="en-US" sz="1200" dirty="0">
+              <a:solidFill>
+                <a:schemeClr val="tx1"/>
+              </a:solidFill>
+            </a:endParaRPr>
+          </a:p>
+        </p:txBody>
+      </p:sp>
+    </p:spTree>
+    <p:extLst>
+      <p:ext uri="{BB962C8B-B14F-4D97-AF65-F5344CB8AC3E}">
+        <p14:creationId xmlns:p14="http://schemas.microsoft.com/office/powerpoint/2010/main" val="1698768829"/>
+      </p:ext>
+    </p:extLst>
+  </p:cSld>
+  <p:clrMapOvr>
+    <a:masterClrMapping/>
+  </p:clrMapOvr>
+  <p:timing>
+    <p:tnLst>
+      <p:par>
+        <p:cTn id="1" dur="indefinite" restart="never" nodeType="tmRoot"/>
+      </p:par>
+    </p:tnLst>
+  </p:timing>
+</p:sld>
+</file>
+
+<file path=ppt/slides/slide24.xml><?xml version="1.0" encoding="utf-8"?>
+<p:sld xmlns:a="http://schemas.openxmlformats.org/drawingml/2006/main" xmlns:r="http://schemas.openxmlformats.org/officeDocument/2006/relationships" xmlns:p="http://schemas.openxmlformats.org/presentationml/2006/main">
+  <p:cSld>
+    <p:spTree>
+      <p:nvGrpSpPr>
+        <p:cNvPr id="1" name="Shape 102"/>
+        <p:cNvGrpSpPr/>
+        <p:nvPr/>
+      </p:nvGrpSpPr>
+      <p:grpSpPr>
+        <a:xfrm>
+          <a:off x="0" y="0"/>
+          <a:ext cx="0" cy="0"/>
+          <a:chOff x="0" y="0"/>
+          <a:chExt cx="0" cy="0"/>
+        </a:xfrm>
+      </p:grpSpPr>
+      <p:sp>
+        <p:nvSpPr>
+          <p:cNvPr id="103" name="Google Shape;103;p16"/>
+          <p:cNvSpPr txBox="1">
+            <a:spLocks noGrp="1"/>
+          </p:cNvSpPr>
+          <p:nvPr>
+            <p:ph type="title"/>
+          </p:nvPr>
+        </p:nvSpPr>
+        <p:spPr>
+          <a:xfrm>
+            <a:off x="0" y="-37322"/>
+            <a:ext cx="9144000" cy="447869"/>
+          </a:xfrm>
+          <a:prstGeom prst="rect">
+            <a:avLst/>
+          </a:prstGeom>
+        </p:spPr>
+        <p:txBody>
+          <a:bodyPr spcFirstLastPara="1" wrap="square" lIns="91425" tIns="91425" rIns="91425" bIns="91425" anchor="t" anchorCtr="0">
+            <a:noAutofit/>
+          </a:bodyPr>
+          <a:lstStyle/>
+          <a:p>
+            <a:pPr algn="ctr" fontAlgn="base"/>
+            <a:r>
+              <a:rPr lang="en-US" sz="2000" b="1" dirty="0" smtClean="0"/>
+              <a:t>INTRODUCTION TO NLTK / SPACY IN NLP</a:t>
+            </a:r>
+            <a:endParaRPr lang="en-US" sz="2000" b="1" dirty="0"/>
+          </a:p>
+        </p:txBody>
+      </p:sp>
+      <p:sp>
+        <p:nvSpPr>
+          <p:cNvPr id="2" name="Rectangle 1"/>
+          <p:cNvSpPr/>
+          <p:nvPr/>
+        </p:nvSpPr>
+        <p:spPr>
+          <a:xfrm>
+            <a:off x="382555" y="451670"/>
+            <a:ext cx="8537510" cy="4524315"/>
+          </a:xfrm>
+          <a:prstGeom prst="rect">
+            <a:avLst/>
+          </a:prstGeom>
+        </p:spPr>
+        <p:txBody>
+          <a:bodyPr wrap="square">
+            <a:spAutoFit/>
+          </a:bodyPr>
+          <a:lstStyle/>
+          <a:p>
+            <a:pPr algn="just">
+              <a:lnSpc>
+                <a:spcPct val="150000"/>
+              </a:lnSpc>
+            </a:pPr>
+            <a:r>
+              <a:rPr lang="en-US" sz="1200" b="1" u="sng" dirty="0" err="1">
+                <a:solidFill>
+                  <a:schemeClr val="tx1"/>
+                </a:solidFill>
+              </a:rPr>
+              <a:t>SpaCy</a:t>
+            </a:r>
+            <a:endParaRPr lang="en-US" sz="1200" b="1" u="sng" dirty="0">
+              <a:solidFill>
+                <a:schemeClr val="tx1"/>
+              </a:solidFill>
+            </a:endParaRPr>
+          </a:p>
+          <a:p>
+            <a:pPr algn="just">
+              <a:lnSpc>
+                <a:spcPct val="150000"/>
+              </a:lnSpc>
+            </a:pPr>
+            <a:r>
+              <a:rPr lang="en-US" sz="1200" b="1" dirty="0" err="1">
+                <a:solidFill>
+                  <a:schemeClr val="tx1"/>
+                </a:solidFill>
+              </a:rPr>
+              <a:t>SpaCy</a:t>
+            </a:r>
+            <a:r>
+              <a:rPr lang="en-US" sz="1200" dirty="0">
+                <a:solidFill>
+                  <a:schemeClr val="tx1"/>
+                </a:solidFill>
+              </a:rPr>
+              <a:t> is a modern and efficient library for NLP that focuses on performance and ease of use. It is designed for industrial applications and provides a range of pre-trained models for various languages.</a:t>
+            </a:r>
+          </a:p>
+          <a:p>
+            <a:pPr algn="just">
+              <a:lnSpc>
+                <a:spcPct val="150000"/>
+              </a:lnSpc>
+            </a:pPr>
+            <a:r>
+              <a:rPr lang="en-US" sz="1200" b="1" u="sng" dirty="0">
+                <a:solidFill>
+                  <a:schemeClr val="tx1"/>
+                </a:solidFill>
+              </a:rPr>
+              <a:t>Key Features:</a:t>
+            </a:r>
+            <a:endParaRPr lang="en-US" sz="1200" u="sng" dirty="0">
+              <a:solidFill>
+                <a:schemeClr val="tx1"/>
+              </a:solidFill>
+            </a:endParaRPr>
+          </a:p>
+          <a:p>
+            <a:pPr algn="just">
+              <a:lnSpc>
+                <a:spcPct val="150000"/>
+              </a:lnSpc>
+            </a:pPr>
+            <a:r>
+              <a:rPr lang="en-US" sz="1200" b="1" dirty="0">
+                <a:solidFill>
+                  <a:schemeClr val="tx1"/>
+                </a:solidFill>
+              </a:rPr>
+              <a:t>Tokenization</a:t>
+            </a:r>
+            <a:r>
+              <a:rPr lang="en-US" sz="1200" dirty="0">
+                <a:solidFill>
+                  <a:schemeClr val="tx1"/>
+                </a:solidFill>
+              </a:rPr>
+              <a:t>: Efficiently split text into tokens.</a:t>
+            </a:r>
+          </a:p>
+          <a:p>
+            <a:pPr algn="just">
+              <a:lnSpc>
+                <a:spcPct val="150000"/>
+              </a:lnSpc>
+            </a:pPr>
+            <a:r>
+              <a:rPr lang="en-US" sz="1200" b="1" dirty="0">
+                <a:solidFill>
+                  <a:schemeClr val="tx1"/>
+                </a:solidFill>
+              </a:rPr>
+              <a:t>Stop Words Removal</a:t>
+            </a:r>
+            <a:r>
+              <a:rPr lang="en-US" sz="1200" dirty="0">
+                <a:solidFill>
+                  <a:schemeClr val="tx1"/>
+                </a:solidFill>
+              </a:rPr>
+              <a:t>: Built-in stop word lists for multiple languages.</a:t>
+            </a:r>
+          </a:p>
+          <a:p>
+            <a:pPr algn="just">
+              <a:lnSpc>
+                <a:spcPct val="150000"/>
+              </a:lnSpc>
+            </a:pPr>
+            <a:r>
+              <a:rPr lang="en-US" sz="1200" b="1" dirty="0">
+                <a:solidFill>
+                  <a:schemeClr val="tx1"/>
+                </a:solidFill>
+              </a:rPr>
+              <a:t>Stemming and Lemmatization</a:t>
+            </a:r>
+            <a:r>
+              <a:rPr lang="en-US" sz="1200" dirty="0">
+                <a:solidFill>
+                  <a:schemeClr val="tx1"/>
+                </a:solidFill>
+              </a:rPr>
+              <a:t>: High-quality lemmatization.</a:t>
+            </a:r>
+          </a:p>
+          <a:p>
+            <a:pPr algn="just">
+              <a:lnSpc>
+                <a:spcPct val="150000"/>
+              </a:lnSpc>
+            </a:pPr>
+            <a:r>
+              <a:rPr lang="en-US" sz="1200" b="1" dirty="0">
+                <a:solidFill>
+                  <a:schemeClr val="tx1"/>
+                </a:solidFill>
+              </a:rPr>
+              <a:t>Part-of-Speech Tagging</a:t>
+            </a:r>
+            <a:r>
+              <a:rPr lang="en-US" sz="1200" dirty="0">
+                <a:solidFill>
+                  <a:schemeClr val="tx1"/>
+                </a:solidFill>
+              </a:rPr>
+              <a:t>: Accurate grammatical tagging.</a:t>
+            </a:r>
+          </a:p>
+          <a:p>
+            <a:pPr algn="just">
+              <a:lnSpc>
+                <a:spcPct val="150000"/>
+              </a:lnSpc>
+            </a:pPr>
+            <a:r>
+              <a:rPr lang="en-US" sz="1200" b="1" dirty="0">
+                <a:solidFill>
+                  <a:schemeClr val="tx1"/>
+                </a:solidFill>
+              </a:rPr>
+              <a:t>Named Entity Recognition (NER)</a:t>
+            </a:r>
+            <a:r>
+              <a:rPr lang="en-US" sz="1200" dirty="0">
+                <a:solidFill>
+                  <a:schemeClr val="tx1"/>
+                </a:solidFill>
+              </a:rPr>
+              <a:t>: Advanced entity detection with pre-trained models.</a:t>
+            </a:r>
+          </a:p>
+          <a:p>
+            <a:pPr algn="just">
+              <a:lnSpc>
+                <a:spcPct val="150000"/>
+              </a:lnSpc>
+            </a:pPr>
+            <a:r>
+              <a:rPr lang="en-US" sz="1200" b="1" dirty="0">
+                <a:solidFill>
+                  <a:schemeClr val="tx1"/>
+                </a:solidFill>
+              </a:rPr>
+              <a:t>Dependency Parsing</a:t>
+            </a:r>
+            <a:r>
+              <a:rPr lang="en-US" sz="1200" dirty="0">
+                <a:solidFill>
+                  <a:schemeClr val="tx1"/>
+                </a:solidFill>
+              </a:rPr>
+              <a:t>: Analyze relationships between words in sentences.</a:t>
+            </a:r>
+          </a:p>
+          <a:p>
+            <a:pPr algn="just">
+              <a:lnSpc>
+                <a:spcPct val="150000"/>
+              </a:lnSpc>
+            </a:pPr>
+            <a:r>
+              <a:rPr lang="en-US" sz="1200" b="1" dirty="0">
+                <a:solidFill>
+                  <a:schemeClr val="tx1"/>
+                </a:solidFill>
+              </a:rPr>
+              <a:t>Pre-trained Models</a:t>
+            </a:r>
+            <a:r>
+              <a:rPr lang="en-US" sz="1200" dirty="0">
+                <a:solidFill>
+                  <a:schemeClr val="tx1"/>
+                </a:solidFill>
+              </a:rPr>
+              <a:t>: Available for many languages, including deep learning-based models</a:t>
+            </a:r>
+            <a:r>
+              <a:rPr lang="en-US" sz="1200" dirty="0" smtClean="0">
+                <a:solidFill>
+                  <a:schemeClr val="tx1"/>
+                </a:solidFill>
+              </a:rPr>
+              <a:t>.</a:t>
+            </a:r>
+          </a:p>
+          <a:p>
+            <a:pPr algn="just">
+              <a:lnSpc>
+                <a:spcPct val="150000"/>
+              </a:lnSpc>
+            </a:pPr>
+            <a:endParaRPr lang="en-US" sz="1200" dirty="0" smtClean="0">
+              <a:solidFill>
+                <a:schemeClr val="tx1"/>
+              </a:solidFill>
+            </a:endParaRPr>
+          </a:p>
+          <a:p>
+            <a:r>
+              <a:rPr lang="en-US" sz="1200" b="1" u="sng" dirty="0" smtClean="0">
+                <a:solidFill>
+                  <a:schemeClr val="tx1"/>
+                </a:solidFill>
+              </a:rPr>
+              <a:t>Summary</a:t>
+            </a:r>
+            <a:endParaRPr lang="en-US" sz="1200" b="1" u="sng" dirty="0">
+              <a:solidFill>
+                <a:schemeClr val="tx1"/>
+              </a:solidFill>
+            </a:endParaRPr>
+          </a:p>
+          <a:p>
+            <a:r>
+              <a:rPr lang="en-US" sz="1200" b="1" dirty="0">
+                <a:solidFill>
+                  <a:schemeClr val="tx1"/>
+                </a:solidFill>
+              </a:rPr>
+              <a:t>NLTK</a:t>
+            </a:r>
+            <a:r>
+              <a:rPr lang="en-US" sz="1200" dirty="0">
+                <a:solidFill>
+                  <a:schemeClr val="tx1"/>
+                </a:solidFill>
+              </a:rPr>
+              <a:t>: Great for learning, research, and working with linguistic data. It offers a wide range of tools and resources but may be slower compared to </a:t>
+            </a:r>
+            <a:r>
+              <a:rPr lang="en-US" sz="1200" dirty="0" err="1">
+                <a:solidFill>
+                  <a:schemeClr val="tx1"/>
+                </a:solidFill>
+              </a:rPr>
+              <a:t>SpaCy</a:t>
+            </a:r>
+            <a:r>
+              <a:rPr lang="en-US" sz="1200" dirty="0" smtClean="0">
+                <a:solidFill>
+                  <a:schemeClr val="tx1"/>
+                </a:solidFill>
+              </a:rPr>
+              <a:t>.</a:t>
+            </a:r>
+          </a:p>
+          <a:p>
+            <a:endParaRPr lang="en-US" sz="1200" dirty="0">
+              <a:solidFill>
+                <a:schemeClr val="tx1"/>
+              </a:solidFill>
+            </a:endParaRPr>
+          </a:p>
+          <a:p>
+            <a:r>
+              <a:rPr lang="en-US" sz="1200" b="1" dirty="0" err="1">
+                <a:solidFill>
+                  <a:schemeClr val="tx1"/>
+                </a:solidFill>
+              </a:rPr>
+              <a:t>SpaCy</a:t>
+            </a:r>
+            <a:r>
+              <a:rPr lang="en-US" sz="1200" dirty="0">
+                <a:solidFill>
+                  <a:schemeClr val="tx1"/>
+                </a:solidFill>
+              </a:rPr>
+              <a:t>: Designed for practical, high-performance NLP applications. It provides pre-trained models and is more efficient for production use</a:t>
+            </a:r>
+            <a:r>
+              <a:rPr lang="en-US" sz="1200" dirty="0" smtClean="0">
+                <a:solidFill>
+                  <a:schemeClr val="tx1"/>
+                </a:solidFill>
+              </a:rPr>
+              <a:t>.</a:t>
+            </a:r>
+            <a:endParaRPr lang="en-US" sz="1200" dirty="0">
+              <a:solidFill>
+                <a:schemeClr val="tx1"/>
+              </a:solidFill>
+            </a:endParaRPr>
+          </a:p>
+        </p:txBody>
+      </p:sp>
+    </p:spTree>
+    <p:extLst>
+      <p:ext uri="{BB962C8B-B14F-4D97-AF65-F5344CB8AC3E}">
+        <p14:creationId xmlns:p14="http://schemas.microsoft.com/office/powerpoint/2010/main" val="78459974"/>
+      </p:ext>
+    </p:extLst>
+  </p:cSld>
+  <p:clrMapOvr>
+    <a:masterClrMapping/>
+  </p:clrMapOvr>
+  <p:timing>
+    <p:tnLst>
+      <p:par>
+        <p:cTn id="1" dur="indefinite" restart="never" nodeType="tmRoot"/>
+      </p:par>
+    </p:tnLst>
+  </p:timing>
+</p:sld>
+</file>
+
+<file path=ppt/slides/slide25.xml><?xml version="1.0" encoding="utf-8"?>
+<p:sld xmlns:a="http://schemas.openxmlformats.org/drawingml/2006/main" xmlns:r="http://schemas.openxmlformats.org/officeDocument/2006/relationships" xmlns:p="http://schemas.openxmlformats.org/presentationml/2006/main">
+  <p:cSld>
+    <p:spTree>
+      <p:nvGrpSpPr>
+        <p:cNvPr id="1" name="Shape 102"/>
+        <p:cNvGrpSpPr/>
+        <p:nvPr/>
+      </p:nvGrpSpPr>
+      <p:grpSpPr>
+        <a:xfrm>
+          <a:off x="0" y="0"/>
+          <a:ext cx="0" cy="0"/>
+          <a:chOff x="0" y="0"/>
+          <a:chExt cx="0" cy="0"/>
+        </a:xfrm>
+      </p:grpSpPr>
+      <p:sp>
+        <p:nvSpPr>
+          <p:cNvPr id="103" name="Google Shape;103;p16"/>
+          <p:cNvSpPr txBox="1">
+            <a:spLocks noGrp="1"/>
+          </p:cNvSpPr>
+          <p:nvPr>
+            <p:ph type="title"/>
+          </p:nvPr>
+        </p:nvSpPr>
+        <p:spPr>
+          <a:xfrm>
+            <a:off x="0" y="-37322"/>
+            <a:ext cx="9144000" cy="447869"/>
+          </a:xfrm>
+          <a:prstGeom prst="rect">
+            <a:avLst/>
+          </a:prstGeom>
+        </p:spPr>
+        <p:txBody>
+          <a:bodyPr spcFirstLastPara="1" wrap="square" lIns="91425" tIns="91425" rIns="91425" bIns="91425" anchor="t" anchorCtr="0">
+            <a:noAutofit/>
+          </a:bodyPr>
+          <a:lstStyle/>
+          <a:p>
+            <a:pPr algn="ctr" fontAlgn="base"/>
+            <a:r>
+              <a:rPr lang="en-US" sz="2000" b="1" dirty="0" smtClean="0"/>
+              <a:t>NOISE REMOVAL (</a:t>
+            </a:r>
+            <a:r>
+              <a:rPr lang="en-US" sz="2000" b="1" dirty="0" err="1" smtClean="0"/>
+              <a:t>Stopwords</a:t>
+            </a:r>
+            <a:r>
+              <a:rPr lang="en-US" sz="2000" b="1" dirty="0" smtClean="0"/>
+              <a:t>, </a:t>
+            </a:r>
+            <a:r>
+              <a:rPr lang="en-US" sz="2000" b="1" dirty="0" err="1" smtClean="0"/>
+              <a:t>Puncutation</a:t>
+            </a:r>
+            <a:r>
+              <a:rPr lang="en-US" sz="2000" b="1" dirty="0" smtClean="0"/>
+              <a:t> </a:t>
+            </a:r>
+            <a:r>
+              <a:rPr lang="en-US" sz="2000" b="1" dirty="0" err="1" smtClean="0"/>
+              <a:t>etc</a:t>
+            </a:r>
+            <a:r>
+              <a:rPr lang="en-US" sz="2000" b="1" dirty="0" smtClean="0"/>
+              <a:t>) IN NLP</a:t>
+            </a:r>
+            <a:endParaRPr lang="en-US" sz="2000" b="1" dirty="0"/>
+          </a:p>
+        </p:txBody>
+      </p:sp>
+      <p:sp>
+        <p:nvSpPr>
+          <p:cNvPr id="2" name="Rectangle 1"/>
+          <p:cNvSpPr/>
+          <p:nvPr/>
+        </p:nvSpPr>
+        <p:spPr>
+          <a:xfrm>
+            <a:off x="382555" y="451670"/>
+            <a:ext cx="8537510" cy="3600986"/>
+          </a:xfrm>
+          <a:prstGeom prst="rect">
+            <a:avLst/>
+          </a:prstGeom>
+        </p:spPr>
+        <p:txBody>
+          <a:bodyPr wrap="square">
+            <a:spAutoFit/>
+          </a:bodyPr>
+          <a:lstStyle/>
+          <a:p>
+            <a:pPr>
+              <a:lnSpc>
+                <a:spcPct val="150000"/>
+              </a:lnSpc>
+            </a:pPr>
+            <a:r>
+              <a:rPr lang="en-US" sz="1200" dirty="0">
+                <a:solidFill>
+                  <a:schemeClr val="tx1"/>
+                </a:solidFill>
+              </a:rPr>
+              <a:t>Noise removal is an important step in data pre-processing for NLP to clean and prepare text data for analysis. It involves removing elements that do not contribute useful information or may introduce noise into the analysis. Here’s how to handle common types of noise, including </a:t>
+            </a:r>
+            <a:r>
+              <a:rPr lang="en-US" sz="1200" dirty="0" err="1">
+                <a:solidFill>
+                  <a:schemeClr val="tx1"/>
+                </a:solidFill>
+              </a:rPr>
+              <a:t>stopwords</a:t>
+            </a:r>
+            <a:r>
+              <a:rPr lang="en-US" sz="1200" dirty="0">
+                <a:solidFill>
+                  <a:schemeClr val="tx1"/>
+                </a:solidFill>
+              </a:rPr>
+              <a:t>, punctuation, and other irrelevant elements</a:t>
+            </a:r>
+            <a:r>
+              <a:rPr lang="en-US" sz="1200" dirty="0" smtClean="0">
+                <a:solidFill>
+                  <a:schemeClr val="tx1"/>
+                </a:solidFill>
+              </a:rPr>
+              <a:t>:</a:t>
+            </a:r>
+          </a:p>
+          <a:p>
+            <a:pPr>
+              <a:lnSpc>
+                <a:spcPct val="150000"/>
+              </a:lnSpc>
+            </a:pPr>
+            <a:endParaRPr lang="en-US" sz="1200" dirty="0">
+              <a:solidFill>
+                <a:schemeClr val="tx1"/>
+              </a:solidFill>
+            </a:endParaRPr>
+          </a:p>
+          <a:p>
+            <a:pPr>
+              <a:lnSpc>
+                <a:spcPct val="150000"/>
+              </a:lnSpc>
+            </a:pPr>
+            <a:r>
+              <a:rPr lang="en-US" sz="1200" b="1" u="sng" dirty="0">
+                <a:solidFill>
+                  <a:schemeClr val="tx1"/>
+                </a:solidFill>
+              </a:rPr>
+              <a:t>Steps for Noise </a:t>
+            </a:r>
+            <a:r>
+              <a:rPr lang="en-US" sz="1200" b="1" u="sng" dirty="0" smtClean="0">
+                <a:solidFill>
+                  <a:schemeClr val="tx1"/>
+                </a:solidFill>
+              </a:rPr>
+              <a:t>Removal:</a:t>
+            </a:r>
+            <a:endParaRPr lang="en-US" sz="1200" b="1" u="sng" dirty="0">
+              <a:solidFill>
+                <a:schemeClr val="tx1"/>
+              </a:solidFill>
+            </a:endParaRPr>
+          </a:p>
+          <a:p>
+            <a:pPr>
+              <a:lnSpc>
+                <a:spcPct val="150000"/>
+              </a:lnSpc>
+            </a:pPr>
+            <a:r>
+              <a:rPr lang="en-US" sz="1200" b="1" dirty="0">
+                <a:solidFill>
+                  <a:schemeClr val="tx1"/>
+                </a:solidFill>
+              </a:rPr>
+              <a:t>Remove Punctuation</a:t>
+            </a:r>
+            <a:r>
+              <a:rPr lang="en-US" sz="1200" dirty="0">
+                <a:solidFill>
+                  <a:schemeClr val="tx1"/>
+                </a:solidFill>
+              </a:rPr>
+              <a:t>: Punctuation marks often do not add meaningful content for many NLP tasks and can be removed.</a:t>
+            </a:r>
+          </a:p>
+          <a:p>
+            <a:pPr>
+              <a:lnSpc>
+                <a:spcPct val="150000"/>
+              </a:lnSpc>
+            </a:pPr>
+            <a:r>
+              <a:rPr lang="en-US" sz="1200" b="1" dirty="0">
+                <a:solidFill>
+                  <a:schemeClr val="tx1"/>
+                </a:solidFill>
+              </a:rPr>
+              <a:t>Remove </a:t>
+            </a:r>
+            <a:r>
+              <a:rPr lang="en-US" sz="1200" b="1" dirty="0" err="1">
+                <a:solidFill>
+                  <a:schemeClr val="tx1"/>
+                </a:solidFill>
+              </a:rPr>
+              <a:t>Stopwords</a:t>
+            </a:r>
+            <a:r>
+              <a:rPr lang="en-US" sz="1200" dirty="0">
+                <a:solidFill>
+                  <a:schemeClr val="tx1"/>
+                </a:solidFill>
+              </a:rPr>
+              <a:t>: </a:t>
+            </a:r>
+            <a:r>
+              <a:rPr lang="en-US" sz="1200" dirty="0" err="1">
+                <a:solidFill>
+                  <a:schemeClr val="tx1"/>
+                </a:solidFill>
+              </a:rPr>
+              <a:t>Stopwords</a:t>
+            </a:r>
+            <a:r>
+              <a:rPr lang="en-US" sz="1200" dirty="0">
+                <a:solidFill>
+                  <a:schemeClr val="tx1"/>
+                </a:solidFill>
+              </a:rPr>
+              <a:t> are common words (like "and," "the," "is") that are often removed as they do not contribute significant meaning to the analysis.</a:t>
+            </a:r>
+          </a:p>
+          <a:p>
+            <a:pPr>
+              <a:lnSpc>
+                <a:spcPct val="150000"/>
+              </a:lnSpc>
+            </a:pPr>
+            <a:r>
+              <a:rPr lang="en-US" sz="1200" b="1" dirty="0">
+                <a:solidFill>
+                  <a:schemeClr val="tx1"/>
+                </a:solidFill>
+              </a:rPr>
+              <a:t>Remove Special Characters</a:t>
+            </a:r>
+            <a:r>
+              <a:rPr lang="en-US" sz="1200" dirty="0">
+                <a:solidFill>
+                  <a:schemeClr val="tx1"/>
+                </a:solidFill>
+              </a:rPr>
+              <a:t>: Special characters (such as @, #, $, &amp;, etc.) that are not part of the core textual content can be removed.</a:t>
+            </a:r>
+          </a:p>
+          <a:p>
+            <a:pPr>
+              <a:lnSpc>
+                <a:spcPct val="150000"/>
+              </a:lnSpc>
+            </a:pPr>
+            <a:r>
+              <a:rPr lang="en-US" sz="1200" b="1" dirty="0">
+                <a:solidFill>
+                  <a:schemeClr val="tx1"/>
+                </a:solidFill>
+              </a:rPr>
+              <a:t>Remove Numbers</a:t>
+            </a:r>
+            <a:r>
+              <a:rPr lang="en-US" sz="1200" dirty="0">
+                <a:solidFill>
+                  <a:schemeClr val="tx1"/>
+                </a:solidFill>
+              </a:rPr>
+              <a:t>: Depending on the context, numbers may be removed if they are not relevant to the analysis.</a:t>
+            </a:r>
+          </a:p>
+          <a:p>
+            <a:pPr>
+              <a:lnSpc>
+                <a:spcPct val="150000"/>
+              </a:lnSpc>
+            </a:pPr>
+            <a:r>
+              <a:rPr lang="en-US" sz="1200" b="1" dirty="0">
+                <a:solidFill>
+                  <a:schemeClr val="tx1"/>
+                </a:solidFill>
+              </a:rPr>
+              <a:t>Remove Extra Whitespaces</a:t>
+            </a:r>
+            <a:r>
+              <a:rPr lang="en-US" sz="1200" dirty="0">
+                <a:solidFill>
+                  <a:schemeClr val="tx1"/>
+                </a:solidFill>
+              </a:rPr>
+              <a:t>: Extra spaces or newlines should be cleaned up to ensure uniform text formatting.</a:t>
+            </a:r>
+          </a:p>
+          <a:p>
+            <a:endParaRPr lang="en-US" sz="1200" dirty="0">
+              <a:solidFill>
+                <a:schemeClr val="tx1"/>
+              </a:solidFill>
+            </a:endParaRPr>
+          </a:p>
+        </p:txBody>
+      </p:sp>
+    </p:spTree>
+    <p:extLst>
+      <p:ext uri="{BB962C8B-B14F-4D97-AF65-F5344CB8AC3E}">
+        <p14:creationId xmlns:p14="http://schemas.microsoft.com/office/powerpoint/2010/main" val="3836183925"/>
+      </p:ext>
+    </p:extLst>
+  </p:cSld>
+  <p:clrMapOvr>
+    <a:masterClrMapping/>
+  </p:clrMapOvr>
+  <p:timing>
+    <p:tnLst>
+      <p:par>
+        <p:cTn id="1" dur="indefinite" restart="never" nodeType="tmRoot"/>
+      </p:par>
+    </p:tnLst>
+  </p:timing>
+</p:sld>
+</file>
+
+<file path=ppt/slides/slide26.xml><?xml version="1.0" encoding="utf-8"?>
+<p:sld xmlns:a="http://schemas.openxmlformats.org/drawingml/2006/main" xmlns:r="http://schemas.openxmlformats.org/officeDocument/2006/relationships" xmlns:p="http://schemas.openxmlformats.org/presentationml/2006/main">
+  <p:cSld>
+    <p:spTree>
+      <p:nvGrpSpPr>
+        <p:cNvPr id="1" name="Shape 102"/>
+        <p:cNvGrpSpPr/>
+        <p:nvPr/>
+      </p:nvGrpSpPr>
+      <p:grpSpPr>
+        <a:xfrm>
+          <a:off x="0" y="0"/>
+          <a:ext cx="0" cy="0"/>
+          <a:chOff x="0" y="0"/>
+          <a:chExt cx="0" cy="0"/>
+        </a:xfrm>
+      </p:grpSpPr>
+      <p:sp>
+        <p:nvSpPr>
+          <p:cNvPr id="103" name="Google Shape;103;p16"/>
+          <p:cNvSpPr txBox="1">
+            <a:spLocks noGrp="1"/>
+          </p:cNvSpPr>
+          <p:nvPr>
+            <p:ph type="title"/>
+          </p:nvPr>
+        </p:nvSpPr>
+        <p:spPr>
+          <a:xfrm>
+            <a:off x="0" y="-37322"/>
+            <a:ext cx="9144000" cy="447869"/>
+          </a:xfrm>
+          <a:prstGeom prst="rect">
+            <a:avLst/>
+          </a:prstGeom>
+        </p:spPr>
+        <p:txBody>
+          <a:bodyPr spcFirstLastPara="1" wrap="square" lIns="91425" tIns="91425" rIns="91425" bIns="91425" anchor="t" anchorCtr="0">
+            <a:noAutofit/>
+          </a:bodyPr>
+          <a:lstStyle/>
+          <a:p>
+            <a:pPr algn="ctr" fontAlgn="base"/>
+            <a:r>
+              <a:rPr lang="en-US" sz="2000" b="1" dirty="0" smtClean="0"/>
+              <a:t>DATA PRE-PROCESSING IN NLP</a:t>
+            </a:r>
+            <a:endParaRPr lang="en-US" sz="2000" b="1" dirty="0"/>
+          </a:p>
+        </p:txBody>
+      </p:sp>
+      <p:sp>
+        <p:nvSpPr>
+          <p:cNvPr id="2" name="Rectangle 1"/>
+          <p:cNvSpPr/>
+          <p:nvPr/>
+        </p:nvSpPr>
+        <p:spPr>
+          <a:xfrm>
+            <a:off x="382555" y="544976"/>
+            <a:ext cx="8537510" cy="4154984"/>
+          </a:xfrm>
+          <a:prstGeom prst="rect">
+            <a:avLst/>
+          </a:prstGeom>
+        </p:spPr>
+        <p:txBody>
+          <a:bodyPr wrap="square">
+            <a:spAutoFit/>
+          </a:bodyPr>
+          <a:lstStyle/>
+          <a:p>
+            <a:pPr algn="just"/>
+            <a:r>
+              <a:rPr lang="en-US" sz="1200" dirty="0">
+                <a:solidFill>
+                  <a:schemeClr val="tx1"/>
+                </a:solidFill>
+              </a:rPr>
+              <a:t>Data pre-processing is a crucial step in Natural Language Processing (NLP) to clean and prepare raw text data for analysis. Here's a basic overview of the common steps involved</a:t>
+            </a:r>
+            <a:r>
+              <a:rPr lang="en-US" sz="1200" dirty="0" smtClean="0">
+                <a:solidFill>
+                  <a:schemeClr val="tx1"/>
+                </a:solidFill>
+              </a:rPr>
+              <a:t>:</a:t>
+            </a:r>
+          </a:p>
+          <a:p>
+            <a:pPr algn="just"/>
+            <a:endParaRPr lang="en-US" sz="1200" dirty="0">
+              <a:solidFill>
+                <a:schemeClr val="tx1"/>
+              </a:solidFill>
+            </a:endParaRPr>
+          </a:p>
+          <a:p>
+            <a:pPr algn="just"/>
+            <a:r>
+              <a:rPr lang="en-US" sz="1200" b="1" dirty="0" smtClean="0">
+                <a:solidFill>
+                  <a:schemeClr val="tx1"/>
+                </a:solidFill>
+              </a:rPr>
+              <a:t>1. Text </a:t>
+            </a:r>
+            <a:r>
+              <a:rPr lang="en-US" sz="1200" b="1" dirty="0">
+                <a:solidFill>
+                  <a:schemeClr val="tx1"/>
+                </a:solidFill>
+              </a:rPr>
+              <a:t>Normalization</a:t>
+            </a:r>
+            <a:r>
+              <a:rPr lang="en-US" sz="1200" dirty="0" smtClean="0">
+                <a:solidFill>
+                  <a:schemeClr val="tx1"/>
+                </a:solidFill>
+              </a:rPr>
+              <a:t>:</a:t>
+            </a:r>
+          </a:p>
+          <a:p>
+            <a:pPr algn="just"/>
+            <a:endParaRPr lang="en-US" sz="1200" dirty="0">
+              <a:solidFill>
+                <a:schemeClr val="tx1"/>
+              </a:solidFill>
+            </a:endParaRPr>
+          </a:p>
+          <a:p>
+            <a:pPr marL="171450" indent="-171450" algn="just">
+              <a:buFont typeface="Wingdings" pitchFamily="2" charset="2"/>
+              <a:buChar char="v"/>
+            </a:pPr>
+            <a:r>
+              <a:rPr lang="en-US" sz="1200" b="1" dirty="0">
+                <a:solidFill>
+                  <a:schemeClr val="tx1"/>
+                </a:solidFill>
+              </a:rPr>
+              <a:t>Lowercasing</a:t>
+            </a:r>
+            <a:r>
+              <a:rPr lang="en-US" sz="1200" dirty="0">
+                <a:solidFill>
+                  <a:schemeClr val="tx1"/>
+                </a:solidFill>
+              </a:rPr>
+              <a:t>: Convert all text to lowercase to ensure uniformity.</a:t>
+            </a:r>
+          </a:p>
+          <a:p>
+            <a:pPr marL="171450" indent="-171450" algn="just">
+              <a:buFont typeface="Wingdings" pitchFamily="2" charset="2"/>
+              <a:buChar char="v"/>
+            </a:pPr>
+            <a:r>
+              <a:rPr lang="en-US" sz="1200" b="1" dirty="0">
+                <a:solidFill>
+                  <a:schemeClr val="tx1"/>
+                </a:solidFill>
+              </a:rPr>
+              <a:t>Removing Punctuation</a:t>
+            </a:r>
+            <a:r>
+              <a:rPr lang="en-US" sz="1200" dirty="0">
+                <a:solidFill>
+                  <a:schemeClr val="tx1"/>
+                </a:solidFill>
+              </a:rPr>
+              <a:t>: Strip out punctuation marks.</a:t>
+            </a:r>
+          </a:p>
+          <a:p>
+            <a:pPr marL="171450" indent="-171450" algn="just">
+              <a:buFont typeface="Wingdings" pitchFamily="2" charset="2"/>
+              <a:buChar char="v"/>
+            </a:pPr>
+            <a:r>
+              <a:rPr lang="en-US" sz="1200" b="1" dirty="0">
+                <a:solidFill>
+                  <a:schemeClr val="tx1"/>
+                </a:solidFill>
+              </a:rPr>
+              <a:t>Removing Special Characters</a:t>
+            </a:r>
+            <a:r>
+              <a:rPr lang="en-US" sz="1200" dirty="0">
+                <a:solidFill>
+                  <a:schemeClr val="tx1"/>
+                </a:solidFill>
+              </a:rPr>
+              <a:t>: Eliminate non-alphanumeric characters unless they are necessary for analysis</a:t>
+            </a:r>
+            <a:r>
+              <a:rPr lang="en-US" sz="1200" dirty="0" smtClean="0">
+                <a:solidFill>
+                  <a:schemeClr val="tx1"/>
+                </a:solidFill>
+              </a:rPr>
+              <a:t>.</a:t>
+            </a:r>
+          </a:p>
+          <a:p>
+            <a:pPr algn="just"/>
+            <a:endParaRPr lang="en-US" sz="1200" dirty="0">
+              <a:solidFill>
+                <a:schemeClr val="tx1"/>
+              </a:solidFill>
+            </a:endParaRPr>
+          </a:p>
+          <a:p>
+            <a:pPr algn="just"/>
+            <a:r>
+              <a:rPr lang="en-US" sz="1200" b="1" dirty="0" smtClean="0">
+                <a:solidFill>
+                  <a:schemeClr val="tx1"/>
+                </a:solidFill>
+              </a:rPr>
+              <a:t>2. Tokenization</a:t>
+            </a:r>
+            <a:r>
+              <a:rPr lang="en-US" sz="1200" dirty="0" smtClean="0">
+                <a:solidFill>
+                  <a:schemeClr val="tx1"/>
+                </a:solidFill>
+              </a:rPr>
+              <a:t>:</a:t>
+            </a:r>
+          </a:p>
+          <a:p>
+            <a:pPr algn="just"/>
+            <a:endParaRPr lang="en-US" sz="1200" dirty="0">
+              <a:solidFill>
+                <a:schemeClr val="tx1"/>
+              </a:solidFill>
+            </a:endParaRPr>
+          </a:p>
+          <a:p>
+            <a:pPr marL="171450" indent="-171450" algn="just">
+              <a:buFont typeface="Wingdings" pitchFamily="2" charset="2"/>
+              <a:buChar char="v"/>
+            </a:pPr>
+            <a:r>
+              <a:rPr lang="en-US" sz="1200" b="1" dirty="0">
+                <a:solidFill>
+                  <a:schemeClr val="tx1"/>
+                </a:solidFill>
+              </a:rPr>
+              <a:t>Word Tokenization</a:t>
+            </a:r>
+            <a:r>
+              <a:rPr lang="en-US" sz="1200" dirty="0">
+                <a:solidFill>
+                  <a:schemeClr val="tx1"/>
+                </a:solidFill>
+              </a:rPr>
+              <a:t>: Split text into individual words.</a:t>
+            </a:r>
+          </a:p>
+          <a:p>
+            <a:pPr marL="171450" indent="-171450" algn="just">
+              <a:buFont typeface="Wingdings" pitchFamily="2" charset="2"/>
+              <a:buChar char="v"/>
+            </a:pPr>
+            <a:r>
+              <a:rPr lang="en-US" sz="1200" b="1" dirty="0">
+                <a:solidFill>
+                  <a:schemeClr val="tx1"/>
+                </a:solidFill>
+              </a:rPr>
+              <a:t>Sentence Tokenization</a:t>
+            </a:r>
+            <a:r>
+              <a:rPr lang="en-US" sz="1200" dirty="0">
+                <a:solidFill>
+                  <a:schemeClr val="tx1"/>
+                </a:solidFill>
+              </a:rPr>
+              <a:t>: Split text into sentences if needed</a:t>
+            </a:r>
+            <a:r>
+              <a:rPr lang="en-US" sz="1200" dirty="0" smtClean="0">
+                <a:solidFill>
+                  <a:schemeClr val="tx1"/>
+                </a:solidFill>
+              </a:rPr>
+              <a:t>.</a:t>
+            </a:r>
+          </a:p>
+          <a:p>
+            <a:pPr algn="just"/>
+            <a:endParaRPr lang="en-US" sz="1200" dirty="0">
+              <a:solidFill>
+                <a:schemeClr val="tx1"/>
+              </a:solidFill>
+            </a:endParaRPr>
+          </a:p>
+          <a:p>
+            <a:pPr algn="just"/>
+            <a:r>
+              <a:rPr lang="en-US" sz="1200" b="1" dirty="0" smtClean="0">
+                <a:solidFill>
+                  <a:schemeClr val="tx1"/>
+                </a:solidFill>
+              </a:rPr>
+              <a:t>3. Stop </a:t>
+            </a:r>
+            <a:r>
+              <a:rPr lang="en-US" sz="1200" b="1" dirty="0">
+                <a:solidFill>
+                  <a:schemeClr val="tx1"/>
+                </a:solidFill>
+              </a:rPr>
+              <a:t>Words Removal</a:t>
+            </a:r>
+            <a:r>
+              <a:rPr lang="en-US" sz="1200" dirty="0" smtClean="0">
+                <a:solidFill>
+                  <a:schemeClr val="tx1"/>
+                </a:solidFill>
+              </a:rPr>
+              <a:t>:</a:t>
+            </a:r>
+          </a:p>
+          <a:p>
+            <a:pPr algn="just"/>
+            <a:r>
+              <a:rPr lang="en-US" sz="1200" dirty="0" smtClean="0">
+                <a:solidFill>
+                  <a:schemeClr val="tx1"/>
+                </a:solidFill>
+              </a:rPr>
+              <a:t>Remove </a:t>
+            </a:r>
+            <a:r>
+              <a:rPr lang="en-US" sz="1200" dirty="0">
+                <a:solidFill>
+                  <a:schemeClr val="tx1"/>
+                </a:solidFill>
+              </a:rPr>
+              <a:t>common words (e.g., "and," "the," "is") that do not contribute significant meaning to the </a:t>
+            </a:r>
+            <a:r>
+              <a:rPr lang="en-US" sz="1200" dirty="0" smtClean="0">
+                <a:solidFill>
+                  <a:schemeClr val="tx1"/>
+                </a:solidFill>
+              </a:rPr>
+              <a:t>analysis.</a:t>
+            </a:r>
+          </a:p>
+          <a:p>
+            <a:pPr algn="just"/>
+            <a:endParaRPr lang="en-US" sz="1200" dirty="0">
+              <a:solidFill>
+                <a:schemeClr val="tx1"/>
+              </a:solidFill>
+            </a:endParaRPr>
+          </a:p>
+          <a:p>
+            <a:pPr algn="just"/>
+            <a:r>
+              <a:rPr lang="en-US" sz="1200" b="1" dirty="0" smtClean="0">
+                <a:solidFill>
+                  <a:schemeClr val="tx1"/>
+                </a:solidFill>
+              </a:rPr>
+              <a:t>4. Stemming </a:t>
+            </a:r>
+            <a:r>
+              <a:rPr lang="en-US" sz="1200" b="1" dirty="0">
+                <a:solidFill>
+                  <a:schemeClr val="tx1"/>
+                </a:solidFill>
+              </a:rPr>
+              <a:t>and Lemmatization</a:t>
+            </a:r>
+            <a:r>
+              <a:rPr lang="en-US" sz="1200" dirty="0" smtClean="0">
+                <a:solidFill>
+                  <a:schemeClr val="tx1"/>
+                </a:solidFill>
+              </a:rPr>
+              <a:t>:</a:t>
+            </a:r>
+          </a:p>
+          <a:p>
+            <a:pPr algn="just"/>
+            <a:endParaRPr lang="en-US" sz="1200" dirty="0">
+              <a:solidFill>
+                <a:schemeClr val="tx1"/>
+              </a:solidFill>
+            </a:endParaRPr>
+          </a:p>
+          <a:p>
+            <a:pPr marL="171450" indent="-171450" algn="just">
+              <a:buFont typeface="Wingdings" pitchFamily="2" charset="2"/>
+              <a:buChar char="v"/>
+            </a:pPr>
+            <a:r>
+              <a:rPr lang="en-US" sz="1200" b="1" dirty="0">
+                <a:solidFill>
+                  <a:schemeClr val="tx1"/>
+                </a:solidFill>
+              </a:rPr>
+              <a:t>Stemming</a:t>
+            </a:r>
+            <a:r>
+              <a:rPr lang="en-US" sz="1200" dirty="0">
+                <a:solidFill>
+                  <a:schemeClr val="tx1"/>
+                </a:solidFill>
+              </a:rPr>
+              <a:t>: Reduce words to their base or root form (e.g., "running" to "run").</a:t>
+            </a:r>
+          </a:p>
+          <a:p>
+            <a:pPr marL="171450" indent="-171450" algn="just">
+              <a:buFont typeface="Wingdings" pitchFamily="2" charset="2"/>
+              <a:buChar char="v"/>
+            </a:pPr>
+            <a:r>
+              <a:rPr lang="en-US" sz="1200" b="1" dirty="0">
+                <a:solidFill>
+                  <a:schemeClr val="tx1"/>
+                </a:solidFill>
+              </a:rPr>
+              <a:t>Lemmatization</a:t>
+            </a:r>
+            <a:r>
+              <a:rPr lang="en-US" sz="1200" dirty="0">
+                <a:solidFill>
+                  <a:schemeClr val="tx1"/>
+                </a:solidFill>
+              </a:rPr>
+              <a:t>: Convert words to their base form using vocabulary and morphological analysis (e.g., "better" to "good").</a:t>
+            </a:r>
+          </a:p>
+          <a:p>
+            <a:pPr algn="just"/>
+            <a:endParaRPr lang="en-US" sz="1200" dirty="0">
+              <a:solidFill>
+                <a:schemeClr val="tx1"/>
+              </a:solidFill>
+            </a:endParaRPr>
+          </a:p>
+        </p:txBody>
+      </p:sp>
+    </p:spTree>
+    <p:extLst>
+      <p:ext uri="{BB962C8B-B14F-4D97-AF65-F5344CB8AC3E}">
+        <p14:creationId xmlns:p14="http://schemas.microsoft.com/office/powerpoint/2010/main" val="1313518969"/>
+      </p:ext>
+    </p:extLst>
+  </p:cSld>
+  <p:clrMapOvr>
+    <a:masterClrMapping/>
+  </p:clrMapOvr>
+  <p:timing>
+    <p:tnLst>
+      <p:par>
+        <p:cTn id="1" dur="indefinite" restart="never" nodeType="tmRoot"/>
+      </p:par>
+    </p:tnLst>
+  </p:timing>
+</p:sld>
+</file>
+
+<file path=ppt/slides/slide27.xml><?xml version="1.0" encoding="utf-8"?>
+<p:sld xmlns:a="http://schemas.openxmlformats.org/drawingml/2006/main" xmlns:r="http://schemas.openxmlformats.org/officeDocument/2006/relationships" xmlns:p="http://schemas.openxmlformats.org/presentationml/2006/main">
+  <p:cSld>
+    <p:spTree>
+      <p:nvGrpSpPr>
+        <p:cNvPr id="1" name="Shape 102"/>
+        <p:cNvGrpSpPr/>
+        <p:nvPr/>
+      </p:nvGrpSpPr>
+      <p:grpSpPr>
+        <a:xfrm>
+          <a:off x="0" y="0"/>
+          <a:ext cx="0" cy="0"/>
+          <a:chOff x="0" y="0"/>
+          <a:chExt cx="0" cy="0"/>
+        </a:xfrm>
+      </p:grpSpPr>
+      <p:sp>
+        <p:nvSpPr>
+          <p:cNvPr id="103" name="Google Shape;103;p16"/>
+          <p:cNvSpPr txBox="1">
+            <a:spLocks noGrp="1"/>
+          </p:cNvSpPr>
+          <p:nvPr>
+            <p:ph type="title"/>
+          </p:nvPr>
+        </p:nvSpPr>
+        <p:spPr>
+          <a:xfrm>
+            <a:off x="0" y="-37322"/>
+            <a:ext cx="9144000" cy="447869"/>
+          </a:xfrm>
+          <a:prstGeom prst="rect">
+            <a:avLst/>
+          </a:prstGeom>
+        </p:spPr>
+        <p:txBody>
+          <a:bodyPr spcFirstLastPara="1" wrap="square" lIns="91425" tIns="91425" rIns="91425" bIns="91425" anchor="t" anchorCtr="0">
+            <a:noAutofit/>
+          </a:bodyPr>
+          <a:lstStyle/>
+          <a:p>
+            <a:pPr algn="ctr" fontAlgn="base"/>
+            <a:r>
+              <a:rPr lang="en-US" sz="2000" b="1" dirty="0" smtClean="0"/>
+              <a:t>DATA PRE-PROCESSING IN NLP</a:t>
+            </a:r>
+            <a:endParaRPr lang="en-US" sz="2000" b="1" dirty="0"/>
+          </a:p>
+        </p:txBody>
+      </p:sp>
+      <p:sp>
+        <p:nvSpPr>
+          <p:cNvPr id="2" name="Rectangle 1"/>
+          <p:cNvSpPr/>
+          <p:nvPr/>
+        </p:nvSpPr>
+        <p:spPr>
+          <a:xfrm>
+            <a:off x="382555" y="454925"/>
+            <a:ext cx="8537510" cy="4370427"/>
+          </a:xfrm>
+          <a:prstGeom prst="rect">
+            <a:avLst/>
+          </a:prstGeom>
+        </p:spPr>
+        <p:txBody>
+          <a:bodyPr wrap="square">
+            <a:spAutoFit/>
+          </a:bodyPr>
+          <a:lstStyle/>
+          <a:p>
+            <a:r>
+              <a:rPr lang="en-US" b="1" dirty="0" smtClean="0">
+                <a:solidFill>
+                  <a:schemeClr val="tx1"/>
+                </a:solidFill>
+              </a:rPr>
+              <a:t>5. Handling </a:t>
+            </a:r>
+            <a:r>
+              <a:rPr lang="en-US" b="1" dirty="0">
+                <a:solidFill>
+                  <a:schemeClr val="tx1"/>
+                </a:solidFill>
+              </a:rPr>
+              <a:t>Special Characters</a:t>
+            </a:r>
+            <a:r>
+              <a:rPr lang="en-US" dirty="0">
+                <a:solidFill>
+                  <a:schemeClr val="tx1"/>
+                </a:solidFill>
+              </a:rPr>
+              <a:t>:</a:t>
+            </a:r>
+          </a:p>
+          <a:p>
+            <a:r>
+              <a:rPr lang="en-US" dirty="0">
+                <a:solidFill>
+                  <a:schemeClr val="tx1"/>
+                </a:solidFill>
+              </a:rPr>
+              <a:t>Remove or handle special characters such as URLs, hashtags, or mentions, depending on the context</a:t>
+            </a:r>
+            <a:r>
+              <a:rPr lang="en-US" dirty="0" smtClean="0">
+                <a:solidFill>
+                  <a:schemeClr val="tx1"/>
+                </a:solidFill>
+              </a:rPr>
+              <a:t>.</a:t>
+            </a:r>
+          </a:p>
+          <a:p>
+            <a:endParaRPr lang="en-US" dirty="0">
+              <a:solidFill>
+                <a:schemeClr val="tx1"/>
+              </a:solidFill>
+            </a:endParaRPr>
+          </a:p>
+          <a:p>
+            <a:r>
+              <a:rPr lang="en-US" b="1" dirty="0" smtClean="0">
+                <a:solidFill>
+                  <a:schemeClr val="tx1"/>
+                </a:solidFill>
+              </a:rPr>
+              <a:t>6. Removing </a:t>
+            </a:r>
+            <a:r>
+              <a:rPr lang="en-US" b="1" dirty="0">
+                <a:solidFill>
+                  <a:schemeClr val="tx1"/>
+                </a:solidFill>
+              </a:rPr>
+              <a:t>Stop Words</a:t>
+            </a:r>
+            <a:r>
+              <a:rPr lang="en-US" dirty="0">
+                <a:solidFill>
+                  <a:schemeClr val="tx1"/>
+                </a:solidFill>
+              </a:rPr>
+              <a:t>:</a:t>
+            </a:r>
+          </a:p>
+          <a:p>
+            <a:r>
+              <a:rPr lang="en-US" dirty="0">
+                <a:solidFill>
+                  <a:schemeClr val="tx1"/>
+                </a:solidFill>
+              </a:rPr>
+              <a:t>Eliminate frequently occurring words that are unlikely to be meaningful in the analysis</a:t>
+            </a:r>
+            <a:r>
+              <a:rPr lang="en-US" dirty="0" smtClean="0">
+                <a:solidFill>
+                  <a:schemeClr val="tx1"/>
+                </a:solidFill>
+              </a:rPr>
+              <a:t>.</a:t>
+            </a:r>
+          </a:p>
+          <a:p>
+            <a:endParaRPr lang="en-US" dirty="0">
+              <a:solidFill>
+                <a:schemeClr val="tx1"/>
+              </a:solidFill>
+            </a:endParaRPr>
+          </a:p>
+          <a:p>
+            <a:r>
+              <a:rPr lang="en-US" b="1" dirty="0" smtClean="0">
+                <a:solidFill>
+                  <a:schemeClr val="tx1"/>
+                </a:solidFill>
+              </a:rPr>
+              <a:t>7. Handling </a:t>
+            </a:r>
+            <a:r>
+              <a:rPr lang="en-US" b="1" dirty="0">
+                <a:solidFill>
+                  <a:schemeClr val="tx1"/>
+                </a:solidFill>
+              </a:rPr>
+              <a:t>Missing Values</a:t>
+            </a:r>
+            <a:r>
+              <a:rPr lang="en-US" dirty="0">
+                <a:solidFill>
+                  <a:schemeClr val="tx1"/>
+                </a:solidFill>
+              </a:rPr>
+              <a:t>:</a:t>
+            </a:r>
+          </a:p>
+          <a:p>
+            <a:r>
+              <a:rPr lang="en-US" dirty="0">
+                <a:solidFill>
+                  <a:schemeClr val="tx1"/>
+                </a:solidFill>
+              </a:rPr>
+              <a:t>Address any missing or incomplete text data, either by filling it in or removing the incomplete entries</a:t>
+            </a:r>
+            <a:r>
+              <a:rPr lang="en-US" dirty="0" smtClean="0">
+                <a:solidFill>
+                  <a:schemeClr val="tx1"/>
+                </a:solidFill>
+              </a:rPr>
+              <a:t>.</a:t>
+            </a:r>
+          </a:p>
+          <a:p>
+            <a:endParaRPr lang="en-US" dirty="0">
+              <a:solidFill>
+                <a:schemeClr val="tx1"/>
+              </a:solidFill>
+            </a:endParaRPr>
+          </a:p>
+          <a:p>
+            <a:r>
+              <a:rPr lang="en-US" b="1" dirty="0" smtClean="0">
+                <a:solidFill>
+                  <a:schemeClr val="tx1"/>
+                </a:solidFill>
+              </a:rPr>
+              <a:t>8. Normalization</a:t>
+            </a:r>
+            <a:r>
+              <a:rPr lang="en-US" dirty="0">
+                <a:solidFill>
+                  <a:schemeClr val="tx1"/>
+                </a:solidFill>
+              </a:rPr>
+              <a:t>:</a:t>
+            </a:r>
+          </a:p>
+          <a:p>
+            <a:pPr marL="285750" indent="-285750">
+              <a:buFont typeface="Wingdings" pitchFamily="2" charset="2"/>
+              <a:buChar char="v"/>
+            </a:pPr>
+            <a:r>
+              <a:rPr lang="en-US" b="1" dirty="0">
+                <a:solidFill>
+                  <a:schemeClr val="tx1"/>
+                </a:solidFill>
+              </a:rPr>
+              <a:t>Removing Extra Whitespaces</a:t>
+            </a:r>
+            <a:r>
+              <a:rPr lang="en-US" dirty="0">
+                <a:solidFill>
+                  <a:schemeClr val="tx1"/>
+                </a:solidFill>
+              </a:rPr>
+              <a:t>: Clean up extra spaces or newlines.</a:t>
+            </a:r>
+          </a:p>
+          <a:p>
+            <a:pPr marL="285750" indent="-285750">
+              <a:buFont typeface="Wingdings" pitchFamily="2" charset="2"/>
+              <a:buChar char="v"/>
+            </a:pPr>
+            <a:r>
+              <a:rPr lang="en-US" b="1" dirty="0">
+                <a:solidFill>
+                  <a:schemeClr val="tx1"/>
+                </a:solidFill>
+              </a:rPr>
+              <a:t>Normalization of Numerical Values</a:t>
+            </a:r>
+            <a:r>
+              <a:rPr lang="en-US" dirty="0">
+                <a:solidFill>
+                  <a:schemeClr val="tx1"/>
+                </a:solidFill>
+              </a:rPr>
+              <a:t>: Convert numbers to a standard format if necessary</a:t>
+            </a:r>
+            <a:r>
+              <a:rPr lang="en-US" dirty="0" smtClean="0">
+                <a:solidFill>
+                  <a:schemeClr val="tx1"/>
+                </a:solidFill>
+              </a:rPr>
+              <a:t>.</a:t>
+            </a:r>
+          </a:p>
+          <a:p>
+            <a:endParaRPr lang="en-US" dirty="0">
+              <a:solidFill>
+                <a:schemeClr val="tx1"/>
+              </a:solidFill>
+            </a:endParaRPr>
+          </a:p>
+          <a:p>
+            <a:r>
+              <a:rPr lang="en-US" b="1" dirty="0" smtClean="0">
+                <a:solidFill>
+                  <a:schemeClr val="tx1"/>
+                </a:solidFill>
+              </a:rPr>
+              <a:t>9. Named </a:t>
+            </a:r>
+            <a:r>
+              <a:rPr lang="en-US" b="1" dirty="0">
+                <a:solidFill>
+                  <a:schemeClr val="tx1"/>
+                </a:solidFill>
+              </a:rPr>
+              <a:t>Entity Recognition (NER)</a:t>
+            </a:r>
+            <a:r>
+              <a:rPr lang="en-US" dirty="0">
+                <a:solidFill>
+                  <a:schemeClr val="tx1"/>
+                </a:solidFill>
+              </a:rPr>
+              <a:t>:</a:t>
+            </a:r>
+          </a:p>
+          <a:p>
+            <a:pPr marL="285750" indent="-285750">
+              <a:buFont typeface="Wingdings" pitchFamily="2" charset="2"/>
+              <a:buChar char="v"/>
+            </a:pPr>
+            <a:r>
+              <a:rPr lang="en-US" dirty="0">
+                <a:solidFill>
+                  <a:schemeClr val="tx1"/>
+                </a:solidFill>
+              </a:rPr>
+              <a:t>Identify and categorize entities such as names, dates, or locations if relevant to your analysis</a:t>
+            </a:r>
+            <a:r>
+              <a:rPr lang="en-US" dirty="0" smtClean="0">
+                <a:solidFill>
+                  <a:schemeClr val="tx1"/>
+                </a:solidFill>
+              </a:rPr>
+              <a:t>.</a:t>
+            </a:r>
+          </a:p>
+          <a:p>
+            <a:endParaRPr lang="en-US" dirty="0">
+              <a:solidFill>
+                <a:schemeClr val="tx1"/>
+              </a:solidFill>
+            </a:endParaRPr>
+          </a:p>
+          <a:p>
+            <a:r>
+              <a:rPr lang="en-US" b="1" dirty="0" smtClean="0">
+                <a:solidFill>
+                  <a:schemeClr val="tx1"/>
+                </a:solidFill>
+              </a:rPr>
+              <a:t>10. Text </a:t>
+            </a:r>
+            <a:r>
+              <a:rPr lang="en-US" b="1" dirty="0" err="1">
+                <a:solidFill>
+                  <a:schemeClr val="tx1"/>
+                </a:solidFill>
+              </a:rPr>
+              <a:t>Vectorization</a:t>
+            </a:r>
+            <a:r>
+              <a:rPr lang="en-US" dirty="0">
+                <a:solidFill>
+                  <a:schemeClr val="tx1"/>
+                </a:solidFill>
+              </a:rPr>
+              <a:t>:</a:t>
+            </a:r>
+          </a:p>
+          <a:p>
+            <a:pPr marL="285750" indent="-285750">
+              <a:buFont typeface="Wingdings" pitchFamily="2" charset="2"/>
+              <a:buChar char="v"/>
+            </a:pPr>
+            <a:r>
+              <a:rPr lang="en-US" dirty="0">
+                <a:solidFill>
+                  <a:schemeClr val="tx1"/>
+                </a:solidFill>
+              </a:rPr>
+              <a:t>Convert text into numerical representations, such as using Bag-of-Words, TF-IDF, or word </a:t>
+            </a:r>
+            <a:r>
+              <a:rPr lang="en-US" dirty="0" err="1">
+                <a:solidFill>
+                  <a:schemeClr val="tx1"/>
+                </a:solidFill>
+              </a:rPr>
+              <a:t>embeddings</a:t>
+            </a:r>
+            <a:r>
+              <a:rPr lang="en-US" dirty="0">
+                <a:solidFill>
+                  <a:schemeClr val="tx1"/>
+                </a:solidFill>
+              </a:rPr>
+              <a:t> like Word2Vec or </a:t>
+            </a:r>
+            <a:r>
+              <a:rPr lang="en-US" dirty="0" err="1">
+                <a:solidFill>
+                  <a:schemeClr val="tx1"/>
+                </a:solidFill>
+              </a:rPr>
+              <a:t>GloVe</a:t>
+            </a:r>
+            <a:r>
+              <a:rPr lang="en-US" dirty="0">
+                <a:solidFill>
+                  <a:schemeClr val="tx1"/>
+                </a:solidFill>
+              </a:rPr>
+              <a:t>.</a:t>
+            </a:r>
+          </a:p>
+          <a:p>
+            <a:pPr algn="just"/>
+            <a:endParaRPr lang="en-US" sz="1200" dirty="0">
+              <a:solidFill>
+                <a:schemeClr val="tx1"/>
+              </a:solidFill>
+            </a:endParaRPr>
+          </a:p>
+        </p:txBody>
+      </p:sp>
+    </p:spTree>
+    <p:extLst>
+      <p:ext uri="{BB962C8B-B14F-4D97-AF65-F5344CB8AC3E}">
+        <p14:creationId xmlns:p14="http://schemas.microsoft.com/office/powerpoint/2010/main" val="2698822018"/>
+      </p:ext>
+    </p:extLst>
+  </p:cSld>
+  <p:clrMapOvr>
+    <a:masterClrMapping/>
+  </p:clrMapOvr>
+  <p:timing>
+    <p:tnLst>
+      <p:par>
+        <p:cTn id="1" dur="indefinite" restart="never" nodeType="tmRoot"/>
+      </p:par>
+    </p:tnLst>
+  </p:timing>
+</p:sld>
+</file>
+
+<file path=ppt/slides/slide28.xml><?xml version="1.0" encoding="utf-8"?>
+<p:sld xmlns:a="http://schemas.openxmlformats.org/drawingml/2006/main" xmlns:r="http://schemas.openxmlformats.org/officeDocument/2006/relationships" xmlns:p="http://schemas.openxmlformats.org/presentationml/2006/main">
+  <p:cSld>
+    <p:spTree>
+      <p:nvGrpSpPr>
+        <p:cNvPr id="1" name="Shape 102"/>
+        <p:cNvGrpSpPr/>
+        <p:nvPr/>
+      </p:nvGrpSpPr>
+      <p:grpSpPr>
+        <a:xfrm>
+          <a:off x="0" y="0"/>
+          <a:ext cx="0" cy="0"/>
+          <a:chOff x="0" y="0"/>
+          <a:chExt cx="0" cy="0"/>
+        </a:xfrm>
+      </p:grpSpPr>
+      <p:sp>
+        <p:nvSpPr>
+          <p:cNvPr id="103" name="Google Shape;103;p16"/>
+          <p:cNvSpPr txBox="1">
+            <a:spLocks noGrp="1"/>
+          </p:cNvSpPr>
+          <p:nvPr>
+            <p:ph type="title"/>
+          </p:nvPr>
+        </p:nvSpPr>
+        <p:spPr>
+          <a:xfrm>
+            <a:off x="0" y="-37322"/>
+            <a:ext cx="9144000" cy="447869"/>
+          </a:xfrm>
+          <a:prstGeom prst="rect">
+            <a:avLst/>
+          </a:prstGeom>
+        </p:spPr>
+        <p:txBody>
+          <a:bodyPr spcFirstLastPara="1" wrap="square" lIns="91425" tIns="91425" rIns="91425" bIns="91425" anchor="t" anchorCtr="0">
+            <a:noAutofit/>
+          </a:bodyPr>
+          <a:lstStyle/>
+          <a:p>
+            <a:pPr algn="ctr" fontAlgn="base"/>
+            <a:r>
+              <a:rPr lang="en-US" sz="2000" b="1" dirty="0" smtClean="0"/>
+              <a:t>DATA PRE-PROCESSING IN NLP</a:t>
+            </a:r>
+            <a:endParaRPr lang="en-US" sz="2000" b="1" dirty="0"/>
+          </a:p>
+        </p:txBody>
+      </p:sp>
+      <p:sp>
+        <p:nvSpPr>
+          <p:cNvPr id="2" name="Rectangle 1"/>
+          <p:cNvSpPr/>
+          <p:nvPr/>
+        </p:nvSpPr>
+        <p:spPr>
+          <a:xfrm>
+            <a:off x="382555" y="544976"/>
+            <a:ext cx="8537510" cy="2539157"/>
+          </a:xfrm>
+          <a:prstGeom prst="rect">
+            <a:avLst/>
+          </a:prstGeom>
+        </p:spPr>
+        <p:txBody>
+          <a:bodyPr wrap="square">
+            <a:spAutoFit/>
+          </a:bodyPr>
+          <a:lstStyle/>
+          <a:p>
+            <a:pPr>
+              <a:lnSpc>
+                <a:spcPct val="150000"/>
+              </a:lnSpc>
+            </a:pPr>
+            <a:r>
+              <a:rPr lang="en-US" b="1" u="sng" dirty="0">
+                <a:solidFill>
+                  <a:schemeClr val="tx1"/>
+                </a:solidFill>
+              </a:rPr>
+              <a:t>Explanation:</a:t>
+            </a:r>
+          </a:p>
+          <a:p>
+            <a:pPr>
+              <a:lnSpc>
+                <a:spcPct val="150000"/>
+              </a:lnSpc>
+            </a:pPr>
+            <a:r>
+              <a:rPr lang="en-US" b="1" dirty="0">
+                <a:solidFill>
+                  <a:schemeClr val="tx1"/>
+                </a:solidFill>
+              </a:rPr>
+              <a:t>Normalization</a:t>
+            </a:r>
+            <a:r>
+              <a:rPr lang="en-US" dirty="0">
+                <a:solidFill>
+                  <a:schemeClr val="tx1"/>
+                </a:solidFill>
+              </a:rPr>
+              <a:t>: Converts text to lowercase and removes punctuation.</a:t>
+            </a:r>
+          </a:p>
+          <a:p>
+            <a:pPr>
+              <a:lnSpc>
+                <a:spcPct val="150000"/>
+              </a:lnSpc>
+            </a:pPr>
+            <a:r>
+              <a:rPr lang="en-US" b="1" dirty="0">
+                <a:solidFill>
+                  <a:schemeClr val="tx1"/>
+                </a:solidFill>
+              </a:rPr>
+              <a:t>Tokenization</a:t>
+            </a:r>
+            <a:r>
+              <a:rPr lang="en-US" dirty="0">
+                <a:solidFill>
+                  <a:schemeClr val="tx1"/>
+                </a:solidFill>
+              </a:rPr>
+              <a:t>: Breaks text into words.</a:t>
+            </a:r>
+          </a:p>
+          <a:p>
+            <a:pPr>
+              <a:lnSpc>
+                <a:spcPct val="150000"/>
+              </a:lnSpc>
+            </a:pPr>
+            <a:r>
+              <a:rPr lang="en-US" b="1" dirty="0">
+                <a:solidFill>
+                  <a:schemeClr val="tx1"/>
+                </a:solidFill>
+              </a:rPr>
+              <a:t>Stop Words Removal</a:t>
+            </a:r>
+            <a:r>
+              <a:rPr lang="en-US" dirty="0">
+                <a:solidFill>
+                  <a:schemeClr val="tx1"/>
+                </a:solidFill>
+              </a:rPr>
+              <a:t>: Removes common words that don't add much meaning.</a:t>
+            </a:r>
+          </a:p>
+          <a:p>
+            <a:pPr>
+              <a:lnSpc>
+                <a:spcPct val="150000"/>
+              </a:lnSpc>
+            </a:pPr>
+            <a:r>
+              <a:rPr lang="en-US" b="1" dirty="0">
+                <a:solidFill>
+                  <a:schemeClr val="tx1"/>
+                </a:solidFill>
+              </a:rPr>
+              <a:t>Stemming</a:t>
+            </a:r>
+            <a:r>
+              <a:rPr lang="en-US" dirty="0">
+                <a:solidFill>
+                  <a:schemeClr val="tx1"/>
+                </a:solidFill>
+              </a:rPr>
+              <a:t>: Reduces words to their base form (can be replaced with lemmatization).</a:t>
+            </a:r>
+          </a:p>
+          <a:p>
+            <a:pPr>
+              <a:lnSpc>
+                <a:spcPct val="150000"/>
+              </a:lnSpc>
+            </a:pPr>
+            <a:r>
+              <a:rPr lang="en-US" b="1" dirty="0">
+                <a:solidFill>
+                  <a:schemeClr val="tx1"/>
+                </a:solidFill>
+              </a:rPr>
+              <a:t>Lemmatization</a:t>
+            </a:r>
+            <a:r>
+              <a:rPr lang="en-US" dirty="0">
+                <a:solidFill>
+                  <a:schemeClr val="tx1"/>
+                </a:solidFill>
+              </a:rPr>
+              <a:t>: Converts words to their base form (alternative to stemming).</a:t>
+            </a:r>
+          </a:p>
+          <a:p>
+            <a:pPr>
+              <a:lnSpc>
+                <a:spcPct val="150000"/>
+              </a:lnSpc>
+            </a:pPr>
+            <a:r>
+              <a:rPr lang="en-US" b="1" dirty="0" err="1">
+                <a:solidFill>
+                  <a:schemeClr val="tx1"/>
+                </a:solidFill>
+              </a:rPr>
+              <a:t>Vectorization</a:t>
+            </a:r>
+            <a:r>
+              <a:rPr lang="en-US" dirty="0">
+                <a:solidFill>
+                  <a:schemeClr val="tx1"/>
+                </a:solidFill>
+              </a:rPr>
+              <a:t>: Converts text to numerical features using TF-IDF.</a:t>
+            </a:r>
+          </a:p>
+          <a:p>
+            <a:pPr algn="just"/>
+            <a:endParaRPr lang="en-US" sz="1200" dirty="0">
+              <a:solidFill>
+                <a:schemeClr val="tx1"/>
+              </a:solidFill>
+            </a:endParaRPr>
+          </a:p>
+        </p:txBody>
+      </p:sp>
+    </p:spTree>
+    <p:extLst>
+      <p:ext uri="{BB962C8B-B14F-4D97-AF65-F5344CB8AC3E}">
+        <p14:creationId xmlns:p14="http://schemas.microsoft.com/office/powerpoint/2010/main" val="872766862"/>
       </p:ext>
     </p:extLst>
   </p:cSld>

--- a/AI-NLP.pptx
+++ b/AI-NLP.pptx
@@ -5,7 +5,7 @@
     <p:sldMasterId id="2147483659" r:id="rId1"/>
   </p:sldMasterIdLst>
   <p:notesMasterIdLst>
-    <p:notesMasterId r:id="rId30"/>
+    <p:notesMasterId r:id="rId36"/>
   </p:notesMasterIdLst>
   <p:sldIdLst>
     <p:sldId id="256" r:id="rId2"/>
@@ -36,16 +36,22 @@
     <p:sldId id="453" r:id="rId27"/>
     <p:sldId id="451" r:id="rId28"/>
     <p:sldId id="452" r:id="rId29"/>
+    <p:sldId id="457" r:id="rId30"/>
+    <p:sldId id="456" r:id="rId31"/>
+    <p:sldId id="458" r:id="rId32"/>
+    <p:sldId id="459" r:id="rId33"/>
+    <p:sldId id="460" r:id="rId34"/>
+    <p:sldId id="461" r:id="rId35"/>
   </p:sldIdLst>
   <p:sldSz cx="9144000" cy="5143500" type="screen16x9"/>
   <p:notesSz cx="6858000" cy="9144000"/>
   <p:embeddedFontLst>
     <p:embeddedFont>
-      <p:font typeface="Roboto" panose="020B0604020202020204" charset="0"/>
-      <p:regular r:id="rId31"/>
-      <p:bold r:id="rId32"/>
-      <p:italic r:id="rId33"/>
-      <p:boldItalic r:id="rId34"/>
+      <p:font typeface="Roboto" charset="0"/>
+      <p:regular r:id="rId37"/>
+      <p:bold r:id="rId38"/>
+      <p:italic r:id="rId39"/>
+      <p:boldItalic r:id="rId40"/>
     </p:embeddedFont>
   </p:embeddedFontLst>
   <p:defaultTextStyle>
@@ -279,7 +285,7 @@
   </p:defaultTextStyle>
   <p:extLst>
     <p:ext uri="{EFAFB233-063F-42B5-8137-9DF3F51BA10A}">
-      <p15:sldGuideLst xmlns:p15="http://schemas.microsoft.com/office/powerpoint/2012/main">
+      <p15:sldGuideLst xmlns="" xmlns:mc="http://schemas.openxmlformats.org/markup-compatibility/2006" xmlns:mv="urn:schemas-microsoft-com:mac:vml" xmlns:c="http://schemas.openxmlformats.org/drawingml/2006/chart" xmlns:dgm="http://schemas.openxmlformats.org/drawingml/2006/diagram" xmlns:o="urn:schemas-microsoft-com:office:office" xmlns:v="urn:schemas-microsoft-com:vml" xmlns:pvml="urn:schemas-microsoft-com:office:powerpoint" xmlns:com="http://schemas.openxmlformats.org/drawingml/2006/compatibility" xmlns:p14="http://schemas.microsoft.com/office/powerpoint/2010/main" xmlns:p15="http://schemas.microsoft.com/office/powerpoint/2012/main" xmlns:ahyp="http://schemas.microsoft.com/office/drawing/2018/hyperlinkcolor">
         <p15:guide id="1" orient="horz" pos="1620">
           <p15:clr>
             <a:srgbClr val="747775"/>
@@ -2822,7 +2828,631 @@
 </p:notes>
 </file>
 
+<file path=ppt/notesSlides/notesSlide28.xml><?xml version="1.0" encoding="utf-8"?>
+<p:notes xmlns:a="http://schemas.openxmlformats.org/drawingml/2006/main" xmlns:r="http://schemas.openxmlformats.org/officeDocument/2006/relationships" xmlns:p="http://schemas.openxmlformats.org/presentationml/2006/main" showMasterSp="0" showMasterPhAnim="0">
+  <p:cSld>
+    <p:spTree>
+      <p:nvGrpSpPr>
+        <p:cNvPr id="1" name="Shape 99"/>
+        <p:cNvGrpSpPr/>
+        <p:nvPr/>
+      </p:nvGrpSpPr>
+      <p:grpSpPr>
+        <a:xfrm>
+          <a:off x="0" y="0"/>
+          <a:ext cx="0" cy="0"/>
+          <a:chOff x="0" y="0"/>
+          <a:chExt cx="0" cy="0"/>
+        </a:xfrm>
+      </p:grpSpPr>
+      <p:sp>
+        <p:nvSpPr>
+          <p:cNvPr id="100" name="Google Shape;100;g2ddc889944f_0_0:notes"/>
+          <p:cNvSpPr>
+            <a:spLocks noGrp="1" noRot="1" noChangeAspect="1"/>
+          </p:cNvSpPr>
+          <p:nvPr>
+            <p:ph type="sldImg" idx="2"/>
+          </p:nvPr>
+        </p:nvSpPr>
+        <p:spPr>
+          <a:xfrm>
+            <a:off x="381000" y="685800"/>
+            <a:ext cx="6096000" cy="3429000"/>
+          </a:xfrm>
+          <a:custGeom>
+            <a:avLst/>
+            <a:gdLst/>
+            <a:ahLst/>
+            <a:cxnLst/>
+            <a:rect l="l" t="t" r="r" b="b"/>
+            <a:pathLst>
+              <a:path w="120000" h="120000" extrusionOk="0">
+                <a:moveTo>
+                  <a:pt x="0" y="0"/>
+                </a:moveTo>
+                <a:lnTo>
+                  <a:pt x="120000" y="0"/>
+                </a:lnTo>
+                <a:lnTo>
+                  <a:pt x="120000" y="120000"/>
+                </a:lnTo>
+                <a:lnTo>
+                  <a:pt x="0" y="120000"/>
+                </a:lnTo>
+                <a:close/>
+              </a:path>
+            </a:pathLst>
+          </a:custGeom>
+        </p:spPr>
+      </p:sp>
+      <p:sp>
+        <p:nvSpPr>
+          <p:cNvPr id="101" name="Google Shape;101;g2ddc889944f_0_0:notes"/>
+          <p:cNvSpPr txBox="1">
+            <a:spLocks noGrp="1"/>
+          </p:cNvSpPr>
+          <p:nvPr>
+            <p:ph type="body" idx="1"/>
+          </p:nvPr>
+        </p:nvSpPr>
+        <p:spPr>
+          <a:xfrm>
+            <a:off x="685800" y="4343400"/>
+            <a:ext cx="5486400" cy="4114800"/>
+          </a:xfrm>
+          <a:prstGeom prst="rect">
+            <a:avLst/>
+          </a:prstGeom>
+        </p:spPr>
+        <p:txBody>
+          <a:bodyPr spcFirstLastPara="1" wrap="square" lIns="91425" tIns="91425" rIns="91425" bIns="91425" anchor="t" anchorCtr="0">
+            <a:noAutofit/>
+          </a:bodyPr>
+          <a:lstStyle/>
+          <a:p>
+            <a:pPr marL="0" lvl="0" indent="0" algn="l" rtl="0">
+              <a:spcBef>
+                <a:spcPts val="0"/>
+              </a:spcBef>
+              <a:spcAft>
+                <a:spcPts val="0"/>
+              </a:spcAft>
+              <a:buNone/>
+            </a:pPr>
+            <a:endParaRPr/>
+          </a:p>
+        </p:txBody>
+      </p:sp>
+    </p:spTree>
+  </p:cSld>
+  <p:clrMapOvr>
+    <a:masterClrMapping/>
+  </p:clrMapOvr>
+</p:notes>
+</file>
+
+<file path=ppt/notesSlides/notesSlide29.xml><?xml version="1.0" encoding="utf-8"?>
+<p:notes xmlns:a="http://schemas.openxmlformats.org/drawingml/2006/main" xmlns:r="http://schemas.openxmlformats.org/officeDocument/2006/relationships" xmlns:p="http://schemas.openxmlformats.org/presentationml/2006/main" showMasterSp="0" showMasterPhAnim="0">
+  <p:cSld>
+    <p:spTree>
+      <p:nvGrpSpPr>
+        <p:cNvPr id="1" name="Shape 99"/>
+        <p:cNvGrpSpPr/>
+        <p:nvPr/>
+      </p:nvGrpSpPr>
+      <p:grpSpPr>
+        <a:xfrm>
+          <a:off x="0" y="0"/>
+          <a:ext cx="0" cy="0"/>
+          <a:chOff x="0" y="0"/>
+          <a:chExt cx="0" cy="0"/>
+        </a:xfrm>
+      </p:grpSpPr>
+      <p:sp>
+        <p:nvSpPr>
+          <p:cNvPr id="100" name="Google Shape;100;g2ddc889944f_0_0:notes"/>
+          <p:cNvSpPr>
+            <a:spLocks noGrp="1" noRot="1" noChangeAspect="1"/>
+          </p:cNvSpPr>
+          <p:nvPr>
+            <p:ph type="sldImg" idx="2"/>
+          </p:nvPr>
+        </p:nvSpPr>
+        <p:spPr>
+          <a:xfrm>
+            <a:off x="381000" y="685800"/>
+            <a:ext cx="6096000" cy="3429000"/>
+          </a:xfrm>
+          <a:custGeom>
+            <a:avLst/>
+            <a:gdLst/>
+            <a:ahLst/>
+            <a:cxnLst/>
+            <a:rect l="l" t="t" r="r" b="b"/>
+            <a:pathLst>
+              <a:path w="120000" h="120000" extrusionOk="0">
+                <a:moveTo>
+                  <a:pt x="0" y="0"/>
+                </a:moveTo>
+                <a:lnTo>
+                  <a:pt x="120000" y="0"/>
+                </a:lnTo>
+                <a:lnTo>
+                  <a:pt x="120000" y="120000"/>
+                </a:lnTo>
+                <a:lnTo>
+                  <a:pt x="0" y="120000"/>
+                </a:lnTo>
+                <a:close/>
+              </a:path>
+            </a:pathLst>
+          </a:custGeom>
+        </p:spPr>
+      </p:sp>
+      <p:sp>
+        <p:nvSpPr>
+          <p:cNvPr id="101" name="Google Shape;101;g2ddc889944f_0_0:notes"/>
+          <p:cNvSpPr txBox="1">
+            <a:spLocks noGrp="1"/>
+          </p:cNvSpPr>
+          <p:nvPr>
+            <p:ph type="body" idx="1"/>
+          </p:nvPr>
+        </p:nvSpPr>
+        <p:spPr>
+          <a:xfrm>
+            <a:off x="685800" y="4343400"/>
+            <a:ext cx="5486400" cy="4114800"/>
+          </a:xfrm>
+          <a:prstGeom prst="rect">
+            <a:avLst/>
+          </a:prstGeom>
+        </p:spPr>
+        <p:txBody>
+          <a:bodyPr spcFirstLastPara="1" wrap="square" lIns="91425" tIns="91425" rIns="91425" bIns="91425" anchor="t" anchorCtr="0">
+            <a:noAutofit/>
+          </a:bodyPr>
+          <a:lstStyle/>
+          <a:p>
+            <a:pPr marL="0" lvl="0" indent="0" algn="l" rtl="0">
+              <a:spcBef>
+                <a:spcPts val="0"/>
+              </a:spcBef>
+              <a:spcAft>
+                <a:spcPts val="0"/>
+              </a:spcAft>
+              <a:buNone/>
+            </a:pPr>
+            <a:endParaRPr/>
+          </a:p>
+        </p:txBody>
+      </p:sp>
+    </p:spTree>
+  </p:cSld>
+  <p:clrMapOvr>
+    <a:masterClrMapping/>
+  </p:clrMapOvr>
+</p:notes>
+</file>
+
 <file path=ppt/notesSlides/notesSlide3.xml><?xml version="1.0" encoding="utf-8"?>
+<p:notes xmlns:a="http://schemas.openxmlformats.org/drawingml/2006/main" xmlns:r="http://schemas.openxmlformats.org/officeDocument/2006/relationships" xmlns:p="http://schemas.openxmlformats.org/presentationml/2006/main" showMasterSp="0" showMasterPhAnim="0">
+  <p:cSld>
+    <p:spTree>
+      <p:nvGrpSpPr>
+        <p:cNvPr id="1" name="Shape 99"/>
+        <p:cNvGrpSpPr/>
+        <p:nvPr/>
+      </p:nvGrpSpPr>
+      <p:grpSpPr>
+        <a:xfrm>
+          <a:off x="0" y="0"/>
+          <a:ext cx="0" cy="0"/>
+          <a:chOff x="0" y="0"/>
+          <a:chExt cx="0" cy="0"/>
+        </a:xfrm>
+      </p:grpSpPr>
+      <p:sp>
+        <p:nvSpPr>
+          <p:cNvPr id="100" name="Google Shape;100;g2ddc889944f_0_0:notes"/>
+          <p:cNvSpPr>
+            <a:spLocks noGrp="1" noRot="1" noChangeAspect="1"/>
+          </p:cNvSpPr>
+          <p:nvPr>
+            <p:ph type="sldImg" idx="2"/>
+          </p:nvPr>
+        </p:nvSpPr>
+        <p:spPr>
+          <a:xfrm>
+            <a:off x="381000" y="685800"/>
+            <a:ext cx="6096000" cy="3429000"/>
+          </a:xfrm>
+          <a:custGeom>
+            <a:avLst/>
+            <a:gdLst/>
+            <a:ahLst/>
+            <a:cxnLst/>
+            <a:rect l="l" t="t" r="r" b="b"/>
+            <a:pathLst>
+              <a:path w="120000" h="120000" extrusionOk="0">
+                <a:moveTo>
+                  <a:pt x="0" y="0"/>
+                </a:moveTo>
+                <a:lnTo>
+                  <a:pt x="120000" y="0"/>
+                </a:lnTo>
+                <a:lnTo>
+                  <a:pt x="120000" y="120000"/>
+                </a:lnTo>
+                <a:lnTo>
+                  <a:pt x="0" y="120000"/>
+                </a:lnTo>
+                <a:close/>
+              </a:path>
+            </a:pathLst>
+          </a:custGeom>
+        </p:spPr>
+      </p:sp>
+      <p:sp>
+        <p:nvSpPr>
+          <p:cNvPr id="101" name="Google Shape;101;g2ddc889944f_0_0:notes"/>
+          <p:cNvSpPr txBox="1">
+            <a:spLocks noGrp="1"/>
+          </p:cNvSpPr>
+          <p:nvPr>
+            <p:ph type="body" idx="1"/>
+          </p:nvPr>
+        </p:nvSpPr>
+        <p:spPr>
+          <a:xfrm>
+            <a:off x="685800" y="4343400"/>
+            <a:ext cx="5486400" cy="4114800"/>
+          </a:xfrm>
+          <a:prstGeom prst="rect">
+            <a:avLst/>
+          </a:prstGeom>
+        </p:spPr>
+        <p:txBody>
+          <a:bodyPr spcFirstLastPara="1" wrap="square" lIns="91425" tIns="91425" rIns="91425" bIns="91425" anchor="t" anchorCtr="0">
+            <a:noAutofit/>
+          </a:bodyPr>
+          <a:lstStyle/>
+          <a:p>
+            <a:pPr marL="0" lvl="0" indent="0" algn="l" rtl="0">
+              <a:spcBef>
+                <a:spcPts val="0"/>
+              </a:spcBef>
+              <a:spcAft>
+                <a:spcPts val="0"/>
+              </a:spcAft>
+              <a:buNone/>
+            </a:pPr>
+            <a:endParaRPr/>
+          </a:p>
+        </p:txBody>
+      </p:sp>
+    </p:spTree>
+  </p:cSld>
+  <p:clrMapOvr>
+    <a:masterClrMapping/>
+  </p:clrMapOvr>
+</p:notes>
+</file>
+
+<file path=ppt/notesSlides/notesSlide30.xml><?xml version="1.0" encoding="utf-8"?>
+<p:notes xmlns:a="http://schemas.openxmlformats.org/drawingml/2006/main" xmlns:r="http://schemas.openxmlformats.org/officeDocument/2006/relationships" xmlns:p="http://schemas.openxmlformats.org/presentationml/2006/main" showMasterSp="0" showMasterPhAnim="0">
+  <p:cSld>
+    <p:spTree>
+      <p:nvGrpSpPr>
+        <p:cNvPr id="1" name="Shape 99"/>
+        <p:cNvGrpSpPr/>
+        <p:nvPr/>
+      </p:nvGrpSpPr>
+      <p:grpSpPr>
+        <a:xfrm>
+          <a:off x="0" y="0"/>
+          <a:ext cx="0" cy="0"/>
+          <a:chOff x="0" y="0"/>
+          <a:chExt cx="0" cy="0"/>
+        </a:xfrm>
+      </p:grpSpPr>
+      <p:sp>
+        <p:nvSpPr>
+          <p:cNvPr id="100" name="Google Shape;100;g2ddc889944f_0_0:notes"/>
+          <p:cNvSpPr>
+            <a:spLocks noGrp="1" noRot="1" noChangeAspect="1"/>
+          </p:cNvSpPr>
+          <p:nvPr>
+            <p:ph type="sldImg" idx="2"/>
+          </p:nvPr>
+        </p:nvSpPr>
+        <p:spPr>
+          <a:xfrm>
+            <a:off x="381000" y="685800"/>
+            <a:ext cx="6096000" cy="3429000"/>
+          </a:xfrm>
+          <a:custGeom>
+            <a:avLst/>
+            <a:gdLst/>
+            <a:ahLst/>
+            <a:cxnLst/>
+            <a:rect l="l" t="t" r="r" b="b"/>
+            <a:pathLst>
+              <a:path w="120000" h="120000" extrusionOk="0">
+                <a:moveTo>
+                  <a:pt x="0" y="0"/>
+                </a:moveTo>
+                <a:lnTo>
+                  <a:pt x="120000" y="0"/>
+                </a:lnTo>
+                <a:lnTo>
+                  <a:pt x="120000" y="120000"/>
+                </a:lnTo>
+                <a:lnTo>
+                  <a:pt x="0" y="120000"/>
+                </a:lnTo>
+                <a:close/>
+              </a:path>
+            </a:pathLst>
+          </a:custGeom>
+        </p:spPr>
+      </p:sp>
+      <p:sp>
+        <p:nvSpPr>
+          <p:cNvPr id="101" name="Google Shape;101;g2ddc889944f_0_0:notes"/>
+          <p:cNvSpPr txBox="1">
+            <a:spLocks noGrp="1"/>
+          </p:cNvSpPr>
+          <p:nvPr>
+            <p:ph type="body" idx="1"/>
+          </p:nvPr>
+        </p:nvSpPr>
+        <p:spPr>
+          <a:xfrm>
+            <a:off x="685800" y="4343400"/>
+            <a:ext cx="5486400" cy="4114800"/>
+          </a:xfrm>
+          <a:prstGeom prst="rect">
+            <a:avLst/>
+          </a:prstGeom>
+        </p:spPr>
+        <p:txBody>
+          <a:bodyPr spcFirstLastPara="1" wrap="square" lIns="91425" tIns="91425" rIns="91425" bIns="91425" anchor="t" anchorCtr="0">
+            <a:noAutofit/>
+          </a:bodyPr>
+          <a:lstStyle/>
+          <a:p>
+            <a:pPr marL="0" lvl="0" indent="0" algn="l" rtl="0">
+              <a:spcBef>
+                <a:spcPts val="0"/>
+              </a:spcBef>
+              <a:spcAft>
+                <a:spcPts val="0"/>
+              </a:spcAft>
+              <a:buNone/>
+            </a:pPr>
+            <a:endParaRPr/>
+          </a:p>
+        </p:txBody>
+      </p:sp>
+    </p:spTree>
+  </p:cSld>
+  <p:clrMapOvr>
+    <a:masterClrMapping/>
+  </p:clrMapOvr>
+</p:notes>
+</file>
+
+<file path=ppt/notesSlides/notesSlide31.xml><?xml version="1.0" encoding="utf-8"?>
+<p:notes xmlns:a="http://schemas.openxmlformats.org/drawingml/2006/main" xmlns:r="http://schemas.openxmlformats.org/officeDocument/2006/relationships" xmlns:p="http://schemas.openxmlformats.org/presentationml/2006/main" showMasterSp="0" showMasterPhAnim="0">
+  <p:cSld>
+    <p:spTree>
+      <p:nvGrpSpPr>
+        <p:cNvPr id="1" name="Shape 99"/>
+        <p:cNvGrpSpPr/>
+        <p:nvPr/>
+      </p:nvGrpSpPr>
+      <p:grpSpPr>
+        <a:xfrm>
+          <a:off x="0" y="0"/>
+          <a:ext cx="0" cy="0"/>
+          <a:chOff x="0" y="0"/>
+          <a:chExt cx="0" cy="0"/>
+        </a:xfrm>
+      </p:grpSpPr>
+      <p:sp>
+        <p:nvSpPr>
+          <p:cNvPr id="100" name="Google Shape;100;g2ddc889944f_0_0:notes"/>
+          <p:cNvSpPr>
+            <a:spLocks noGrp="1" noRot="1" noChangeAspect="1"/>
+          </p:cNvSpPr>
+          <p:nvPr>
+            <p:ph type="sldImg" idx="2"/>
+          </p:nvPr>
+        </p:nvSpPr>
+        <p:spPr>
+          <a:xfrm>
+            <a:off x="381000" y="685800"/>
+            <a:ext cx="6096000" cy="3429000"/>
+          </a:xfrm>
+          <a:custGeom>
+            <a:avLst/>
+            <a:gdLst/>
+            <a:ahLst/>
+            <a:cxnLst/>
+            <a:rect l="l" t="t" r="r" b="b"/>
+            <a:pathLst>
+              <a:path w="120000" h="120000" extrusionOk="0">
+                <a:moveTo>
+                  <a:pt x="0" y="0"/>
+                </a:moveTo>
+                <a:lnTo>
+                  <a:pt x="120000" y="0"/>
+                </a:lnTo>
+                <a:lnTo>
+                  <a:pt x="120000" y="120000"/>
+                </a:lnTo>
+                <a:lnTo>
+                  <a:pt x="0" y="120000"/>
+                </a:lnTo>
+                <a:close/>
+              </a:path>
+            </a:pathLst>
+          </a:custGeom>
+        </p:spPr>
+      </p:sp>
+      <p:sp>
+        <p:nvSpPr>
+          <p:cNvPr id="101" name="Google Shape;101;g2ddc889944f_0_0:notes"/>
+          <p:cNvSpPr txBox="1">
+            <a:spLocks noGrp="1"/>
+          </p:cNvSpPr>
+          <p:nvPr>
+            <p:ph type="body" idx="1"/>
+          </p:nvPr>
+        </p:nvSpPr>
+        <p:spPr>
+          <a:xfrm>
+            <a:off x="685800" y="4343400"/>
+            <a:ext cx="5486400" cy="4114800"/>
+          </a:xfrm>
+          <a:prstGeom prst="rect">
+            <a:avLst/>
+          </a:prstGeom>
+        </p:spPr>
+        <p:txBody>
+          <a:bodyPr spcFirstLastPara="1" wrap="square" lIns="91425" tIns="91425" rIns="91425" bIns="91425" anchor="t" anchorCtr="0">
+            <a:noAutofit/>
+          </a:bodyPr>
+          <a:lstStyle/>
+          <a:p>
+            <a:pPr marL="0" lvl="0" indent="0" algn="l" rtl="0">
+              <a:spcBef>
+                <a:spcPts val="0"/>
+              </a:spcBef>
+              <a:spcAft>
+                <a:spcPts val="0"/>
+              </a:spcAft>
+              <a:buNone/>
+            </a:pPr>
+            <a:endParaRPr/>
+          </a:p>
+        </p:txBody>
+      </p:sp>
+    </p:spTree>
+  </p:cSld>
+  <p:clrMapOvr>
+    <a:masterClrMapping/>
+  </p:clrMapOvr>
+</p:notes>
+</file>
+
+<file path=ppt/notesSlides/notesSlide32.xml><?xml version="1.0" encoding="utf-8"?>
+<p:notes xmlns:a="http://schemas.openxmlformats.org/drawingml/2006/main" xmlns:r="http://schemas.openxmlformats.org/officeDocument/2006/relationships" xmlns:p="http://schemas.openxmlformats.org/presentationml/2006/main" showMasterSp="0" showMasterPhAnim="0">
+  <p:cSld>
+    <p:spTree>
+      <p:nvGrpSpPr>
+        <p:cNvPr id="1" name="Shape 99"/>
+        <p:cNvGrpSpPr/>
+        <p:nvPr/>
+      </p:nvGrpSpPr>
+      <p:grpSpPr>
+        <a:xfrm>
+          <a:off x="0" y="0"/>
+          <a:ext cx="0" cy="0"/>
+          <a:chOff x="0" y="0"/>
+          <a:chExt cx="0" cy="0"/>
+        </a:xfrm>
+      </p:grpSpPr>
+      <p:sp>
+        <p:nvSpPr>
+          <p:cNvPr id="100" name="Google Shape;100;g2ddc889944f_0_0:notes"/>
+          <p:cNvSpPr>
+            <a:spLocks noGrp="1" noRot="1" noChangeAspect="1"/>
+          </p:cNvSpPr>
+          <p:nvPr>
+            <p:ph type="sldImg" idx="2"/>
+          </p:nvPr>
+        </p:nvSpPr>
+        <p:spPr>
+          <a:xfrm>
+            <a:off x="381000" y="685800"/>
+            <a:ext cx="6096000" cy="3429000"/>
+          </a:xfrm>
+          <a:custGeom>
+            <a:avLst/>
+            <a:gdLst/>
+            <a:ahLst/>
+            <a:cxnLst/>
+            <a:rect l="l" t="t" r="r" b="b"/>
+            <a:pathLst>
+              <a:path w="120000" h="120000" extrusionOk="0">
+                <a:moveTo>
+                  <a:pt x="0" y="0"/>
+                </a:moveTo>
+                <a:lnTo>
+                  <a:pt x="120000" y="0"/>
+                </a:lnTo>
+                <a:lnTo>
+                  <a:pt x="120000" y="120000"/>
+                </a:lnTo>
+                <a:lnTo>
+                  <a:pt x="0" y="120000"/>
+                </a:lnTo>
+                <a:close/>
+              </a:path>
+            </a:pathLst>
+          </a:custGeom>
+        </p:spPr>
+      </p:sp>
+      <p:sp>
+        <p:nvSpPr>
+          <p:cNvPr id="101" name="Google Shape;101;g2ddc889944f_0_0:notes"/>
+          <p:cNvSpPr txBox="1">
+            <a:spLocks noGrp="1"/>
+          </p:cNvSpPr>
+          <p:nvPr>
+            <p:ph type="body" idx="1"/>
+          </p:nvPr>
+        </p:nvSpPr>
+        <p:spPr>
+          <a:xfrm>
+            <a:off x="685800" y="4343400"/>
+            <a:ext cx="5486400" cy="4114800"/>
+          </a:xfrm>
+          <a:prstGeom prst="rect">
+            <a:avLst/>
+          </a:prstGeom>
+        </p:spPr>
+        <p:txBody>
+          <a:bodyPr spcFirstLastPara="1" wrap="square" lIns="91425" tIns="91425" rIns="91425" bIns="91425" anchor="t" anchorCtr="0">
+            <a:noAutofit/>
+          </a:bodyPr>
+          <a:lstStyle/>
+          <a:p>
+            <a:pPr marL="0" lvl="0" indent="0" algn="l" rtl="0">
+              <a:spcBef>
+                <a:spcPts val="0"/>
+              </a:spcBef>
+              <a:spcAft>
+                <a:spcPts val="0"/>
+              </a:spcAft>
+              <a:buNone/>
+            </a:pPr>
+            <a:endParaRPr/>
+          </a:p>
+        </p:txBody>
+      </p:sp>
+    </p:spTree>
+  </p:cSld>
+  <p:clrMapOvr>
+    <a:masterClrMapping/>
+  </p:clrMapOvr>
+</p:notes>
+</file>
+
+<file path=ppt/notesSlides/notesSlide33.xml><?xml version="1.0" encoding="utf-8"?>
 <p:notes xmlns:a="http://schemas.openxmlformats.org/drawingml/2006/main" xmlns:r="http://schemas.openxmlformats.org/officeDocument/2006/relationships" xmlns:p="http://schemas.openxmlformats.org/presentationml/2006/main" showMasterSp="0" showMasterPhAnim="0">
   <p:cSld>
     <p:spTree>
@@ -16054,7 +16684,7 @@
         </p:nvSpPr>
         <p:spPr>
           <a:xfrm>
-            <a:off x="382555" y="454925"/>
+            <a:off x="382555" y="544976"/>
             <a:ext cx="8537510" cy="4370427"/>
           </a:xfrm>
           <a:prstGeom prst="rect">
@@ -16707,6 +17337,509 @@
 </p:sld>
 </file>
 
+<file path=ppt/slides/slide29.xml><?xml version="1.0" encoding="utf-8"?>
+<p:sld xmlns:a="http://schemas.openxmlformats.org/drawingml/2006/main" xmlns:r="http://schemas.openxmlformats.org/officeDocument/2006/relationships" xmlns:p="http://schemas.openxmlformats.org/presentationml/2006/main">
+  <p:cSld>
+    <p:spTree>
+      <p:nvGrpSpPr>
+        <p:cNvPr id="1" name="Shape 102"/>
+        <p:cNvGrpSpPr/>
+        <p:nvPr/>
+      </p:nvGrpSpPr>
+      <p:grpSpPr>
+        <a:xfrm>
+          <a:off x="0" y="0"/>
+          <a:ext cx="0" cy="0"/>
+          <a:chOff x="0" y="0"/>
+          <a:chExt cx="0" cy="0"/>
+        </a:xfrm>
+      </p:grpSpPr>
+      <p:sp>
+        <p:nvSpPr>
+          <p:cNvPr id="103" name="Google Shape;103;p16"/>
+          <p:cNvSpPr txBox="1">
+            <a:spLocks noGrp="1"/>
+          </p:cNvSpPr>
+          <p:nvPr>
+            <p:ph type="title"/>
+          </p:nvPr>
+        </p:nvSpPr>
+        <p:spPr>
+          <a:xfrm>
+            <a:off x="0" y="-37322"/>
+            <a:ext cx="9144000" cy="447869"/>
+          </a:xfrm>
+          <a:prstGeom prst="rect">
+            <a:avLst/>
+          </a:prstGeom>
+        </p:spPr>
+        <p:txBody>
+          <a:bodyPr spcFirstLastPara="1" wrap="square" lIns="91425" tIns="91425" rIns="91425" bIns="91425" anchor="t" anchorCtr="0">
+            <a:noAutofit/>
+          </a:bodyPr>
+          <a:lstStyle/>
+          <a:p>
+            <a:pPr algn="ctr" fontAlgn="base"/>
+            <a:r>
+              <a:rPr lang="en-US" sz="2000" b="1" dirty="0" smtClean="0"/>
+              <a:t>WORD &amp; SENTENCE TOKENIZATION</a:t>
+            </a:r>
+            <a:endParaRPr lang="en-US" sz="2000" b="1" dirty="0"/>
+          </a:p>
+        </p:txBody>
+      </p:sp>
+      <p:sp>
+        <p:nvSpPr>
+          <p:cNvPr id="2" name="Rectangle 1"/>
+          <p:cNvSpPr/>
+          <p:nvPr/>
+        </p:nvSpPr>
+        <p:spPr>
+          <a:xfrm>
+            <a:off x="382555" y="544976"/>
+            <a:ext cx="8537510" cy="4124206"/>
+          </a:xfrm>
+          <a:prstGeom prst="rect">
+            <a:avLst/>
+          </a:prstGeom>
+        </p:spPr>
+        <p:txBody>
+          <a:bodyPr wrap="square">
+            <a:spAutoFit/>
+          </a:bodyPr>
+          <a:lstStyle/>
+          <a:p>
+            <a:pPr algn="just"/>
+            <a:endParaRPr lang="en-US" sz="1200" dirty="0">
+              <a:solidFill>
+                <a:schemeClr val="tx1"/>
+              </a:solidFill>
+            </a:endParaRPr>
+          </a:p>
+          <a:p>
+            <a:pPr algn="just"/>
+            <a:r>
+              <a:rPr lang="en-US" b="1" u="sng" dirty="0" smtClean="0">
+                <a:solidFill>
+                  <a:schemeClr val="tx1"/>
+                </a:solidFill>
+                <a:latin typeface="Times New Roman" pitchFamily="18" charset="0"/>
+                <a:cs typeface="Times New Roman" pitchFamily="18" charset="0"/>
+              </a:rPr>
+              <a:t>Word </a:t>
+            </a:r>
+            <a:r>
+              <a:rPr lang="en-US" b="1" u="sng" dirty="0">
+                <a:solidFill>
+                  <a:schemeClr val="tx1"/>
+                </a:solidFill>
+                <a:latin typeface="Times New Roman" pitchFamily="18" charset="0"/>
+                <a:cs typeface="Times New Roman" pitchFamily="18" charset="0"/>
+              </a:rPr>
+              <a:t>Tokenization</a:t>
+            </a:r>
+          </a:p>
+          <a:p>
+            <a:pPr algn="just"/>
+            <a:r>
+              <a:rPr lang="en-US" dirty="0">
+                <a:solidFill>
+                  <a:schemeClr val="tx1"/>
+                </a:solidFill>
+                <a:latin typeface="Times New Roman" pitchFamily="18" charset="0"/>
+                <a:cs typeface="Times New Roman" pitchFamily="18" charset="0"/>
+              </a:rPr>
+              <a:t>Word tokenization involves splitting sentences into individual words. This is useful for most NLP tasks that require understanding and processing individual words.</a:t>
+            </a:r>
+          </a:p>
+          <a:p>
+            <a:pPr algn="just"/>
+            <a:r>
+              <a:rPr lang="en-US" b="1" dirty="0">
+                <a:solidFill>
+                  <a:schemeClr val="tx1"/>
+                </a:solidFill>
+                <a:latin typeface="Times New Roman" pitchFamily="18" charset="0"/>
+                <a:cs typeface="Times New Roman" pitchFamily="18" charset="0"/>
+              </a:rPr>
+              <a:t>Example:</a:t>
+            </a:r>
+            <a:endParaRPr lang="en-US" dirty="0">
+              <a:solidFill>
+                <a:schemeClr val="tx1"/>
+              </a:solidFill>
+              <a:latin typeface="Times New Roman" pitchFamily="18" charset="0"/>
+              <a:cs typeface="Times New Roman" pitchFamily="18" charset="0"/>
+            </a:endParaRPr>
+          </a:p>
+          <a:p>
+            <a:pPr algn="just"/>
+            <a:r>
+              <a:rPr lang="en-US" dirty="0">
+                <a:solidFill>
+                  <a:schemeClr val="tx1"/>
+                </a:solidFill>
+                <a:latin typeface="Times New Roman" pitchFamily="18" charset="0"/>
+                <a:cs typeface="Times New Roman" pitchFamily="18" charset="0"/>
+              </a:rPr>
+              <a:t>Input: "Hello world."</a:t>
+            </a:r>
+          </a:p>
+          <a:p>
+            <a:pPr algn="just"/>
+            <a:r>
+              <a:rPr lang="en-US" dirty="0">
+                <a:solidFill>
+                  <a:schemeClr val="tx1"/>
+                </a:solidFill>
+                <a:latin typeface="Times New Roman" pitchFamily="18" charset="0"/>
+                <a:cs typeface="Times New Roman" pitchFamily="18" charset="0"/>
+              </a:rPr>
+              <a:t>Output: ["Hello", "world"]</a:t>
+            </a:r>
+          </a:p>
+          <a:p>
+            <a:pPr algn="just"/>
+            <a:r>
+              <a:rPr lang="en-US" b="1" u="sng" dirty="0">
+                <a:solidFill>
+                  <a:schemeClr val="tx1"/>
+                </a:solidFill>
+                <a:latin typeface="Times New Roman" pitchFamily="18" charset="0"/>
+                <a:cs typeface="Times New Roman" pitchFamily="18" charset="0"/>
+              </a:rPr>
+              <a:t>Methods:</a:t>
+            </a:r>
+            <a:endParaRPr lang="en-US" u="sng" dirty="0">
+              <a:solidFill>
+                <a:schemeClr val="tx1"/>
+              </a:solidFill>
+              <a:latin typeface="Times New Roman" pitchFamily="18" charset="0"/>
+              <a:cs typeface="Times New Roman" pitchFamily="18" charset="0"/>
+            </a:endParaRPr>
+          </a:p>
+          <a:p>
+            <a:pPr marL="285750" indent="-285750" algn="just">
+              <a:buFont typeface="Wingdings" pitchFamily="2" charset="2"/>
+              <a:buChar char="v"/>
+            </a:pPr>
+            <a:r>
+              <a:rPr lang="en-US" b="1" dirty="0">
+                <a:solidFill>
+                  <a:schemeClr val="tx1"/>
+                </a:solidFill>
+                <a:latin typeface="Times New Roman" pitchFamily="18" charset="0"/>
+                <a:cs typeface="Times New Roman" pitchFamily="18" charset="0"/>
+              </a:rPr>
+              <a:t>Whitespace Tokenization:</a:t>
+            </a:r>
+            <a:r>
+              <a:rPr lang="en-US" dirty="0">
+                <a:solidFill>
+                  <a:schemeClr val="tx1"/>
+                </a:solidFill>
+                <a:latin typeface="Times New Roman" pitchFamily="18" charset="0"/>
+                <a:cs typeface="Times New Roman" pitchFamily="18" charset="0"/>
+              </a:rPr>
+              <a:t> Splits text based on spaces.</a:t>
+            </a:r>
+          </a:p>
+          <a:p>
+            <a:pPr marL="285750" indent="-285750" algn="just">
+              <a:buFont typeface="Wingdings" pitchFamily="2" charset="2"/>
+              <a:buChar char="v"/>
+            </a:pPr>
+            <a:r>
+              <a:rPr lang="en-US" b="1" dirty="0">
+                <a:solidFill>
+                  <a:schemeClr val="tx1"/>
+                </a:solidFill>
+                <a:latin typeface="Times New Roman" pitchFamily="18" charset="0"/>
+                <a:cs typeface="Times New Roman" pitchFamily="18" charset="0"/>
+              </a:rPr>
+              <a:t>Punctuation-Based:</a:t>
+            </a:r>
+            <a:r>
+              <a:rPr lang="en-US" dirty="0">
+                <a:solidFill>
+                  <a:schemeClr val="tx1"/>
+                </a:solidFill>
+                <a:latin typeface="Times New Roman" pitchFamily="18" charset="0"/>
+                <a:cs typeface="Times New Roman" pitchFamily="18" charset="0"/>
+              </a:rPr>
+              <a:t> Separates words by punctuation marks.</a:t>
+            </a:r>
+          </a:p>
+          <a:p>
+            <a:pPr marL="285750" indent="-285750" algn="just">
+              <a:buFont typeface="Wingdings" pitchFamily="2" charset="2"/>
+              <a:buChar char="v"/>
+            </a:pPr>
+            <a:r>
+              <a:rPr lang="en-US" b="1" dirty="0">
+                <a:solidFill>
+                  <a:schemeClr val="tx1"/>
+                </a:solidFill>
+                <a:latin typeface="Times New Roman" pitchFamily="18" charset="0"/>
+                <a:cs typeface="Times New Roman" pitchFamily="18" charset="0"/>
+              </a:rPr>
+              <a:t>Regular Expressions:</a:t>
+            </a:r>
+            <a:r>
+              <a:rPr lang="en-US" dirty="0">
+                <a:solidFill>
+                  <a:schemeClr val="tx1"/>
+                </a:solidFill>
+                <a:latin typeface="Times New Roman" pitchFamily="18" charset="0"/>
+                <a:cs typeface="Times New Roman" pitchFamily="18" charset="0"/>
+              </a:rPr>
+              <a:t> Uses patterns to identify word boundaries.</a:t>
+            </a:r>
+          </a:p>
+          <a:p>
+            <a:pPr marL="285750" indent="-285750" algn="just">
+              <a:buFont typeface="Wingdings" pitchFamily="2" charset="2"/>
+              <a:buChar char="v"/>
+            </a:pPr>
+            <a:r>
+              <a:rPr lang="en-US" b="1" dirty="0">
+                <a:solidFill>
+                  <a:schemeClr val="tx1"/>
+                </a:solidFill>
+                <a:latin typeface="Times New Roman" pitchFamily="18" charset="0"/>
+                <a:cs typeface="Times New Roman" pitchFamily="18" charset="0"/>
+              </a:rPr>
+              <a:t>Advanced </a:t>
+            </a:r>
+            <a:r>
+              <a:rPr lang="en-US" b="1" dirty="0" err="1">
+                <a:solidFill>
+                  <a:schemeClr val="tx1"/>
+                </a:solidFill>
+                <a:latin typeface="Times New Roman" pitchFamily="18" charset="0"/>
+                <a:cs typeface="Times New Roman" pitchFamily="18" charset="0"/>
+              </a:rPr>
+              <a:t>Tokenizers</a:t>
+            </a:r>
+            <a:r>
+              <a:rPr lang="en-US" b="1" dirty="0">
+                <a:solidFill>
+                  <a:schemeClr val="tx1"/>
+                </a:solidFill>
+                <a:latin typeface="Times New Roman" pitchFamily="18" charset="0"/>
+                <a:cs typeface="Times New Roman" pitchFamily="18" charset="0"/>
+              </a:rPr>
+              <a:t>:</a:t>
+            </a:r>
+            <a:r>
+              <a:rPr lang="en-US" dirty="0">
+                <a:solidFill>
+                  <a:schemeClr val="tx1"/>
+                </a:solidFill>
+                <a:latin typeface="Times New Roman" pitchFamily="18" charset="0"/>
+                <a:cs typeface="Times New Roman" pitchFamily="18" charset="0"/>
+              </a:rPr>
+              <a:t> Utilize machine learning models for more accurate tokenization, especially in languages with complex word structures</a:t>
+            </a:r>
+            <a:r>
+              <a:rPr lang="en-US" dirty="0" smtClean="0">
+                <a:solidFill>
+                  <a:schemeClr val="tx1"/>
+                </a:solidFill>
+                <a:latin typeface="Times New Roman" pitchFamily="18" charset="0"/>
+                <a:cs typeface="Times New Roman" pitchFamily="18" charset="0"/>
+              </a:rPr>
+              <a:t>.</a:t>
+            </a:r>
+          </a:p>
+          <a:p>
+            <a:pPr algn="just"/>
+            <a:endParaRPr lang="en-US" dirty="0">
+              <a:solidFill>
+                <a:schemeClr val="tx1"/>
+              </a:solidFill>
+              <a:latin typeface="Times New Roman" pitchFamily="18" charset="0"/>
+              <a:cs typeface="Times New Roman" pitchFamily="18" charset="0"/>
+            </a:endParaRPr>
+          </a:p>
+          <a:p>
+            <a:pPr algn="just"/>
+            <a:r>
+              <a:rPr lang="en-US" b="1" u="sng" dirty="0">
+                <a:solidFill>
+                  <a:schemeClr val="tx1"/>
+                </a:solidFill>
+                <a:latin typeface="Times New Roman" pitchFamily="18" charset="0"/>
+                <a:cs typeface="Times New Roman" pitchFamily="18" charset="0"/>
+              </a:rPr>
+              <a:t>Tools:</a:t>
+            </a:r>
+            <a:endParaRPr lang="en-US" u="sng" dirty="0">
+              <a:solidFill>
+                <a:schemeClr val="tx1"/>
+              </a:solidFill>
+              <a:latin typeface="Times New Roman" pitchFamily="18" charset="0"/>
+              <a:cs typeface="Times New Roman" pitchFamily="18" charset="0"/>
+            </a:endParaRPr>
+          </a:p>
+          <a:p>
+            <a:pPr marL="285750" indent="-285750" algn="just">
+              <a:buFont typeface="Wingdings" pitchFamily="2" charset="2"/>
+              <a:buChar char="v"/>
+            </a:pPr>
+            <a:r>
+              <a:rPr lang="en-US" b="1" dirty="0">
+                <a:solidFill>
+                  <a:schemeClr val="tx1"/>
+                </a:solidFill>
+                <a:latin typeface="Times New Roman" pitchFamily="18" charset="0"/>
+                <a:cs typeface="Times New Roman" pitchFamily="18" charset="0"/>
+              </a:rPr>
+              <a:t>NLTK:</a:t>
+            </a:r>
+            <a:r>
+              <a:rPr lang="en-US" dirty="0">
+                <a:solidFill>
+                  <a:schemeClr val="tx1"/>
+                </a:solidFill>
+                <a:latin typeface="Times New Roman" pitchFamily="18" charset="0"/>
+                <a:cs typeface="Times New Roman" pitchFamily="18" charset="0"/>
+              </a:rPr>
+              <a:t> Provides simple and effective </a:t>
+            </a:r>
+            <a:r>
+              <a:rPr lang="en-US" dirty="0" err="1">
+                <a:solidFill>
+                  <a:schemeClr val="tx1"/>
+                </a:solidFill>
+                <a:latin typeface="Times New Roman" pitchFamily="18" charset="0"/>
+                <a:cs typeface="Times New Roman" pitchFamily="18" charset="0"/>
+              </a:rPr>
+              <a:t>tokenizers</a:t>
+            </a:r>
+            <a:r>
+              <a:rPr lang="en-US" dirty="0">
+                <a:solidFill>
+                  <a:schemeClr val="tx1"/>
+                </a:solidFill>
+                <a:latin typeface="Times New Roman" pitchFamily="18" charset="0"/>
+                <a:cs typeface="Times New Roman" pitchFamily="18" charset="0"/>
+              </a:rPr>
+              <a:t> for both sentences and words.</a:t>
+            </a:r>
+          </a:p>
+          <a:p>
+            <a:pPr marL="285750" indent="-285750" algn="just">
+              <a:buFont typeface="Wingdings" pitchFamily="2" charset="2"/>
+              <a:buChar char="v"/>
+            </a:pPr>
+            <a:r>
+              <a:rPr lang="en-US" b="1" dirty="0" err="1">
+                <a:solidFill>
+                  <a:schemeClr val="tx1"/>
+                </a:solidFill>
+                <a:latin typeface="Times New Roman" pitchFamily="18" charset="0"/>
+                <a:cs typeface="Times New Roman" pitchFamily="18" charset="0"/>
+              </a:rPr>
+              <a:t>spaCy</a:t>
+            </a:r>
+            <a:r>
+              <a:rPr lang="en-US" b="1" dirty="0">
+                <a:solidFill>
+                  <a:schemeClr val="tx1"/>
+                </a:solidFill>
+                <a:latin typeface="Times New Roman" pitchFamily="18" charset="0"/>
+                <a:cs typeface="Times New Roman" pitchFamily="18" charset="0"/>
+              </a:rPr>
+              <a:t>:</a:t>
+            </a:r>
+            <a:r>
+              <a:rPr lang="en-US" dirty="0">
+                <a:solidFill>
+                  <a:schemeClr val="tx1"/>
+                </a:solidFill>
+                <a:latin typeface="Times New Roman" pitchFamily="18" charset="0"/>
+                <a:cs typeface="Times New Roman" pitchFamily="18" charset="0"/>
+              </a:rPr>
+              <a:t> Features advanced tokenization with language models for better accuracy.</a:t>
+            </a:r>
+          </a:p>
+          <a:p>
+            <a:pPr marL="285750" indent="-285750" algn="just">
+              <a:buFont typeface="Wingdings" pitchFamily="2" charset="2"/>
+              <a:buChar char="v"/>
+            </a:pPr>
+            <a:r>
+              <a:rPr lang="en-US" b="1" dirty="0">
+                <a:solidFill>
+                  <a:schemeClr val="tx1"/>
+                </a:solidFill>
+                <a:latin typeface="Times New Roman" pitchFamily="18" charset="0"/>
+                <a:cs typeface="Times New Roman" pitchFamily="18" charset="0"/>
+              </a:rPr>
+              <a:t>Transformers:</a:t>
+            </a:r>
+            <a:r>
+              <a:rPr lang="en-US" dirty="0">
+                <a:solidFill>
+                  <a:schemeClr val="tx1"/>
+                </a:solidFill>
+                <a:latin typeface="Times New Roman" pitchFamily="18" charset="0"/>
+                <a:cs typeface="Times New Roman" pitchFamily="18" charset="0"/>
+              </a:rPr>
+              <a:t> Models like BERT or GPT have built-in </a:t>
+            </a:r>
+            <a:r>
+              <a:rPr lang="en-US" dirty="0" err="1">
+                <a:solidFill>
+                  <a:schemeClr val="tx1"/>
+                </a:solidFill>
+                <a:latin typeface="Times New Roman" pitchFamily="18" charset="0"/>
+                <a:cs typeface="Times New Roman" pitchFamily="18" charset="0"/>
+              </a:rPr>
+              <a:t>tokenizers</a:t>
+            </a:r>
+            <a:r>
+              <a:rPr lang="en-US" dirty="0">
+                <a:solidFill>
+                  <a:schemeClr val="tx1"/>
+                </a:solidFill>
+                <a:latin typeface="Times New Roman" pitchFamily="18" charset="0"/>
+                <a:cs typeface="Times New Roman" pitchFamily="18" charset="0"/>
+              </a:rPr>
+              <a:t> that handle word and sub-word tokenization.</a:t>
+            </a:r>
+          </a:p>
+          <a:p>
+            <a:pPr algn="just"/>
+            <a:endParaRPr lang="en-US" sz="1200" dirty="0">
+              <a:solidFill>
+                <a:schemeClr val="tx1"/>
+              </a:solidFill>
+            </a:endParaRPr>
+          </a:p>
+        </p:txBody>
+      </p:sp>
+    </p:spTree>
+    <p:extLst>
+      <p:ext uri="{BB962C8B-B14F-4D97-AF65-F5344CB8AC3E}">
+        <p14:creationId xmlns:p14="http://schemas.microsoft.com/office/powerpoint/2010/main" val="1605825781"/>
+      </p:ext>
+    </p:extLst>
+  </p:cSld>
+  <p:clrMapOvr>
+    <a:masterClrMapping/>
+  </p:clrMapOvr>
+  <p:timing>
+    <p:tnLst>
+      <p:par>
+        <p:cTn id="1" dur="indefinite" restart="never" nodeType="tmRoot"/>
+      </p:par>
+    </p:tnLst>
+  </p:timing>
+</p:sld>
+</file>
+
 <file path=ppt/slides/slide3.xml><?xml version="1.0" encoding="utf-8"?>
 <p:sld xmlns:a="http://schemas.openxmlformats.org/drawingml/2006/main" xmlns:r="http://schemas.openxmlformats.org/officeDocument/2006/relationships" xmlns:p="http://schemas.openxmlformats.org/presentationml/2006/main">
   <p:cSld>
@@ -17024,6 +18157,1613 @@
     <p:extLst>
       <p:ext uri="{BB962C8B-B14F-4D97-AF65-F5344CB8AC3E}">
         <p14:creationId xmlns:p14="http://schemas.microsoft.com/office/powerpoint/2010/main" val="983034255"/>
+      </p:ext>
+    </p:extLst>
+  </p:cSld>
+  <p:clrMapOvr>
+    <a:masterClrMapping/>
+  </p:clrMapOvr>
+  <p:timing>
+    <p:tnLst>
+      <p:par>
+        <p:cTn id="1" dur="indefinite" restart="never" nodeType="tmRoot"/>
+      </p:par>
+    </p:tnLst>
+  </p:timing>
+</p:sld>
+</file>
+
+<file path=ppt/slides/slide30.xml><?xml version="1.0" encoding="utf-8"?>
+<p:sld xmlns:a="http://schemas.openxmlformats.org/drawingml/2006/main" xmlns:r="http://schemas.openxmlformats.org/officeDocument/2006/relationships" xmlns:p="http://schemas.openxmlformats.org/presentationml/2006/main">
+  <p:cSld>
+    <p:spTree>
+      <p:nvGrpSpPr>
+        <p:cNvPr id="1" name="Shape 102"/>
+        <p:cNvGrpSpPr/>
+        <p:nvPr/>
+      </p:nvGrpSpPr>
+      <p:grpSpPr>
+        <a:xfrm>
+          <a:off x="0" y="0"/>
+          <a:ext cx="0" cy="0"/>
+          <a:chOff x="0" y="0"/>
+          <a:chExt cx="0" cy="0"/>
+        </a:xfrm>
+      </p:grpSpPr>
+      <p:sp>
+        <p:nvSpPr>
+          <p:cNvPr id="103" name="Google Shape;103;p16"/>
+          <p:cNvSpPr txBox="1">
+            <a:spLocks noGrp="1"/>
+          </p:cNvSpPr>
+          <p:nvPr>
+            <p:ph type="title"/>
+          </p:nvPr>
+        </p:nvSpPr>
+        <p:spPr>
+          <a:xfrm>
+            <a:off x="0" y="-37322"/>
+            <a:ext cx="9144000" cy="447869"/>
+          </a:xfrm>
+          <a:prstGeom prst="rect">
+            <a:avLst/>
+          </a:prstGeom>
+        </p:spPr>
+        <p:txBody>
+          <a:bodyPr spcFirstLastPara="1" wrap="square" lIns="91425" tIns="91425" rIns="91425" bIns="91425" anchor="t" anchorCtr="0">
+            <a:noAutofit/>
+          </a:bodyPr>
+          <a:lstStyle/>
+          <a:p>
+            <a:pPr algn="ctr" fontAlgn="base"/>
+            <a:r>
+              <a:rPr lang="en-US" sz="2000" b="1" dirty="0" smtClean="0"/>
+              <a:t>WORD &amp; SENTENCE TOKENIZATION</a:t>
+            </a:r>
+            <a:endParaRPr lang="en-US" sz="2000" b="1" dirty="0"/>
+          </a:p>
+        </p:txBody>
+      </p:sp>
+      <p:sp>
+        <p:nvSpPr>
+          <p:cNvPr id="2" name="Rectangle 1"/>
+          <p:cNvSpPr/>
+          <p:nvPr/>
+        </p:nvSpPr>
+        <p:spPr>
+          <a:xfrm>
+            <a:off x="382555" y="544976"/>
+            <a:ext cx="8537510" cy="4216539"/>
+          </a:xfrm>
+          <a:prstGeom prst="rect">
+            <a:avLst/>
+          </a:prstGeom>
+        </p:spPr>
+        <p:txBody>
+          <a:bodyPr wrap="square">
+            <a:spAutoFit/>
+          </a:bodyPr>
+          <a:lstStyle/>
+          <a:p>
+            <a:pPr algn="just"/>
+            <a:r>
+              <a:rPr lang="en-US" sz="1600" b="1" u="sng" dirty="0" smtClean="0">
+                <a:solidFill>
+                  <a:schemeClr val="tx1"/>
+                </a:solidFill>
+                <a:latin typeface="Times New Roman" pitchFamily="18" charset="0"/>
+                <a:cs typeface="Times New Roman" pitchFamily="18" charset="0"/>
+              </a:rPr>
+              <a:t>Sentence </a:t>
+            </a:r>
+            <a:r>
+              <a:rPr lang="en-US" sz="1600" b="1" u="sng" dirty="0">
+                <a:solidFill>
+                  <a:schemeClr val="tx1"/>
+                </a:solidFill>
+                <a:latin typeface="Times New Roman" pitchFamily="18" charset="0"/>
+                <a:cs typeface="Times New Roman" pitchFamily="18" charset="0"/>
+              </a:rPr>
+              <a:t>Tokenization</a:t>
+            </a:r>
+          </a:p>
+          <a:p>
+            <a:pPr algn="just">
+              <a:lnSpc>
+                <a:spcPct val="150000"/>
+              </a:lnSpc>
+            </a:pPr>
+            <a:r>
+              <a:rPr lang="en-US" sz="1600" dirty="0">
+                <a:solidFill>
+                  <a:schemeClr val="tx1"/>
+                </a:solidFill>
+                <a:latin typeface="Times New Roman" pitchFamily="18" charset="0"/>
+                <a:cs typeface="Times New Roman" pitchFamily="18" charset="0"/>
+              </a:rPr>
+              <a:t>Sentence tokenization, or sentence splitting, is the process of dividing a text into its constituent sentences. This is essential for tasks that operate at the sentence level</a:t>
+            </a:r>
+            <a:r>
+              <a:rPr lang="en-US" sz="1600" dirty="0" smtClean="0">
+                <a:solidFill>
+                  <a:schemeClr val="tx1"/>
+                </a:solidFill>
+                <a:latin typeface="Times New Roman" pitchFamily="18" charset="0"/>
+                <a:cs typeface="Times New Roman" pitchFamily="18" charset="0"/>
+              </a:rPr>
+              <a:t>.</a:t>
+            </a:r>
+          </a:p>
+          <a:p>
+            <a:pPr algn="just">
+              <a:lnSpc>
+                <a:spcPct val="150000"/>
+              </a:lnSpc>
+            </a:pPr>
+            <a:endParaRPr lang="en-US" sz="1600" dirty="0">
+              <a:solidFill>
+                <a:schemeClr val="tx1"/>
+              </a:solidFill>
+              <a:latin typeface="Times New Roman" pitchFamily="18" charset="0"/>
+              <a:cs typeface="Times New Roman" pitchFamily="18" charset="0"/>
+            </a:endParaRPr>
+          </a:p>
+          <a:p>
+            <a:pPr algn="just">
+              <a:lnSpc>
+                <a:spcPct val="150000"/>
+              </a:lnSpc>
+            </a:pPr>
+            <a:r>
+              <a:rPr lang="en-US" sz="1600" b="1" dirty="0">
+                <a:solidFill>
+                  <a:schemeClr val="tx1"/>
+                </a:solidFill>
+                <a:latin typeface="Times New Roman" pitchFamily="18" charset="0"/>
+                <a:cs typeface="Times New Roman" pitchFamily="18" charset="0"/>
+              </a:rPr>
+              <a:t>Example:</a:t>
+            </a:r>
+            <a:endParaRPr lang="en-US" sz="1600" dirty="0">
+              <a:solidFill>
+                <a:schemeClr val="tx1"/>
+              </a:solidFill>
+              <a:latin typeface="Times New Roman" pitchFamily="18" charset="0"/>
+              <a:cs typeface="Times New Roman" pitchFamily="18" charset="0"/>
+            </a:endParaRPr>
+          </a:p>
+          <a:p>
+            <a:pPr algn="just">
+              <a:lnSpc>
+                <a:spcPct val="150000"/>
+              </a:lnSpc>
+            </a:pPr>
+            <a:r>
+              <a:rPr lang="en-US" sz="1600" dirty="0">
+                <a:solidFill>
+                  <a:schemeClr val="tx1"/>
+                </a:solidFill>
+                <a:latin typeface="Times New Roman" pitchFamily="18" charset="0"/>
+                <a:cs typeface="Times New Roman" pitchFamily="18" charset="0"/>
+              </a:rPr>
+              <a:t>Input: "Hello world. How are you today? I hope you're well."</a:t>
+            </a:r>
+          </a:p>
+          <a:p>
+            <a:pPr algn="just">
+              <a:lnSpc>
+                <a:spcPct val="150000"/>
+              </a:lnSpc>
+            </a:pPr>
+            <a:r>
+              <a:rPr lang="en-US" sz="1600" dirty="0">
+                <a:solidFill>
+                  <a:schemeClr val="tx1"/>
+                </a:solidFill>
+                <a:latin typeface="Times New Roman" pitchFamily="18" charset="0"/>
+                <a:cs typeface="Times New Roman" pitchFamily="18" charset="0"/>
+              </a:rPr>
+              <a:t>Output: ["Hello world.", "How are you today?", "I hope you're well</a:t>
+            </a:r>
+            <a:r>
+              <a:rPr lang="en-US" sz="1600" dirty="0" smtClean="0">
+                <a:solidFill>
+                  <a:schemeClr val="tx1"/>
+                </a:solidFill>
+                <a:latin typeface="Times New Roman" pitchFamily="18" charset="0"/>
+                <a:cs typeface="Times New Roman" pitchFamily="18" charset="0"/>
+              </a:rPr>
+              <a:t>."]</a:t>
+            </a:r>
+          </a:p>
+          <a:p>
+            <a:pPr algn="just">
+              <a:lnSpc>
+                <a:spcPct val="150000"/>
+              </a:lnSpc>
+            </a:pPr>
+            <a:endParaRPr lang="en-US" sz="1600" dirty="0">
+              <a:solidFill>
+                <a:schemeClr val="tx1"/>
+              </a:solidFill>
+              <a:latin typeface="Times New Roman" pitchFamily="18" charset="0"/>
+              <a:cs typeface="Times New Roman" pitchFamily="18" charset="0"/>
+            </a:endParaRPr>
+          </a:p>
+          <a:p>
+            <a:pPr algn="just">
+              <a:lnSpc>
+                <a:spcPct val="150000"/>
+              </a:lnSpc>
+            </a:pPr>
+            <a:r>
+              <a:rPr lang="en-US" sz="1600" b="1" u="sng" dirty="0">
+                <a:solidFill>
+                  <a:schemeClr val="tx1"/>
+                </a:solidFill>
+                <a:latin typeface="Times New Roman" pitchFamily="18" charset="0"/>
+                <a:cs typeface="Times New Roman" pitchFamily="18" charset="0"/>
+              </a:rPr>
+              <a:t>Methods:</a:t>
+            </a:r>
+            <a:endParaRPr lang="en-US" sz="1600" u="sng" dirty="0">
+              <a:solidFill>
+                <a:schemeClr val="tx1"/>
+              </a:solidFill>
+              <a:latin typeface="Times New Roman" pitchFamily="18" charset="0"/>
+              <a:cs typeface="Times New Roman" pitchFamily="18" charset="0"/>
+            </a:endParaRPr>
+          </a:p>
+          <a:p>
+            <a:pPr marL="285750" indent="-285750" algn="just">
+              <a:lnSpc>
+                <a:spcPct val="150000"/>
+              </a:lnSpc>
+              <a:buFont typeface="Wingdings" pitchFamily="2" charset="2"/>
+              <a:buChar char="v"/>
+            </a:pPr>
+            <a:r>
+              <a:rPr lang="en-US" sz="1600" b="1" dirty="0">
+                <a:solidFill>
+                  <a:schemeClr val="tx1"/>
+                </a:solidFill>
+                <a:latin typeface="Times New Roman" pitchFamily="18" charset="0"/>
+                <a:cs typeface="Times New Roman" pitchFamily="18" charset="0"/>
+              </a:rPr>
+              <a:t>Rule-Based:</a:t>
+            </a:r>
+            <a:r>
+              <a:rPr lang="en-US" sz="1600" dirty="0">
+                <a:solidFill>
+                  <a:schemeClr val="tx1"/>
+                </a:solidFill>
+                <a:latin typeface="Times New Roman" pitchFamily="18" charset="0"/>
+                <a:cs typeface="Times New Roman" pitchFamily="18" charset="0"/>
+              </a:rPr>
+              <a:t> Uses predefined punctuation marks and patterns (e.g., periods, exclamation points).</a:t>
+            </a:r>
+          </a:p>
+          <a:p>
+            <a:pPr marL="285750" indent="-285750" algn="just">
+              <a:lnSpc>
+                <a:spcPct val="150000"/>
+              </a:lnSpc>
+              <a:buFont typeface="Wingdings" pitchFamily="2" charset="2"/>
+              <a:buChar char="v"/>
+            </a:pPr>
+            <a:r>
+              <a:rPr lang="en-US" sz="1600" b="1" dirty="0">
+                <a:solidFill>
+                  <a:schemeClr val="tx1"/>
+                </a:solidFill>
+                <a:latin typeface="Times New Roman" pitchFamily="18" charset="0"/>
+                <a:cs typeface="Times New Roman" pitchFamily="18" charset="0"/>
+              </a:rPr>
+              <a:t>Machine Learning:</a:t>
+            </a:r>
+            <a:r>
+              <a:rPr lang="en-US" sz="1600" dirty="0">
+                <a:solidFill>
+                  <a:schemeClr val="tx1"/>
+                </a:solidFill>
+                <a:latin typeface="Times New Roman" pitchFamily="18" charset="0"/>
+                <a:cs typeface="Times New Roman" pitchFamily="18" charset="0"/>
+              </a:rPr>
+              <a:t> Uses models trained to recognize sentence boundaries.</a:t>
+            </a:r>
+          </a:p>
+          <a:p>
+            <a:pPr algn="just"/>
+            <a:endParaRPr lang="en-US" sz="1200" dirty="0" smtClean="0">
+              <a:solidFill>
+                <a:schemeClr val="tx1"/>
+              </a:solidFill>
+            </a:endParaRPr>
+          </a:p>
+        </p:txBody>
+      </p:sp>
+    </p:spTree>
+    <p:extLst>
+      <p:ext uri="{BB962C8B-B14F-4D97-AF65-F5344CB8AC3E}">
+        <p14:creationId xmlns:p14="http://schemas.microsoft.com/office/powerpoint/2010/main" val="3110245381"/>
+      </p:ext>
+    </p:extLst>
+  </p:cSld>
+  <p:clrMapOvr>
+    <a:masterClrMapping/>
+  </p:clrMapOvr>
+  <p:timing>
+    <p:tnLst>
+      <p:par>
+        <p:cTn id="1" dur="indefinite" restart="never" nodeType="tmRoot"/>
+      </p:par>
+    </p:tnLst>
+  </p:timing>
+</p:sld>
+</file>
+
+<file path=ppt/slides/slide31.xml><?xml version="1.0" encoding="utf-8"?>
+<p:sld xmlns:a="http://schemas.openxmlformats.org/drawingml/2006/main" xmlns:r="http://schemas.openxmlformats.org/officeDocument/2006/relationships" xmlns:p="http://schemas.openxmlformats.org/presentationml/2006/main">
+  <p:cSld>
+    <p:spTree>
+      <p:nvGrpSpPr>
+        <p:cNvPr id="1" name="Shape 102"/>
+        <p:cNvGrpSpPr/>
+        <p:nvPr/>
+      </p:nvGrpSpPr>
+      <p:grpSpPr>
+        <a:xfrm>
+          <a:off x="0" y="0"/>
+          <a:ext cx="0" cy="0"/>
+          <a:chOff x="0" y="0"/>
+          <a:chExt cx="0" cy="0"/>
+        </a:xfrm>
+      </p:grpSpPr>
+      <p:sp>
+        <p:nvSpPr>
+          <p:cNvPr id="103" name="Google Shape;103;p16"/>
+          <p:cNvSpPr txBox="1">
+            <a:spLocks noGrp="1"/>
+          </p:cNvSpPr>
+          <p:nvPr>
+            <p:ph type="title"/>
+          </p:nvPr>
+        </p:nvSpPr>
+        <p:spPr>
+          <a:xfrm>
+            <a:off x="0" y="-37322"/>
+            <a:ext cx="9144000" cy="447869"/>
+          </a:xfrm>
+          <a:prstGeom prst="rect">
+            <a:avLst/>
+          </a:prstGeom>
+        </p:spPr>
+        <p:txBody>
+          <a:bodyPr spcFirstLastPara="1" wrap="square" lIns="91425" tIns="91425" rIns="91425" bIns="91425" anchor="t" anchorCtr="0">
+            <a:noAutofit/>
+          </a:bodyPr>
+          <a:lstStyle/>
+          <a:p>
+            <a:pPr algn="ctr" fontAlgn="base"/>
+            <a:r>
+              <a:rPr lang="en-US" sz="2000" b="1" dirty="0" smtClean="0"/>
+              <a:t>WORD SEGMENTATION</a:t>
+            </a:r>
+            <a:endParaRPr lang="en-US" sz="2000" b="1" dirty="0"/>
+          </a:p>
+        </p:txBody>
+      </p:sp>
+      <p:sp>
+        <p:nvSpPr>
+          <p:cNvPr id="2" name="Rectangle 1"/>
+          <p:cNvSpPr/>
+          <p:nvPr/>
+        </p:nvSpPr>
+        <p:spPr>
+          <a:xfrm>
+            <a:off x="382555" y="544976"/>
+            <a:ext cx="8537510" cy="3970318"/>
+          </a:xfrm>
+          <a:prstGeom prst="rect">
+            <a:avLst/>
+          </a:prstGeom>
+        </p:spPr>
+        <p:txBody>
+          <a:bodyPr wrap="square">
+            <a:spAutoFit/>
+          </a:bodyPr>
+          <a:lstStyle/>
+          <a:p>
+            <a:pPr algn="just">
+              <a:lnSpc>
+                <a:spcPct val="150000"/>
+              </a:lnSpc>
+            </a:pPr>
+            <a:r>
+              <a:rPr lang="en-US" dirty="0">
+                <a:solidFill>
+                  <a:schemeClr val="tx1"/>
+                </a:solidFill>
+              </a:rPr>
+              <a:t>Word segmentation in NLP refers to the process of dividing a stream of text into its constituent words, especially in languages where words are not separated by spaces. This task is critical for languages like Chinese, Japanese, and Thai, where there is no clear delimiter between words.</a:t>
+            </a:r>
+          </a:p>
+          <a:p>
+            <a:pPr algn="just">
+              <a:lnSpc>
+                <a:spcPct val="150000"/>
+              </a:lnSpc>
+            </a:pPr>
+            <a:r>
+              <a:rPr lang="en-US" b="1" u="sng" dirty="0">
+                <a:solidFill>
+                  <a:schemeClr val="tx1"/>
+                </a:solidFill>
+              </a:rPr>
+              <a:t>Key Concepts in Word Segmentation:</a:t>
+            </a:r>
+          </a:p>
+          <a:p>
+            <a:pPr algn="just">
+              <a:lnSpc>
+                <a:spcPct val="150000"/>
+              </a:lnSpc>
+            </a:pPr>
+            <a:r>
+              <a:rPr lang="en-US" b="1" dirty="0">
+                <a:solidFill>
+                  <a:schemeClr val="tx1"/>
+                </a:solidFill>
+              </a:rPr>
+              <a:t>Space-Separated Languages:</a:t>
+            </a:r>
+            <a:endParaRPr lang="en-US" dirty="0">
+              <a:solidFill>
+                <a:schemeClr val="tx1"/>
+              </a:solidFill>
+            </a:endParaRPr>
+          </a:p>
+          <a:p>
+            <a:pPr lvl="1" algn="just">
+              <a:lnSpc>
+                <a:spcPct val="150000"/>
+              </a:lnSpc>
+            </a:pPr>
+            <a:r>
+              <a:rPr lang="en-US" dirty="0">
+                <a:solidFill>
+                  <a:schemeClr val="tx1"/>
+                </a:solidFill>
+              </a:rPr>
+              <a:t>For languages like English, word segmentation is relatively straightforward because words are separated by spaces.</a:t>
+            </a:r>
+          </a:p>
+          <a:p>
+            <a:pPr lvl="1" algn="just">
+              <a:lnSpc>
+                <a:spcPct val="150000"/>
+              </a:lnSpc>
+            </a:pPr>
+            <a:r>
+              <a:rPr lang="en-US" dirty="0">
+                <a:solidFill>
+                  <a:schemeClr val="tx1"/>
+                </a:solidFill>
+              </a:rPr>
+              <a:t>Techniques used include whitespace tokenization and punctuation-based methods.</a:t>
+            </a:r>
+          </a:p>
+          <a:p>
+            <a:pPr algn="just">
+              <a:lnSpc>
+                <a:spcPct val="150000"/>
+              </a:lnSpc>
+            </a:pPr>
+            <a:r>
+              <a:rPr lang="en-US" b="1" dirty="0">
+                <a:solidFill>
+                  <a:schemeClr val="tx1"/>
+                </a:solidFill>
+              </a:rPr>
+              <a:t>Non-Space-Separated Languages:</a:t>
+            </a:r>
+            <a:endParaRPr lang="en-US" dirty="0">
+              <a:solidFill>
+                <a:schemeClr val="tx1"/>
+              </a:solidFill>
+            </a:endParaRPr>
+          </a:p>
+          <a:p>
+            <a:pPr lvl="1" algn="just">
+              <a:lnSpc>
+                <a:spcPct val="150000"/>
+              </a:lnSpc>
+            </a:pPr>
+            <a:r>
+              <a:rPr lang="en-US" dirty="0">
+                <a:solidFill>
+                  <a:schemeClr val="tx1"/>
+                </a:solidFill>
+              </a:rPr>
+              <a:t>In languages like Chinese or Thai, words are not explicitly separated by spaces, so word segmentation becomes more complex.</a:t>
+            </a:r>
+          </a:p>
+          <a:p>
+            <a:pPr lvl="1" algn="just">
+              <a:lnSpc>
+                <a:spcPct val="150000"/>
+              </a:lnSpc>
+            </a:pPr>
+            <a:r>
+              <a:rPr lang="en-US" dirty="0">
+                <a:solidFill>
+                  <a:schemeClr val="tx1"/>
+                </a:solidFill>
+              </a:rPr>
+              <a:t>Techniques include dictionary-based methods, statistical models, and machine learning approaches</a:t>
+            </a:r>
+            <a:r>
+              <a:rPr lang="en-US" dirty="0" smtClean="0">
+                <a:solidFill>
+                  <a:schemeClr val="tx1"/>
+                </a:solidFill>
+              </a:rPr>
+              <a:t>.</a:t>
+            </a:r>
+            <a:endParaRPr lang="en-US" sz="1200" dirty="0">
+              <a:solidFill>
+                <a:schemeClr val="tx1"/>
+              </a:solidFill>
+            </a:endParaRPr>
+          </a:p>
+        </p:txBody>
+      </p:sp>
+    </p:spTree>
+    <p:extLst>
+      <p:ext uri="{BB962C8B-B14F-4D97-AF65-F5344CB8AC3E}">
+        <p14:creationId xmlns:p14="http://schemas.microsoft.com/office/powerpoint/2010/main" val="2127165270"/>
+      </p:ext>
+    </p:extLst>
+  </p:cSld>
+  <p:clrMapOvr>
+    <a:masterClrMapping/>
+  </p:clrMapOvr>
+  <p:timing>
+    <p:tnLst>
+      <p:par>
+        <p:cTn id="1" dur="indefinite" restart="never" nodeType="tmRoot"/>
+      </p:par>
+    </p:tnLst>
+  </p:timing>
+</p:sld>
+</file>
+
+<file path=ppt/slides/slide32.xml><?xml version="1.0" encoding="utf-8"?>
+<p:sld xmlns:a="http://schemas.openxmlformats.org/drawingml/2006/main" xmlns:r="http://schemas.openxmlformats.org/officeDocument/2006/relationships" xmlns:p="http://schemas.openxmlformats.org/presentationml/2006/main">
+  <p:cSld>
+    <p:spTree>
+      <p:nvGrpSpPr>
+        <p:cNvPr id="1" name="Shape 102"/>
+        <p:cNvGrpSpPr/>
+        <p:nvPr/>
+      </p:nvGrpSpPr>
+      <p:grpSpPr>
+        <a:xfrm>
+          <a:off x="0" y="0"/>
+          <a:ext cx="0" cy="0"/>
+          <a:chOff x="0" y="0"/>
+          <a:chExt cx="0" cy="0"/>
+        </a:xfrm>
+      </p:grpSpPr>
+      <p:sp>
+        <p:nvSpPr>
+          <p:cNvPr id="103" name="Google Shape;103;p16"/>
+          <p:cNvSpPr txBox="1">
+            <a:spLocks noGrp="1"/>
+          </p:cNvSpPr>
+          <p:nvPr>
+            <p:ph type="title"/>
+          </p:nvPr>
+        </p:nvSpPr>
+        <p:spPr>
+          <a:xfrm>
+            <a:off x="0" y="-37322"/>
+            <a:ext cx="9144000" cy="447869"/>
+          </a:xfrm>
+          <a:prstGeom prst="rect">
+            <a:avLst/>
+          </a:prstGeom>
+        </p:spPr>
+        <p:txBody>
+          <a:bodyPr spcFirstLastPara="1" wrap="square" lIns="91425" tIns="91425" rIns="91425" bIns="91425" anchor="t" anchorCtr="0">
+            <a:noAutofit/>
+          </a:bodyPr>
+          <a:lstStyle/>
+          <a:p>
+            <a:pPr algn="ctr" fontAlgn="base"/>
+            <a:r>
+              <a:rPr lang="en-US" sz="2000" b="1" dirty="0" smtClean="0"/>
+              <a:t>TECHNIQUES FOR WORD SEGMENTATION</a:t>
+            </a:r>
+            <a:endParaRPr lang="en-US" sz="2000" b="1" dirty="0"/>
+          </a:p>
+        </p:txBody>
+      </p:sp>
+      <p:sp>
+        <p:nvSpPr>
+          <p:cNvPr id="2" name="Rectangle 1"/>
+          <p:cNvSpPr/>
+          <p:nvPr/>
+        </p:nvSpPr>
+        <p:spPr>
+          <a:xfrm>
+            <a:off x="382555" y="544976"/>
+            <a:ext cx="8537510" cy="4185761"/>
+          </a:xfrm>
+          <a:prstGeom prst="rect">
+            <a:avLst/>
+          </a:prstGeom>
+        </p:spPr>
+        <p:txBody>
+          <a:bodyPr wrap="square">
+            <a:spAutoFit/>
+          </a:bodyPr>
+          <a:lstStyle/>
+          <a:p>
+            <a:pPr algn="just"/>
+            <a:r>
+              <a:rPr lang="en-US" b="1" u="sng" dirty="0">
+                <a:solidFill>
+                  <a:schemeClr val="tx1"/>
+                </a:solidFill>
+              </a:rPr>
+              <a:t>Techniques for Word Segmentation:</a:t>
+            </a:r>
+          </a:p>
+          <a:p>
+            <a:pPr algn="just"/>
+            <a:r>
+              <a:rPr lang="en-US" b="1" dirty="0">
+                <a:solidFill>
+                  <a:schemeClr val="tx1"/>
+                </a:solidFill>
+              </a:rPr>
+              <a:t>Dictionary-Based Methods:</a:t>
+            </a:r>
+            <a:endParaRPr lang="en-US" dirty="0">
+              <a:solidFill>
+                <a:schemeClr val="tx1"/>
+              </a:solidFill>
+            </a:endParaRPr>
+          </a:p>
+          <a:p>
+            <a:pPr lvl="1" algn="just"/>
+            <a:r>
+              <a:rPr lang="en-US" dirty="0">
+                <a:solidFill>
+                  <a:schemeClr val="tx1"/>
+                </a:solidFill>
+              </a:rPr>
+              <a:t>Utilize a predefined lexicon or dictionary to identify valid words.</a:t>
+            </a:r>
+          </a:p>
+          <a:p>
+            <a:pPr lvl="1" algn="just"/>
+            <a:r>
+              <a:rPr lang="en-US" dirty="0">
+                <a:solidFill>
+                  <a:schemeClr val="tx1"/>
+                </a:solidFill>
+              </a:rPr>
+              <a:t>Pros: Simple and fast if the dictionary is comprehensive.</a:t>
+            </a:r>
+          </a:p>
+          <a:p>
+            <a:pPr lvl="1" algn="just"/>
+            <a:r>
+              <a:rPr lang="en-US" dirty="0">
+                <a:solidFill>
+                  <a:schemeClr val="tx1"/>
+                </a:solidFill>
+              </a:rPr>
+              <a:t>Cons: Limited by the dictionary’s coverage and may struggle with out-of-vocabulary words</a:t>
+            </a:r>
+            <a:r>
+              <a:rPr lang="en-US" dirty="0" smtClean="0">
+                <a:solidFill>
+                  <a:schemeClr val="tx1"/>
+                </a:solidFill>
+              </a:rPr>
+              <a:t>.</a:t>
+            </a:r>
+          </a:p>
+          <a:p>
+            <a:pPr lvl="1" algn="just"/>
+            <a:endParaRPr lang="en-US" dirty="0">
+              <a:solidFill>
+                <a:schemeClr val="tx1"/>
+              </a:solidFill>
+            </a:endParaRPr>
+          </a:p>
+          <a:p>
+            <a:pPr algn="just"/>
+            <a:r>
+              <a:rPr lang="en-US" b="1" dirty="0">
+                <a:solidFill>
+                  <a:schemeClr val="tx1"/>
+                </a:solidFill>
+              </a:rPr>
+              <a:t>Statistical Methods:</a:t>
+            </a:r>
+            <a:endParaRPr lang="en-US" dirty="0">
+              <a:solidFill>
+                <a:schemeClr val="tx1"/>
+              </a:solidFill>
+            </a:endParaRPr>
+          </a:p>
+          <a:p>
+            <a:pPr lvl="1" algn="just"/>
+            <a:r>
+              <a:rPr lang="en-US" b="1" dirty="0">
+                <a:solidFill>
+                  <a:schemeClr val="tx1"/>
+                </a:solidFill>
+              </a:rPr>
+              <a:t>N-gram Models:</a:t>
+            </a:r>
+            <a:r>
+              <a:rPr lang="en-US" dirty="0">
+                <a:solidFill>
+                  <a:schemeClr val="tx1"/>
+                </a:solidFill>
+              </a:rPr>
+              <a:t> Use probabilities of word sequences to segment text. For example, the likelihood of a sequence of characters being a word.</a:t>
+            </a:r>
+          </a:p>
+          <a:p>
+            <a:pPr lvl="1" algn="just"/>
+            <a:r>
+              <a:rPr lang="en-US" b="1" dirty="0">
+                <a:solidFill>
+                  <a:schemeClr val="tx1"/>
+                </a:solidFill>
+              </a:rPr>
+              <a:t>Hidden Markov Models (HMMs):</a:t>
+            </a:r>
+            <a:r>
+              <a:rPr lang="en-US" dirty="0">
+                <a:solidFill>
+                  <a:schemeClr val="tx1"/>
+                </a:solidFill>
+              </a:rPr>
+              <a:t> Model the probability of sequences of characters or words, leveraging observed frequencies and context.</a:t>
+            </a:r>
+          </a:p>
+          <a:p>
+            <a:pPr algn="just"/>
+            <a:r>
+              <a:rPr lang="en-US" b="1" dirty="0">
+                <a:solidFill>
+                  <a:schemeClr val="tx1"/>
+                </a:solidFill>
+              </a:rPr>
+              <a:t>Machine Learning Approaches:</a:t>
+            </a:r>
+            <a:endParaRPr lang="en-US" dirty="0">
+              <a:solidFill>
+                <a:schemeClr val="tx1"/>
+              </a:solidFill>
+            </a:endParaRPr>
+          </a:p>
+          <a:p>
+            <a:pPr lvl="1" algn="just"/>
+            <a:r>
+              <a:rPr lang="en-US" b="1" dirty="0">
+                <a:solidFill>
+                  <a:schemeClr val="tx1"/>
+                </a:solidFill>
+              </a:rPr>
+              <a:t>Conditional Random Fields (CRFs):</a:t>
+            </a:r>
+            <a:r>
+              <a:rPr lang="en-US" dirty="0">
+                <a:solidFill>
+                  <a:schemeClr val="tx1"/>
+                </a:solidFill>
+              </a:rPr>
+              <a:t> Learn patterns from annotated training data to predict word boundaries</a:t>
+            </a:r>
+            <a:r>
+              <a:rPr lang="en-US" dirty="0" smtClean="0">
+                <a:solidFill>
+                  <a:schemeClr val="tx1"/>
+                </a:solidFill>
+              </a:rPr>
+              <a:t>.</a:t>
+            </a:r>
+          </a:p>
+          <a:p>
+            <a:pPr lvl="1" algn="just"/>
+            <a:r>
+              <a:rPr lang="en-US" b="1" dirty="0" smtClean="0">
+                <a:solidFill>
+                  <a:schemeClr val="tx1"/>
+                </a:solidFill>
+              </a:rPr>
+              <a:t>Neural </a:t>
+            </a:r>
+            <a:r>
+              <a:rPr lang="en-US" b="1" dirty="0">
+                <a:solidFill>
+                  <a:schemeClr val="tx1"/>
+                </a:solidFill>
+              </a:rPr>
+              <a:t>Networks:</a:t>
+            </a:r>
+            <a:r>
+              <a:rPr lang="en-US" dirty="0">
+                <a:solidFill>
+                  <a:schemeClr val="tx1"/>
+                </a:solidFill>
+              </a:rPr>
+              <a:t> Use deep learning models, such as LSTM or Transformer-based models, to learn complex patterns and dependencies for segmentation.</a:t>
+            </a:r>
+          </a:p>
+          <a:p>
+            <a:pPr algn="just"/>
+            <a:r>
+              <a:rPr lang="en-US" b="1" dirty="0">
+                <a:solidFill>
+                  <a:schemeClr val="tx1"/>
+                </a:solidFill>
+              </a:rPr>
+              <a:t>Hybrid Methods:</a:t>
+            </a:r>
+            <a:endParaRPr lang="en-US" dirty="0">
+              <a:solidFill>
+                <a:schemeClr val="tx1"/>
+              </a:solidFill>
+            </a:endParaRPr>
+          </a:p>
+          <a:p>
+            <a:pPr lvl="1" algn="just"/>
+            <a:r>
+              <a:rPr lang="en-US" dirty="0">
+                <a:solidFill>
+                  <a:schemeClr val="tx1"/>
+                </a:solidFill>
+              </a:rPr>
+              <a:t>Combine dictionary-based approaches with statistical or machine learning models to leverage the strengths of both</a:t>
+            </a:r>
+            <a:r>
+              <a:rPr lang="en-US" dirty="0" smtClean="0">
+                <a:solidFill>
+                  <a:schemeClr val="tx1"/>
+                </a:solidFill>
+              </a:rPr>
+              <a:t>.</a:t>
+            </a:r>
+            <a:endParaRPr lang="en-US" sz="1200" dirty="0">
+              <a:solidFill>
+                <a:schemeClr val="tx1"/>
+              </a:solidFill>
+            </a:endParaRPr>
+          </a:p>
+        </p:txBody>
+      </p:sp>
+    </p:spTree>
+    <p:extLst>
+      <p:ext uri="{BB962C8B-B14F-4D97-AF65-F5344CB8AC3E}">
+        <p14:creationId xmlns:p14="http://schemas.microsoft.com/office/powerpoint/2010/main" val="2812228286"/>
+      </p:ext>
+    </p:extLst>
+  </p:cSld>
+  <p:clrMapOvr>
+    <a:masterClrMapping/>
+  </p:clrMapOvr>
+  <p:timing>
+    <p:tnLst>
+      <p:par>
+        <p:cTn id="1" dur="indefinite" restart="never" nodeType="tmRoot"/>
+      </p:par>
+    </p:tnLst>
+  </p:timing>
+</p:sld>
+</file>
+
+<file path=ppt/slides/slide33.xml><?xml version="1.0" encoding="utf-8"?>
+<p:sld xmlns:a="http://schemas.openxmlformats.org/drawingml/2006/main" xmlns:r="http://schemas.openxmlformats.org/officeDocument/2006/relationships" xmlns:p="http://schemas.openxmlformats.org/presentationml/2006/main">
+  <p:cSld>
+    <p:spTree>
+      <p:nvGrpSpPr>
+        <p:cNvPr id="1" name="Shape 102"/>
+        <p:cNvGrpSpPr/>
+        <p:nvPr/>
+      </p:nvGrpSpPr>
+      <p:grpSpPr>
+        <a:xfrm>
+          <a:off x="0" y="0"/>
+          <a:ext cx="0" cy="0"/>
+          <a:chOff x="0" y="0"/>
+          <a:chExt cx="0" cy="0"/>
+        </a:xfrm>
+      </p:grpSpPr>
+      <p:sp>
+        <p:nvSpPr>
+          <p:cNvPr id="103" name="Google Shape;103;p16"/>
+          <p:cNvSpPr txBox="1">
+            <a:spLocks noGrp="1"/>
+          </p:cNvSpPr>
+          <p:nvPr>
+            <p:ph type="title"/>
+          </p:nvPr>
+        </p:nvSpPr>
+        <p:spPr>
+          <a:xfrm>
+            <a:off x="0" y="-37322"/>
+            <a:ext cx="9144000" cy="447869"/>
+          </a:xfrm>
+          <a:prstGeom prst="rect">
+            <a:avLst/>
+          </a:prstGeom>
+        </p:spPr>
+        <p:txBody>
+          <a:bodyPr spcFirstLastPara="1" wrap="square" lIns="91425" tIns="91425" rIns="91425" bIns="91425" anchor="t" anchorCtr="0">
+            <a:noAutofit/>
+          </a:bodyPr>
+          <a:lstStyle/>
+          <a:p>
+            <a:pPr algn="ctr" fontAlgn="base"/>
+            <a:r>
+              <a:rPr lang="en-US" sz="2000" b="1" dirty="0" smtClean="0"/>
+              <a:t>STEMMING</a:t>
+            </a:r>
+            <a:endParaRPr lang="en-US" sz="2000" b="1" dirty="0"/>
+          </a:p>
+        </p:txBody>
+      </p:sp>
+      <p:sp>
+        <p:nvSpPr>
+          <p:cNvPr id="2" name="Rectangle 1"/>
+          <p:cNvSpPr/>
+          <p:nvPr/>
+        </p:nvSpPr>
+        <p:spPr>
+          <a:xfrm>
+            <a:off x="382555" y="544976"/>
+            <a:ext cx="8537510" cy="4154984"/>
+          </a:xfrm>
+          <a:prstGeom prst="rect">
+            <a:avLst/>
+          </a:prstGeom>
+        </p:spPr>
+        <p:txBody>
+          <a:bodyPr wrap="square">
+            <a:spAutoFit/>
+          </a:bodyPr>
+          <a:lstStyle/>
+          <a:p>
+            <a:pPr algn="just"/>
+            <a:r>
+              <a:rPr lang="en-US" dirty="0">
+                <a:solidFill>
+                  <a:schemeClr val="tx1"/>
+                </a:solidFill>
+                <a:latin typeface="Times New Roman" pitchFamily="18" charset="0"/>
+                <a:cs typeface="Times New Roman" pitchFamily="18" charset="0"/>
+              </a:rPr>
+              <a:t>Stemming is a technique in Natural Language Processing (NLP) used to reduce words to their root form or base stem. The goal is to normalize words so that different inflections or derivations of a word are treated as the same item. This helps in improving the performance of text analysis tasks by consolidating variations of a word into a common representation</a:t>
+            </a:r>
+            <a:r>
+              <a:rPr lang="en-US" dirty="0" smtClean="0">
+                <a:solidFill>
+                  <a:schemeClr val="tx1"/>
+                </a:solidFill>
+                <a:latin typeface="Times New Roman" pitchFamily="18" charset="0"/>
+                <a:cs typeface="Times New Roman" pitchFamily="18" charset="0"/>
+              </a:rPr>
+              <a:t>.</a:t>
+            </a:r>
+          </a:p>
+          <a:p>
+            <a:pPr algn="just"/>
+            <a:endParaRPr lang="en-US" dirty="0">
+              <a:solidFill>
+                <a:schemeClr val="tx1"/>
+              </a:solidFill>
+              <a:latin typeface="Times New Roman" pitchFamily="18" charset="0"/>
+              <a:cs typeface="Times New Roman" pitchFamily="18" charset="0"/>
+            </a:endParaRPr>
+          </a:p>
+          <a:p>
+            <a:pPr algn="just"/>
+            <a:r>
+              <a:rPr lang="en-US" b="1" u="sng" dirty="0">
+                <a:solidFill>
+                  <a:schemeClr val="tx1"/>
+                </a:solidFill>
+                <a:latin typeface="Times New Roman" pitchFamily="18" charset="0"/>
+                <a:cs typeface="Times New Roman" pitchFamily="18" charset="0"/>
+              </a:rPr>
+              <a:t>Key Concepts in Stemming</a:t>
+            </a:r>
+            <a:r>
+              <a:rPr lang="en-US" b="1" u="sng" dirty="0" smtClean="0">
+                <a:solidFill>
+                  <a:schemeClr val="tx1"/>
+                </a:solidFill>
+                <a:latin typeface="Times New Roman" pitchFamily="18" charset="0"/>
+                <a:cs typeface="Times New Roman" pitchFamily="18" charset="0"/>
+              </a:rPr>
+              <a:t>:</a:t>
+            </a:r>
+          </a:p>
+          <a:p>
+            <a:pPr algn="just"/>
+            <a:endParaRPr lang="en-US" b="1" u="sng" dirty="0">
+              <a:solidFill>
+                <a:schemeClr val="tx1"/>
+              </a:solidFill>
+              <a:latin typeface="Times New Roman" pitchFamily="18" charset="0"/>
+              <a:cs typeface="Times New Roman" pitchFamily="18" charset="0"/>
+            </a:endParaRPr>
+          </a:p>
+          <a:p>
+            <a:pPr algn="just"/>
+            <a:r>
+              <a:rPr lang="en-US" b="1" dirty="0">
+                <a:solidFill>
+                  <a:schemeClr val="tx1"/>
+                </a:solidFill>
+                <a:latin typeface="Times New Roman" pitchFamily="18" charset="0"/>
+                <a:cs typeface="Times New Roman" pitchFamily="18" charset="0"/>
+              </a:rPr>
+              <a:t>Purpose:</a:t>
+            </a:r>
+            <a:endParaRPr lang="en-US" dirty="0">
+              <a:solidFill>
+                <a:schemeClr val="tx1"/>
+              </a:solidFill>
+              <a:latin typeface="Times New Roman" pitchFamily="18" charset="0"/>
+              <a:cs typeface="Times New Roman" pitchFamily="18" charset="0"/>
+            </a:endParaRPr>
+          </a:p>
+          <a:p>
+            <a:pPr lvl="1" algn="just"/>
+            <a:r>
+              <a:rPr lang="en-US" b="1" dirty="0">
+                <a:solidFill>
+                  <a:schemeClr val="tx1"/>
+                </a:solidFill>
+                <a:latin typeface="Times New Roman" pitchFamily="18" charset="0"/>
+                <a:cs typeface="Times New Roman" pitchFamily="18" charset="0"/>
+              </a:rPr>
+              <a:t>Normalization:</a:t>
+            </a:r>
+            <a:r>
+              <a:rPr lang="en-US" dirty="0">
+                <a:solidFill>
+                  <a:schemeClr val="tx1"/>
+                </a:solidFill>
+                <a:latin typeface="Times New Roman" pitchFamily="18" charset="0"/>
+                <a:cs typeface="Times New Roman" pitchFamily="18" charset="0"/>
+              </a:rPr>
+              <a:t> By reducing words to their stem, you can improve the consistency of text data, which is useful in search engines, text mining, and information retrieval.</a:t>
+            </a:r>
+          </a:p>
+          <a:p>
+            <a:pPr lvl="1" algn="just"/>
+            <a:r>
+              <a:rPr lang="en-US" b="1" dirty="0">
+                <a:solidFill>
+                  <a:schemeClr val="tx1"/>
+                </a:solidFill>
+                <a:latin typeface="Times New Roman" pitchFamily="18" charset="0"/>
+                <a:cs typeface="Times New Roman" pitchFamily="18" charset="0"/>
+              </a:rPr>
+              <a:t>Dimensionality Reduction:</a:t>
+            </a:r>
+            <a:r>
+              <a:rPr lang="en-US" dirty="0">
+                <a:solidFill>
+                  <a:schemeClr val="tx1"/>
+                </a:solidFill>
+                <a:latin typeface="Times New Roman" pitchFamily="18" charset="0"/>
+                <a:cs typeface="Times New Roman" pitchFamily="18" charset="0"/>
+              </a:rPr>
+              <a:t> It reduces the number of unique terms, which can simplify models and improve computational efficiency</a:t>
+            </a:r>
+            <a:r>
+              <a:rPr lang="en-US" dirty="0" smtClean="0">
+                <a:solidFill>
+                  <a:schemeClr val="tx1"/>
+                </a:solidFill>
+                <a:latin typeface="Times New Roman" pitchFamily="18" charset="0"/>
+                <a:cs typeface="Times New Roman" pitchFamily="18" charset="0"/>
+              </a:rPr>
+              <a:t>.</a:t>
+            </a:r>
+          </a:p>
+          <a:p>
+            <a:pPr lvl="1" algn="just"/>
+            <a:endParaRPr lang="en-US" dirty="0">
+              <a:solidFill>
+                <a:schemeClr val="tx1"/>
+              </a:solidFill>
+              <a:latin typeface="Times New Roman" pitchFamily="18" charset="0"/>
+              <a:cs typeface="Times New Roman" pitchFamily="18" charset="0"/>
+            </a:endParaRPr>
+          </a:p>
+          <a:p>
+            <a:pPr algn="just"/>
+            <a:r>
+              <a:rPr lang="en-US" b="1" dirty="0">
+                <a:solidFill>
+                  <a:schemeClr val="tx1"/>
+                </a:solidFill>
+                <a:latin typeface="Times New Roman" pitchFamily="18" charset="0"/>
+                <a:cs typeface="Times New Roman" pitchFamily="18" charset="0"/>
+              </a:rPr>
+              <a:t>Stemming vs. Lemmatization:</a:t>
+            </a:r>
+            <a:endParaRPr lang="en-US" dirty="0">
+              <a:solidFill>
+                <a:schemeClr val="tx1"/>
+              </a:solidFill>
+              <a:latin typeface="Times New Roman" pitchFamily="18" charset="0"/>
+              <a:cs typeface="Times New Roman" pitchFamily="18" charset="0"/>
+            </a:endParaRPr>
+          </a:p>
+          <a:p>
+            <a:pPr lvl="1" algn="just"/>
+            <a:r>
+              <a:rPr lang="en-US" b="1" dirty="0">
+                <a:solidFill>
+                  <a:schemeClr val="tx1"/>
+                </a:solidFill>
+                <a:latin typeface="Times New Roman" pitchFamily="18" charset="0"/>
+                <a:cs typeface="Times New Roman" pitchFamily="18" charset="0"/>
+              </a:rPr>
+              <a:t>Stemming:</a:t>
+            </a:r>
+            <a:r>
+              <a:rPr lang="en-US" dirty="0">
+                <a:solidFill>
+                  <a:schemeClr val="tx1"/>
+                </a:solidFill>
+                <a:latin typeface="Times New Roman" pitchFamily="18" charset="0"/>
+                <a:cs typeface="Times New Roman" pitchFamily="18" charset="0"/>
+              </a:rPr>
+              <a:t> Generally uses heuristic rules to chop off prefixes or suffixes to achieve the root form. It may not always produce a valid word or the actual base form of a word.</a:t>
+            </a:r>
+          </a:p>
+          <a:p>
+            <a:pPr lvl="1" algn="just"/>
+            <a:r>
+              <a:rPr lang="en-US" b="1" dirty="0">
+                <a:solidFill>
+                  <a:schemeClr val="tx1"/>
+                </a:solidFill>
+                <a:latin typeface="Times New Roman" pitchFamily="18" charset="0"/>
+                <a:cs typeface="Times New Roman" pitchFamily="18" charset="0"/>
+              </a:rPr>
+              <a:t>Lemmatization:</a:t>
+            </a:r>
+            <a:r>
+              <a:rPr lang="en-US" dirty="0">
+                <a:solidFill>
+                  <a:schemeClr val="tx1"/>
+                </a:solidFill>
+                <a:latin typeface="Times New Roman" pitchFamily="18" charset="0"/>
+                <a:cs typeface="Times New Roman" pitchFamily="18" charset="0"/>
+              </a:rPr>
+              <a:t> Involves reducing words to their base or dictionary form using a vocabulary and morphological analysis, often producing more accurate results but is more computationally intensive.</a:t>
+            </a:r>
+          </a:p>
+          <a:p>
+            <a:endParaRPr lang="en-US" sz="1200" dirty="0">
+              <a:solidFill>
+                <a:schemeClr val="tx1"/>
+              </a:solidFill>
+            </a:endParaRPr>
+          </a:p>
+        </p:txBody>
+      </p:sp>
+    </p:spTree>
+    <p:extLst>
+      <p:ext uri="{BB962C8B-B14F-4D97-AF65-F5344CB8AC3E}">
+        <p14:creationId xmlns:p14="http://schemas.microsoft.com/office/powerpoint/2010/main" val="3876388427"/>
+      </p:ext>
+    </p:extLst>
+  </p:cSld>
+  <p:clrMapOvr>
+    <a:masterClrMapping/>
+  </p:clrMapOvr>
+  <p:timing>
+    <p:tnLst>
+      <p:par>
+        <p:cTn id="1" dur="indefinite" restart="never" nodeType="tmRoot"/>
+      </p:par>
+    </p:tnLst>
+  </p:timing>
+</p:sld>
+</file>
+
+<file path=ppt/slides/slide34.xml><?xml version="1.0" encoding="utf-8"?>
+<p:sld xmlns:a="http://schemas.openxmlformats.org/drawingml/2006/main" xmlns:r="http://schemas.openxmlformats.org/officeDocument/2006/relationships" xmlns:p="http://schemas.openxmlformats.org/presentationml/2006/main">
+  <p:cSld>
+    <p:spTree>
+      <p:nvGrpSpPr>
+        <p:cNvPr id="1" name="Shape 102"/>
+        <p:cNvGrpSpPr/>
+        <p:nvPr/>
+      </p:nvGrpSpPr>
+      <p:grpSpPr>
+        <a:xfrm>
+          <a:off x="0" y="0"/>
+          <a:ext cx="0" cy="0"/>
+          <a:chOff x="0" y="0"/>
+          <a:chExt cx="0" cy="0"/>
+        </a:xfrm>
+      </p:grpSpPr>
+      <p:sp>
+        <p:nvSpPr>
+          <p:cNvPr id="103" name="Google Shape;103;p16"/>
+          <p:cNvSpPr txBox="1">
+            <a:spLocks noGrp="1"/>
+          </p:cNvSpPr>
+          <p:nvPr>
+            <p:ph type="title"/>
+          </p:nvPr>
+        </p:nvSpPr>
+        <p:spPr>
+          <a:xfrm>
+            <a:off x="0" y="-37322"/>
+            <a:ext cx="9144000" cy="447869"/>
+          </a:xfrm>
+          <a:prstGeom prst="rect">
+            <a:avLst/>
+          </a:prstGeom>
+        </p:spPr>
+        <p:txBody>
+          <a:bodyPr spcFirstLastPara="1" wrap="square" lIns="91425" tIns="91425" rIns="91425" bIns="91425" anchor="t" anchorCtr="0">
+            <a:noAutofit/>
+          </a:bodyPr>
+          <a:lstStyle/>
+          <a:p>
+            <a:pPr algn="ctr" fontAlgn="base"/>
+            <a:r>
+              <a:rPr lang="en-US" sz="2000" b="1" smtClean="0"/>
+              <a:t>STEMMING ALGORITHMS</a:t>
+            </a:r>
+            <a:endParaRPr lang="en-US" sz="2000" b="1" dirty="0"/>
+          </a:p>
+        </p:txBody>
+      </p:sp>
+      <p:sp>
+        <p:nvSpPr>
+          <p:cNvPr id="2" name="Rectangle 1"/>
+          <p:cNvSpPr/>
+          <p:nvPr/>
+        </p:nvSpPr>
+        <p:spPr>
+          <a:xfrm>
+            <a:off x="382555" y="544976"/>
+            <a:ext cx="8537510" cy="4154984"/>
+          </a:xfrm>
+          <a:prstGeom prst="rect">
+            <a:avLst/>
+          </a:prstGeom>
+        </p:spPr>
+        <p:txBody>
+          <a:bodyPr wrap="square">
+            <a:spAutoFit/>
+          </a:bodyPr>
+          <a:lstStyle/>
+          <a:p>
+            <a:pPr algn="just"/>
+            <a:r>
+              <a:rPr lang="en-US" b="1" u="sng" dirty="0">
+                <a:solidFill>
+                  <a:schemeClr val="tx1"/>
+                </a:solidFill>
+              </a:rPr>
+              <a:t>Popular Stemming </a:t>
+            </a:r>
+            <a:r>
+              <a:rPr lang="en-US" b="1" u="sng">
+                <a:solidFill>
+                  <a:schemeClr val="tx1"/>
+                </a:solidFill>
+              </a:rPr>
+              <a:t>Algorithms</a:t>
+            </a:r>
+            <a:r>
+              <a:rPr lang="en-US" b="1" u="sng" smtClean="0">
+                <a:solidFill>
+                  <a:schemeClr val="tx1"/>
+                </a:solidFill>
+              </a:rPr>
+              <a:t>:</a:t>
+            </a:r>
+          </a:p>
+          <a:p>
+            <a:pPr algn="just"/>
+            <a:endParaRPr lang="en-US" b="1" u="sng" dirty="0">
+              <a:solidFill>
+                <a:schemeClr val="tx1"/>
+              </a:solidFill>
+            </a:endParaRPr>
+          </a:p>
+          <a:p>
+            <a:pPr algn="just"/>
+            <a:r>
+              <a:rPr lang="en-US" b="1" dirty="0">
+                <a:solidFill>
+                  <a:schemeClr val="tx1"/>
+                </a:solidFill>
+              </a:rPr>
+              <a:t>Porter Stemmer:</a:t>
+            </a:r>
+            <a:endParaRPr lang="en-US" dirty="0">
+              <a:solidFill>
+                <a:schemeClr val="tx1"/>
+              </a:solidFill>
+            </a:endParaRPr>
+          </a:p>
+          <a:p>
+            <a:pPr lvl="1" algn="just"/>
+            <a:r>
+              <a:rPr lang="en-US" dirty="0">
+                <a:solidFill>
+                  <a:schemeClr val="tx1"/>
+                </a:solidFill>
+              </a:rPr>
+              <a:t>Developed by Martin Porter, it is one of the most common stemming algorithms. It uses a series of rule-based transformations to remove common suffixes from words.</a:t>
+            </a:r>
+          </a:p>
+          <a:p>
+            <a:pPr lvl="1" algn="just"/>
+            <a:r>
+              <a:rPr lang="en-US" b="1" dirty="0">
+                <a:solidFill>
+                  <a:schemeClr val="tx1"/>
+                </a:solidFill>
+              </a:rPr>
+              <a:t>Example:</a:t>
+            </a:r>
+            <a:r>
+              <a:rPr lang="en-US" dirty="0">
+                <a:solidFill>
+                  <a:schemeClr val="tx1"/>
+                </a:solidFill>
+              </a:rPr>
+              <a:t> "running" → "run", "flies" → "</a:t>
+            </a:r>
+            <a:r>
+              <a:rPr lang="en-US" dirty="0" err="1">
+                <a:solidFill>
+                  <a:schemeClr val="tx1"/>
+                </a:solidFill>
+              </a:rPr>
+              <a:t>fli</a:t>
+            </a:r>
+            <a:r>
+              <a:rPr lang="en-US" dirty="0">
+                <a:solidFill>
+                  <a:schemeClr val="tx1"/>
+                </a:solidFill>
+              </a:rPr>
+              <a:t>"</a:t>
+            </a:r>
+          </a:p>
+          <a:p>
+            <a:pPr algn="just"/>
+            <a:r>
+              <a:rPr lang="en-US" b="1" dirty="0">
+                <a:solidFill>
+                  <a:schemeClr val="tx1"/>
+                </a:solidFill>
+              </a:rPr>
+              <a:t>Snowball Stemmer:</a:t>
+            </a:r>
+            <a:endParaRPr lang="en-US" dirty="0">
+              <a:solidFill>
+                <a:schemeClr val="tx1"/>
+              </a:solidFill>
+            </a:endParaRPr>
+          </a:p>
+          <a:p>
+            <a:pPr lvl="1" algn="just"/>
+            <a:r>
+              <a:rPr lang="en-US" dirty="0">
+                <a:solidFill>
+                  <a:schemeClr val="tx1"/>
+                </a:solidFill>
+              </a:rPr>
+              <a:t>Also developed by Martin Porter, it is an improved version of the Porter Stemmer and supports multiple languages. It uses a more refined set of rules.</a:t>
+            </a:r>
+          </a:p>
+          <a:p>
+            <a:pPr lvl="1" algn="just"/>
+            <a:r>
+              <a:rPr lang="en-US" b="1" dirty="0">
+                <a:solidFill>
+                  <a:schemeClr val="tx1"/>
+                </a:solidFill>
+              </a:rPr>
+              <a:t>Example:</a:t>
+            </a:r>
+            <a:r>
+              <a:rPr lang="en-US" dirty="0">
+                <a:solidFill>
+                  <a:schemeClr val="tx1"/>
+                </a:solidFill>
+              </a:rPr>
+              <a:t> "happily" → "</a:t>
+            </a:r>
+            <a:r>
+              <a:rPr lang="en-US" dirty="0" err="1">
+                <a:solidFill>
+                  <a:schemeClr val="tx1"/>
+                </a:solidFill>
+              </a:rPr>
+              <a:t>happi</a:t>
+            </a:r>
+            <a:r>
+              <a:rPr lang="en-US" dirty="0">
+                <a:solidFill>
+                  <a:schemeClr val="tx1"/>
+                </a:solidFill>
+              </a:rPr>
+              <a:t>", "fishing" → "fish"</a:t>
+            </a:r>
+          </a:p>
+          <a:p>
+            <a:pPr algn="just"/>
+            <a:r>
+              <a:rPr lang="en-US" b="1" dirty="0">
+                <a:solidFill>
+                  <a:schemeClr val="tx1"/>
+                </a:solidFill>
+              </a:rPr>
+              <a:t>Lancaster Stemmer:</a:t>
+            </a:r>
+            <a:endParaRPr lang="en-US" dirty="0">
+              <a:solidFill>
+                <a:schemeClr val="tx1"/>
+              </a:solidFill>
+            </a:endParaRPr>
+          </a:p>
+          <a:p>
+            <a:pPr lvl="1" algn="just"/>
+            <a:r>
+              <a:rPr lang="en-US" dirty="0">
+                <a:solidFill>
+                  <a:schemeClr val="tx1"/>
+                </a:solidFill>
+              </a:rPr>
+              <a:t>Known for its aggressive stemming, it uses a more extensive set of rules compared to Porter. This can lead to more radical reductions.</a:t>
+            </a:r>
+          </a:p>
+          <a:p>
+            <a:pPr lvl="1" algn="just"/>
+            <a:r>
+              <a:rPr lang="en-US" b="1" dirty="0">
+                <a:solidFill>
+                  <a:schemeClr val="tx1"/>
+                </a:solidFill>
+              </a:rPr>
+              <a:t>Example:</a:t>
+            </a:r>
+            <a:r>
+              <a:rPr lang="en-US" dirty="0">
+                <a:solidFill>
+                  <a:schemeClr val="tx1"/>
+                </a:solidFill>
+              </a:rPr>
+              <a:t> "universities" → "</a:t>
+            </a:r>
+            <a:r>
+              <a:rPr lang="en-US" dirty="0" err="1">
+                <a:solidFill>
+                  <a:schemeClr val="tx1"/>
+                </a:solidFill>
+              </a:rPr>
+              <a:t>univers</a:t>
+            </a:r>
+            <a:r>
+              <a:rPr lang="en-US" dirty="0">
+                <a:solidFill>
+                  <a:schemeClr val="tx1"/>
+                </a:solidFill>
+              </a:rPr>
+              <a:t>", "better" → "better"</a:t>
+            </a:r>
+          </a:p>
+          <a:p>
+            <a:pPr algn="just"/>
+            <a:r>
+              <a:rPr lang="en-US" b="1" dirty="0">
+                <a:solidFill>
+                  <a:schemeClr val="tx1"/>
+                </a:solidFill>
+              </a:rPr>
+              <a:t>Algorithmic Stemmers:</a:t>
+            </a:r>
+            <a:endParaRPr lang="en-US" dirty="0">
+              <a:solidFill>
+                <a:schemeClr val="tx1"/>
+              </a:solidFill>
+            </a:endParaRPr>
+          </a:p>
+          <a:p>
+            <a:pPr lvl="1" algn="just"/>
+            <a:r>
+              <a:rPr lang="en-US" b="1" dirty="0" err="1">
+                <a:solidFill>
+                  <a:schemeClr val="tx1"/>
+                </a:solidFill>
+              </a:rPr>
+              <a:t>Krovetz</a:t>
+            </a:r>
+            <a:r>
+              <a:rPr lang="en-US" b="1" dirty="0">
+                <a:solidFill>
+                  <a:schemeClr val="tx1"/>
+                </a:solidFill>
+              </a:rPr>
+              <a:t> Stemmer:</a:t>
+            </a:r>
+            <a:r>
+              <a:rPr lang="en-US" dirty="0">
+                <a:solidFill>
+                  <a:schemeClr val="tx1"/>
+                </a:solidFill>
+              </a:rPr>
+              <a:t> A more modern approach that combines rule-based and statistical methods for stemming.</a:t>
+            </a:r>
+          </a:p>
+          <a:p>
+            <a:pPr lvl="1" algn="just"/>
+            <a:r>
+              <a:rPr lang="en-US" b="1" dirty="0" err="1">
+                <a:solidFill>
+                  <a:schemeClr val="tx1"/>
+                </a:solidFill>
+              </a:rPr>
+              <a:t>LightStem</a:t>
+            </a:r>
+            <a:r>
+              <a:rPr lang="en-US" b="1" dirty="0">
+                <a:solidFill>
+                  <a:schemeClr val="tx1"/>
+                </a:solidFill>
+              </a:rPr>
+              <a:t>:</a:t>
+            </a:r>
+            <a:r>
+              <a:rPr lang="en-US" dirty="0">
+                <a:solidFill>
+                  <a:schemeClr val="tx1"/>
+                </a:solidFill>
+              </a:rPr>
+              <a:t> A lightweight stemmer that aims for a balance between simplicity and effectiveness.</a:t>
+            </a:r>
+          </a:p>
+          <a:p>
+            <a:endParaRPr lang="en-US" sz="1200" dirty="0">
+              <a:solidFill>
+                <a:schemeClr val="tx1"/>
+              </a:solidFill>
+            </a:endParaRPr>
+          </a:p>
+        </p:txBody>
+      </p:sp>
+    </p:spTree>
+    <p:extLst>
+      <p:ext uri="{BB962C8B-B14F-4D97-AF65-F5344CB8AC3E}">
+        <p14:creationId xmlns:p14="http://schemas.microsoft.com/office/powerpoint/2010/main" val="956139622"/>
       </p:ext>
     </p:extLst>
   </p:cSld>
